--- a/Module_4/presentations/module_4_presentation.pptx
+++ b/Module_4/presentations/module_4_presentation.pptx
@@ -5,7 +5,7 @@
     <p:sldMasterId id="2147483655" r:id="rId1"/>
   </p:sldMasterIdLst>
   <p:notesMasterIdLst>
-    <p:notesMasterId r:id="rId18"/>
+    <p:notesMasterId r:id="rId30"/>
   </p:notesMasterIdLst>
   <p:sldIdLst>
     <p:sldId id="256" r:id="rId2"/>
@@ -20,10 +20,22 @@
     <p:sldId id="496" r:id="rId11"/>
     <p:sldId id="497" r:id="rId12"/>
     <p:sldId id="498" r:id="rId13"/>
-    <p:sldId id="501" r:id="rId14"/>
-    <p:sldId id="499" r:id="rId15"/>
-    <p:sldId id="500" r:id="rId16"/>
-    <p:sldId id="489" r:id="rId17"/>
+    <p:sldId id="510" r:id="rId14"/>
+    <p:sldId id="511" r:id="rId15"/>
+    <p:sldId id="512" r:id="rId16"/>
+    <p:sldId id="513" r:id="rId17"/>
+    <p:sldId id="499" r:id="rId18"/>
+    <p:sldId id="502" r:id="rId19"/>
+    <p:sldId id="503" r:id="rId20"/>
+    <p:sldId id="501" r:id="rId21"/>
+    <p:sldId id="500" r:id="rId22"/>
+    <p:sldId id="504" r:id="rId23"/>
+    <p:sldId id="505" r:id="rId24"/>
+    <p:sldId id="506" r:id="rId25"/>
+    <p:sldId id="507" r:id="rId26"/>
+    <p:sldId id="508" r:id="rId27"/>
+    <p:sldId id="509" r:id="rId28"/>
+    <p:sldId id="489" r:id="rId29"/>
   </p:sldIdLst>
   <p:sldSz cx="9144000" cy="6858000" type="screen4x3"/>
   <p:notesSz cx="6858000" cy="9144000"/>
@@ -1677,7 +1689,7 @@
             </a:pPr>
             <a:fld id="{00000000-1234-1234-1234-123412341234}" type="slidenum">
               <a:rPr lang="en-US"/>
-              <a:t>16</a:t>
+              <a:t>28</a:t>
             </a:fld>
             <a:endParaRPr lang="en-US"/>
           </a:p>
@@ -6869,7 +6881,7 @@
           <p:cNvPr id="2" name="Title 1">
             <a:extLst>
               <a:ext uri="{FF2B5EF4-FFF2-40B4-BE49-F238E27FC236}">
-                <a16:creationId xmlns:a16="http://schemas.microsoft.com/office/drawing/2014/main" id="{0782CF32-C0A4-CF4B-8B5E-5960D7D5D3BD}"/>
+                <a16:creationId xmlns:a16="http://schemas.microsoft.com/office/drawing/2014/main" id="{954CC94E-A75A-5E4B-8D9B-41C6F38C4A79}"/>
               </a:ext>
             </a:extLst>
           </p:cNvPr>
@@ -6887,7 +6899,7 @@
           <a:p>
             <a:r>
               <a:rPr lang="en-US" dirty="0"/>
-              <a:t>Deadlocks and Channels</a:t>
+              <a:t>Some more notes on Channels</a:t>
             </a:r>
           </a:p>
         </p:txBody>
@@ -6897,7 +6909,7 @@
           <p:cNvPr id="3" name="Text Placeholder 2">
             <a:extLst>
               <a:ext uri="{FF2B5EF4-FFF2-40B4-BE49-F238E27FC236}">
-                <a16:creationId xmlns:a16="http://schemas.microsoft.com/office/drawing/2014/main" id="{EE0A5DBF-BA2B-0E47-AA14-948210E929DC}"/>
+                <a16:creationId xmlns:a16="http://schemas.microsoft.com/office/drawing/2014/main" id="{CCF20676-A752-C64E-9B7B-7E5C1783FFEB}"/>
               </a:ext>
             </a:extLst>
           </p:cNvPr>
@@ -6915,48 +6927,204 @@
           <a:p>
             <a:r>
               <a:rPr lang="en-US" dirty="0"/>
-              <a:t> One issue with channels is that if you </a:t>
+              <a:t> You can also CLOSE channels with the built in </a:t>
             </a:r>
             <a:r>
               <a:rPr lang="en-US" b="1" dirty="0"/>
-              <a:t>write</a:t>
-            </a:r>
-            <a:r>
-              <a:rPr lang="en-US" dirty="0"/>
-              <a:t> to a channel but you never </a:t>
+              <a:t>close()</a:t>
+            </a:r>
+            <a:r>
+              <a:rPr lang="en-US" dirty="0"/>
+              <a:t> function </a:t>
+            </a:r>
+          </a:p>
+          <a:p>
+            <a:r>
+              <a:rPr lang="en-US" dirty="0"/>
+              <a:t>AND you can use the </a:t>
             </a:r>
             <a:r>
               <a:rPr lang="en-US" b="1" dirty="0"/>
-              <a:t>receive from</a:t>
-            </a:r>
-            <a:r>
-              <a:rPr lang="en-US" dirty="0"/>
-              <a:t> that channel you end up with a </a:t>
-            </a:r>
-            <a:r>
-              <a:rPr lang="en-US" b="1" dirty="0"/>
-              <a:t>panic/error</a:t>
-            </a:r>
-            <a:r>
-              <a:rPr lang="en-US" dirty="0"/>
-              <a:t> resulting </a:t>
-            </a:r>
-            <a:r>
-              <a:rPr lang="en-US"/>
-              <a:t>in </a:t>
-            </a:r>
-            <a:r>
-              <a:rPr lang="en-US" b="1"/>
-              <a:t>deadlock</a:t>
-            </a:r>
-            <a:endParaRPr lang="en-US" dirty="0"/>
+              <a:t>select</a:t>
+            </a:r>
+            <a:r>
+              <a:rPr lang="en-US" dirty="0"/>
+              <a:t> function (like switch) to set up blocking for your channels to complete:</a:t>
+            </a:r>
+          </a:p>
+          <a:p>
+            <a:pPr marL="177800" indent="0">
+              <a:buNone/>
+            </a:pPr>
+            <a:r>
+              <a:rPr lang="en-US" sz="2000" dirty="0">
+                <a:highlight>
+                  <a:srgbClr val="FFFF00"/>
+                </a:highlight>
+                <a:latin typeface="American Typewriter" panose="02090604020004020304" pitchFamily="18" charset="77"/>
+              </a:rPr>
+              <a:t>select {</a:t>
+            </a:r>
+          </a:p>
+          <a:p>
+            <a:pPr marL="177800" indent="0">
+              <a:buNone/>
+            </a:pPr>
+            <a:r>
+              <a:rPr lang="en-US" sz="2000" dirty="0">
+                <a:highlight>
+                  <a:srgbClr val="FFFF00"/>
+                </a:highlight>
+                <a:latin typeface="American Typewriter" panose="02090604020004020304" pitchFamily="18" charset="77"/>
+              </a:rPr>
+              <a:t>        case msg1 := &lt;-c1:</a:t>
+            </a:r>
+          </a:p>
+          <a:p>
+            <a:pPr marL="177800" indent="0">
+              <a:buNone/>
+            </a:pPr>
+            <a:r>
+              <a:rPr lang="en-US" sz="2000" dirty="0">
+                <a:highlight>
+                  <a:srgbClr val="FFFF00"/>
+                </a:highlight>
+                <a:latin typeface="American Typewriter" panose="02090604020004020304" pitchFamily="18" charset="77"/>
+              </a:rPr>
+              <a:t>            </a:t>
+            </a:r>
+            <a:r>
+              <a:rPr lang="en-US" sz="2000" dirty="0" err="1">
+                <a:highlight>
+                  <a:srgbClr val="FFFF00"/>
+                </a:highlight>
+                <a:latin typeface="American Typewriter" panose="02090604020004020304" pitchFamily="18" charset="77"/>
+              </a:rPr>
+              <a:t>fmt.Println</a:t>
+            </a:r>
+            <a:r>
+              <a:rPr lang="en-US" sz="2000" dirty="0">
+                <a:highlight>
+                  <a:srgbClr val="FFFF00"/>
+                </a:highlight>
+                <a:latin typeface="American Typewriter" panose="02090604020004020304" pitchFamily="18" charset="77"/>
+              </a:rPr>
+              <a:t>("received", msg1)</a:t>
+            </a:r>
+          </a:p>
+          <a:p>
+            <a:pPr marL="177800" indent="0">
+              <a:buNone/>
+            </a:pPr>
+            <a:r>
+              <a:rPr lang="en-US" sz="2000" dirty="0">
+                <a:highlight>
+                  <a:srgbClr val="FFFF00"/>
+                </a:highlight>
+                <a:latin typeface="American Typewriter" panose="02090604020004020304" pitchFamily="18" charset="77"/>
+              </a:rPr>
+              <a:t>        case msg2 := &lt;-c2:</a:t>
+            </a:r>
+          </a:p>
+          <a:p>
+            <a:pPr marL="177800" indent="0">
+              <a:buNone/>
+            </a:pPr>
+            <a:r>
+              <a:rPr lang="en-US" sz="2000" dirty="0">
+                <a:highlight>
+                  <a:srgbClr val="FFFF00"/>
+                </a:highlight>
+                <a:latin typeface="American Typewriter" panose="02090604020004020304" pitchFamily="18" charset="77"/>
+              </a:rPr>
+              <a:t>            </a:t>
+            </a:r>
+            <a:r>
+              <a:rPr lang="en-US" sz="2000" dirty="0" err="1">
+                <a:highlight>
+                  <a:srgbClr val="FFFF00"/>
+                </a:highlight>
+                <a:latin typeface="American Typewriter" panose="02090604020004020304" pitchFamily="18" charset="77"/>
+              </a:rPr>
+              <a:t>fmt.Println</a:t>
+            </a:r>
+            <a:r>
+              <a:rPr lang="en-US" sz="2000" dirty="0">
+                <a:highlight>
+                  <a:srgbClr val="FFFF00"/>
+                </a:highlight>
+                <a:latin typeface="American Typewriter" panose="02090604020004020304" pitchFamily="18" charset="77"/>
+              </a:rPr>
+              <a:t>("received", msg2)</a:t>
+            </a:r>
+          </a:p>
+          <a:p>
+            <a:pPr marL="177800" indent="0">
+              <a:buNone/>
+            </a:pPr>
+            <a:r>
+              <a:rPr lang="en-US" sz="2000" dirty="0">
+                <a:highlight>
+                  <a:srgbClr val="FFFF00"/>
+                </a:highlight>
+                <a:latin typeface="American Typewriter" panose="02090604020004020304" pitchFamily="18" charset="77"/>
+              </a:rPr>
+              <a:t>        }</a:t>
+            </a:r>
           </a:p>
         </p:txBody>
       </p:sp>
+      <p:pic>
+        <p:nvPicPr>
+          <p:cNvPr id="10242" name="Picture 2" descr="Image result for go gopher">
+            <a:extLst>
+              <a:ext uri="{FF2B5EF4-FFF2-40B4-BE49-F238E27FC236}">
+                <a16:creationId xmlns:a16="http://schemas.microsoft.com/office/drawing/2014/main" id="{55AF79F6-8576-844C-B9D1-99A733591EEF}"/>
+              </a:ext>
+            </a:extLst>
+          </p:cNvPr>
+          <p:cNvPicPr>
+            <a:picLocks noChangeAspect="1" noChangeArrowheads="1"/>
+          </p:cNvPicPr>
+          <p:nvPr/>
+        </p:nvPicPr>
+        <p:blipFill>
+          <a:blip r:embed="rId2">
+            <a:extLst>
+              <a:ext uri="{28A0092B-C50C-407E-A947-70E740481C1C}">
+                <a14:useLocalDpi xmlns:a14="http://schemas.microsoft.com/office/drawing/2010/main" val="0"/>
+              </a:ext>
+            </a:extLst>
+          </a:blip>
+          <a:srcRect/>
+          <a:stretch>
+            <a:fillRect/>
+          </a:stretch>
+        </p:blipFill>
+        <p:spPr bwMode="auto">
+          <a:xfrm>
+            <a:off x="5229847" y="3464351"/>
+            <a:ext cx="2832100" cy="2870200"/>
+          </a:xfrm>
+          <a:prstGeom prst="rect">
+            <a:avLst/>
+          </a:prstGeom>
+          <a:noFill/>
+          <a:extLst>
+            <a:ext uri="{909E8E84-426E-40DD-AFC4-6F175D3DCCD1}">
+              <a14:hiddenFill xmlns:a14="http://schemas.microsoft.com/office/drawing/2010/main">
+                <a:solidFill>
+                  <a:srgbClr val="FFFFFF"/>
+                </a:solidFill>
+              </a14:hiddenFill>
+            </a:ext>
+          </a:extLst>
+        </p:spPr>
+      </p:pic>
     </p:spTree>
     <p:extLst>
       <p:ext uri="{BB962C8B-B14F-4D97-AF65-F5344CB8AC3E}">
-        <p14:creationId xmlns:p14="http://schemas.microsoft.com/office/powerpoint/2010/main" val="2864963986"/>
+        <p14:creationId xmlns:p14="http://schemas.microsoft.com/office/powerpoint/2010/main" val="1201248557"/>
       </p:ext>
     </p:extLst>
   </p:cSld>
@@ -6967,6 +7135,451 @@
 </file>
 
 <file path=ppt/slides/slide14.xml><?xml version="1.0" encoding="utf-8"?>
+<p:sld xmlns:a="http://schemas.openxmlformats.org/drawingml/2006/main" xmlns:r="http://schemas.openxmlformats.org/officeDocument/2006/relationships" xmlns:p="http://schemas.openxmlformats.org/presentationml/2006/main">
+  <p:cSld>
+    <p:spTree>
+      <p:nvGrpSpPr>
+        <p:cNvPr id="1" name=""/>
+        <p:cNvGrpSpPr/>
+        <p:nvPr/>
+      </p:nvGrpSpPr>
+      <p:grpSpPr>
+        <a:xfrm>
+          <a:off x="0" y="0"/>
+          <a:ext cx="0" cy="0"/>
+          <a:chOff x="0" y="0"/>
+          <a:chExt cx="0" cy="0"/>
+        </a:xfrm>
+      </p:grpSpPr>
+      <p:sp>
+        <p:nvSpPr>
+          <p:cNvPr id="2" name="Title 1">
+            <a:extLst>
+              <a:ext uri="{FF2B5EF4-FFF2-40B4-BE49-F238E27FC236}">
+                <a16:creationId xmlns:a16="http://schemas.microsoft.com/office/drawing/2014/main" id="{B9C5492C-9BDE-8F4C-9BA7-D6D618EFB830}"/>
+              </a:ext>
+            </a:extLst>
+          </p:cNvPr>
+          <p:cNvSpPr>
+            <a:spLocks noGrp="1"/>
+          </p:cNvSpPr>
+          <p:nvPr>
+            <p:ph type="title"/>
+          </p:nvPr>
+        </p:nvSpPr>
+        <p:spPr/>
+        <p:txBody>
+          <a:bodyPr/>
+          <a:lstStyle/>
+          <a:p>
+            <a:r>
+              <a:rPr lang="en-US" dirty="0"/>
+              <a:t>More on the SELECT statement</a:t>
+            </a:r>
+          </a:p>
+        </p:txBody>
+      </p:sp>
+      <p:sp>
+        <p:nvSpPr>
+          <p:cNvPr id="3" name="Text Placeholder 2">
+            <a:extLst>
+              <a:ext uri="{FF2B5EF4-FFF2-40B4-BE49-F238E27FC236}">
+                <a16:creationId xmlns:a16="http://schemas.microsoft.com/office/drawing/2014/main" id="{9F2A7CCD-F2CC-F445-B8EF-60083B832E8F}"/>
+              </a:ext>
+            </a:extLst>
+          </p:cNvPr>
+          <p:cNvSpPr>
+            <a:spLocks noGrp="1"/>
+          </p:cNvSpPr>
+          <p:nvPr>
+            <p:ph type="body" idx="1"/>
+          </p:nvPr>
+        </p:nvSpPr>
+        <p:spPr/>
+        <p:txBody>
+          <a:bodyPr/>
+          <a:lstStyle/>
+          <a:p>
+            <a:r>
+              <a:rPr lang="en-US" dirty="0"/>
+              <a:t> Now- since we mentioned </a:t>
+            </a:r>
+            <a:r>
+              <a:rPr lang="en-US" b="1" dirty="0"/>
+              <a:t>select</a:t>
+            </a:r>
+            <a:r>
+              <a:rPr lang="en-US" dirty="0"/>
+              <a:t> – it’s important to note that the </a:t>
+            </a:r>
+            <a:r>
+              <a:rPr lang="en-US" b="1" dirty="0"/>
+              <a:t>select</a:t>
+            </a:r>
+            <a:r>
+              <a:rPr lang="en-US" dirty="0"/>
+              <a:t> statement </a:t>
+            </a:r>
+            <a:r>
+              <a:rPr lang="en-US" b="1" dirty="0"/>
+              <a:t>is</a:t>
+            </a:r>
+            <a:r>
+              <a:rPr lang="en-US" dirty="0"/>
+              <a:t> blocking. It will block until one of the send/receive channels is ready. If multiple are ready at the same time then one of them is chosen at random. </a:t>
+            </a:r>
+          </a:p>
+          <a:p>
+            <a:r>
+              <a:rPr lang="en-US" dirty="0"/>
+              <a:t>It’s just like </a:t>
+            </a:r>
+            <a:r>
+              <a:rPr lang="en-US" b="1" dirty="0"/>
+              <a:t>switch</a:t>
+            </a:r>
+            <a:r>
+              <a:rPr lang="en-US" dirty="0"/>
+              <a:t> but we use channels as inputs.</a:t>
+            </a:r>
+          </a:p>
+        </p:txBody>
+      </p:sp>
+      <p:pic>
+        <p:nvPicPr>
+          <p:cNvPr id="11266" name="Picture 2" descr="Image result for go gopher">
+            <a:extLst>
+              <a:ext uri="{FF2B5EF4-FFF2-40B4-BE49-F238E27FC236}">
+                <a16:creationId xmlns:a16="http://schemas.microsoft.com/office/drawing/2014/main" id="{14C317F6-AC11-6B44-8300-4BCFCEFFB020}"/>
+              </a:ext>
+            </a:extLst>
+          </p:cNvPr>
+          <p:cNvPicPr>
+            <a:picLocks noChangeAspect="1" noChangeArrowheads="1"/>
+          </p:cNvPicPr>
+          <p:nvPr/>
+        </p:nvPicPr>
+        <p:blipFill>
+          <a:blip r:embed="rId2">
+            <a:extLst>
+              <a:ext uri="{28A0092B-C50C-407E-A947-70E740481C1C}">
+                <a14:useLocalDpi xmlns:a14="http://schemas.microsoft.com/office/drawing/2010/main" val="0"/>
+              </a:ext>
+            </a:extLst>
+          </a:blip>
+          <a:srcRect/>
+          <a:stretch>
+            <a:fillRect/>
+          </a:stretch>
+        </p:blipFill>
+        <p:spPr bwMode="auto">
+          <a:xfrm>
+            <a:off x="3214540" y="4152113"/>
+            <a:ext cx="3002110" cy="2248685"/>
+          </a:xfrm>
+          <a:prstGeom prst="rect">
+            <a:avLst/>
+          </a:prstGeom>
+          <a:noFill/>
+          <a:extLst>
+            <a:ext uri="{909E8E84-426E-40DD-AFC4-6F175D3DCCD1}">
+              <a14:hiddenFill xmlns:a14="http://schemas.microsoft.com/office/drawing/2010/main">
+                <a:solidFill>
+                  <a:srgbClr val="FFFFFF"/>
+                </a:solidFill>
+              </a14:hiddenFill>
+            </a:ext>
+          </a:extLst>
+        </p:spPr>
+      </p:pic>
+    </p:spTree>
+    <p:extLst>
+      <p:ext uri="{BB962C8B-B14F-4D97-AF65-F5344CB8AC3E}">
+        <p14:creationId xmlns:p14="http://schemas.microsoft.com/office/powerpoint/2010/main" val="865818883"/>
+      </p:ext>
+    </p:extLst>
+  </p:cSld>
+  <p:clrMapOvr>
+    <a:masterClrMapping/>
+  </p:clrMapOvr>
+</p:sld>
+</file>
+
+<file path=ppt/slides/slide15.xml><?xml version="1.0" encoding="utf-8"?>
+<p:sld xmlns:a="http://schemas.openxmlformats.org/drawingml/2006/main" xmlns:r="http://schemas.openxmlformats.org/officeDocument/2006/relationships" xmlns:p="http://schemas.openxmlformats.org/presentationml/2006/main">
+  <p:cSld>
+    <p:spTree>
+      <p:nvGrpSpPr>
+        <p:cNvPr id="1" name=""/>
+        <p:cNvGrpSpPr/>
+        <p:nvPr/>
+      </p:nvGrpSpPr>
+      <p:grpSpPr>
+        <a:xfrm>
+          <a:off x="0" y="0"/>
+          <a:ext cx="0" cy="0"/>
+          <a:chOff x="0" y="0"/>
+          <a:chExt cx="0" cy="0"/>
+        </a:xfrm>
+      </p:grpSpPr>
+      <p:sp>
+        <p:nvSpPr>
+          <p:cNvPr id="2" name="Title 1">
+            <a:extLst>
+              <a:ext uri="{FF2B5EF4-FFF2-40B4-BE49-F238E27FC236}">
+                <a16:creationId xmlns:a16="http://schemas.microsoft.com/office/drawing/2014/main" id="{7B53C949-CD07-404C-A1CB-4670DE55C31F}"/>
+              </a:ext>
+            </a:extLst>
+          </p:cNvPr>
+          <p:cNvSpPr>
+            <a:spLocks noGrp="1"/>
+          </p:cNvSpPr>
+          <p:nvPr>
+            <p:ph type="title"/>
+          </p:nvPr>
+        </p:nvSpPr>
+        <p:spPr/>
+        <p:txBody>
+          <a:bodyPr/>
+          <a:lstStyle/>
+          <a:p>
+            <a:r>
+              <a:rPr lang="en-US" dirty="0"/>
+              <a:t>Situation for select</a:t>
+            </a:r>
+          </a:p>
+        </p:txBody>
+      </p:sp>
+      <p:sp>
+        <p:nvSpPr>
+          <p:cNvPr id="3" name="Text Placeholder 2">
+            <a:extLst>
+              <a:ext uri="{FF2B5EF4-FFF2-40B4-BE49-F238E27FC236}">
+                <a16:creationId xmlns:a16="http://schemas.microsoft.com/office/drawing/2014/main" id="{A60578F3-A3D8-1B46-A9C0-25C5C923B4FC}"/>
+              </a:ext>
+            </a:extLst>
+          </p:cNvPr>
+          <p:cNvSpPr>
+            <a:spLocks noGrp="1"/>
+          </p:cNvSpPr>
+          <p:nvPr>
+            <p:ph type="body" idx="1"/>
+          </p:nvPr>
+        </p:nvSpPr>
+        <p:spPr/>
+        <p:txBody>
+          <a:bodyPr/>
+          <a:lstStyle/>
+          <a:p>
+            <a:r>
+              <a:rPr lang="en-US" sz="2000" dirty="0"/>
+              <a:t>Lets assume we have a mission critical application and we need to return the output to the user as quickly as possible. The database for this application is replicated and stored in different servers across the world. Assume that the functions server1 and server2 are in fact communicating with 2 such servers. The response time of each server is dependent on the load on each and the network delay. We send the request to both the servers and then wait on the corresponding channels for the response using the select statement. The server which responds first is chosen by the select and the other response is ignored. This way we can send the same request to multiple servers and return the quickest response to the user :).</a:t>
+            </a:r>
+          </a:p>
+        </p:txBody>
+      </p:sp>
+      <p:pic>
+        <p:nvPicPr>
+          <p:cNvPr id="12290" name="Picture 2" descr="Image result for go gopher">
+            <a:extLst>
+              <a:ext uri="{FF2B5EF4-FFF2-40B4-BE49-F238E27FC236}">
+                <a16:creationId xmlns:a16="http://schemas.microsoft.com/office/drawing/2014/main" id="{C06F159A-0221-B142-8FE7-F53063690519}"/>
+              </a:ext>
+            </a:extLst>
+          </p:cNvPr>
+          <p:cNvPicPr>
+            <a:picLocks noChangeAspect="1" noChangeArrowheads="1"/>
+          </p:cNvPicPr>
+          <p:nvPr/>
+        </p:nvPicPr>
+        <p:blipFill>
+          <a:blip r:embed="rId2">
+            <a:extLst>
+              <a:ext uri="{28A0092B-C50C-407E-A947-70E740481C1C}">
+                <a14:useLocalDpi xmlns:a14="http://schemas.microsoft.com/office/drawing/2010/main" val="0"/>
+              </a:ext>
+            </a:extLst>
+          </a:blip>
+          <a:srcRect/>
+          <a:stretch>
+            <a:fillRect/>
+          </a:stretch>
+        </p:blipFill>
+        <p:spPr bwMode="auto">
+          <a:xfrm>
+            <a:off x="3676454" y="4658960"/>
+            <a:ext cx="2540196" cy="1912503"/>
+          </a:xfrm>
+          <a:prstGeom prst="rect">
+            <a:avLst/>
+          </a:prstGeom>
+          <a:noFill/>
+          <a:extLst>
+            <a:ext uri="{909E8E84-426E-40DD-AFC4-6F175D3DCCD1}">
+              <a14:hiddenFill xmlns:a14="http://schemas.microsoft.com/office/drawing/2010/main">
+                <a:solidFill>
+                  <a:srgbClr val="FFFFFF"/>
+                </a:solidFill>
+              </a14:hiddenFill>
+            </a:ext>
+          </a:extLst>
+        </p:spPr>
+      </p:pic>
+    </p:spTree>
+    <p:extLst>
+      <p:ext uri="{BB962C8B-B14F-4D97-AF65-F5344CB8AC3E}">
+        <p14:creationId xmlns:p14="http://schemas.microsoft.com/office/powerpoint/2010/main" val="3240817041"/>
+      </p:ext>
+    </p:extLst>
+  </p:cSld>
+  <p:clrMapOvr>
+    <a:masterClrMapping/>
+  </p:clrMapOvr>
+</p:sld>
+</file>
+
+<file path=ppt/slides/slide16.xml><?xml version="1.0" encoding="utf-8"?>
+<p:sld xmlns:a="http://schemas.openxmlformats.org/drawingml/2006/main" xmlns:r="http://schemas.openxmlformats.org/officeDocument/2006/relationships" xmlns:p="http://schemas.openxmlformats.org/presentationml/2006/main">
+  <p:cSld>
+    <p:spTree>
+      <p:nvGrpSpPr>
+        <p:cNvPr id="1" name=""/>
+        <p:cNvGrpSpPr/>
+        <p:nvPr/>
+      </p:nvGrpSpPr>
+      <p:grpSpPr>
+        <a:xfrm>
+          <a:off x="0" y="0"/>
+          <a:ext cx="0" cy="0"/>
+          <a:chOff x="0" y="0"/>
+          <a:chExt cx="0" cy="0"/>
+        </a:xfrm>
+      </p:grpSpPr>
+      <p:sp>
+        <p:nvSpPr>
+          <p:cNvPr id="2" name="Title 1">
+            <a:extLst>
+              <a:ext uri="{FF2B5EF4-FFF2-40B4-BE49-F238E27FC236}">
+                <a16:creationId xmlns:a16="http://schemas.microsoft.com/office/drawing/2014/main" id="{B8C030AB-24E4-384B-9F5F-8D526F4DF988}"/>
+              </a:ext>
+            </a:extLst>
+          </p:cNvPr>
+          <p:cNvSpPr>
+            <a:spLocks noGrp="1"/>
+          </p:cNvSpPr>
+          <p:nvPr>
+            <p:ph type="title"/>
+          </p:nvPr>
+        </p:nvSpPr>
+        <p:spPr/>
+        <p:txBody>
+          <a:bodyPr/>
+          <a:lstStyle/>
+          <a:p>
+            <a:r>
+              <a:rPr lang="en-US" dirty="0"/>
+              <a:t>Select Statements</a:t>
+            </a:r>
+          </a:p>
+        </p:txBody>
+      </p:sp>
+      <p:sp>
+        <p:nvSpPr>
+          <p:cNvPr id="3" name="Text Placeholder 2">
+            <a:extLst>
+              <a:ext uri="{FF2B5EF4-FFF2-40B4-BE49-F238E27FC236}">
+                <a16:creationId xmlns:a16="http://schemas.microsoft.com/office/drawing/2014/main" id="{280E2419-0AEE-4744-9AFB-C10D5362553E}"/>
+              </a:ext>
+            </a:extLst>
+          </p:cNvPr>
+          <p:cNvSpPr>
+            <a:spLocks noGrp="1"/>
+          </p:cNvSpPr>
+          <p:nvPr>
+            <p:ph type="body" idx="1"/>
+          </p:nvPr>
+        </p:nvSpPr>
+        <p:spPr/>
+        <p:txBody>
+          <a:bodyPr/>
+          <a:lstStyle/>
+          <a:p>
+            <a:r>
+              <a:rPr lang="en-US" dirty="0"/>
+              <a:t> Finally- if you want to make your select NON BLOCKING you can utilize the </a:t>
+            </a:r>
+            <a:r>
+              <a:rPr lang="en-US" b="1" dirty="0"/>
+              <a:t>default </a:t>
+            </a:r>
+            <a:r>
+              <a:rPr lang="en-US" dirty="0"/>
+              <a:t>statement- similar to the way we use it in switch. THIS will be run until a channel is ready.</a:t>
+            </a:r>
+          </a:p>
+        </p:txBody>
+      </p:sp>
+      <p:pic>
+        <p:nvPicPr>
+          <p:cNvPr id="13314" name="Picture 2" descr="Image result for go gopher">
+            <a:extLst>
+              <a:ext uri="{FF2B5EF4-FFF2-40B4-BE49-F238E27FC236}">
+                <a16:creationId xmlns:a16="http://schemas.microsoft.com/office/drawing/2014/main" id="{5DE114A5-6FFF-5A40-88D2-9D7C23FEA705}"/>
+              </a:ext>
+            </a:extLst>
+          </p:cNvPr>
+          <p:cNvPicPr>
+            <a:picLocks noChangeAspect="1" noChangeArrowheads="1"/>
+          </p:cNvPicPr>
+          <p:nvPr/>
+        </p:nvPicPr>
+        <p:blipFill>
+          <a:blip r:embed="rId2">
+            <a:extLst>
+              <a:ext uri="{28A0092B-C50C-407E-A947-70E740481C1C}">
+                <a14:useLocalDpi xmlns:a14="http://schemas.microsoft.com/office/drawing/2010/main" val="0"/>
+              </a:ext>
+            </a:extLst>
+          </a:blip>
+          <a:srcRect/>
+          <a:stretch>
+            <a:fillRect/>
+          </a:stretch>
+        </p:blipFill>
+        <p:spPr bwMode="auto">
+          <a:xfrm>
+            <a:off x="2477875" y="3751410"/>
+            <a:ext cx="3924300" cy="2070100"/>
+          </a:xfrm>
+          <a:prstGeom prst="rect">
+            <a:avLst/>
+          </a:prstGeom>
+          <a:noFill/>
+          <a:extLst>
+            <a:ext uri="{909E8E84-426E-40DD-AFC4-6F175D3DCCD1}">
+              <a14:hiddenFill xmlns:a14="http://schemas.microsoft.com/office/drawing/2010/main">
+                <a:solidFill>
+                  <a:srgbClr val="FFFFFF"/>
+                </a:solidFill>
+              </a14:hiddenFill>
+            </a:ext>
+          </a:extLst>
+        </p:spPr>
+      </p:pic>
+    </p:spTree>
+    <p:extLst>
+      <p:ext uri="{BB962C8B-B14F-4D97-AF65-F5344CB8AC3E}">
+        <p14:creationId xmlns:p14="http://schemas.microsoft.com/office/powerpoint/2010/main" val="2842021091"/>
+      </p:ext>
+    </p:extLst>
+  </p:cSld>
+  <p:clrMapOvr>
+    <a:masterClrMapping/>
+  </p:clrMapOvr>
+</p:sld>
+</file>
+
+<file path=ppt/slides/slide17.xml><?xml version="1.0" encoding="utf-8"?>
 <p:sld xmlns:a="http://schemas.openxmlformats.org/drawingml/2006/main" xmlns:r="http://schemas.openxmlformats.org/officeDocument/2006/relationships" xmlns:p="http://schemas.openxmlformats.org/presentationml/2006/main">
   <p:cSld>
     <p:spTree>
@@ -7049,7 +7662,11 @@
             <a:pPr marL="177800" indent="0">
               <a:buNone/>
             </a:pPr>
-            <a:endParaRPr lang="en-US" dirty="0"/>
+            <a:endParaRPr lang="en-US" dirty="0">
+              <a:highlight>
+                <a:srgbClr val="FFFF00"/>
+              </a:highlight>
+            </a:endParaRPr>
           </a:p>
           <a:p>
             <a:pPr marL="177800" indent="0">
@@ -7098,7 +7715,7 @@
                 </a:highlight>
                 <a:latin typeface="American Typewriter" panose="02090604020004020304" pitchFamily="18" charset="77"/>
               </a:rPr>
-              <a:t>, 10) //sets a buffer size of 10 bytes</a:t>
+              <a:t>, 10) //sets a buffer size of 10 values</a:t>
             </a:r>
           </a:p>
           <a:p>
@@ -7192,7 +7809,7 @@
 </p:sld>
 </file>
 
-<file path=ppt/slides/slide15.xml><?xml version="1.0" encoding="utf-8"?>
+<file path=ppt/slides/slide18.xml><?xml version="1.0" encoding="utf-8"?>
 <p:sld xmlns:a="http://schemas.openxmlformats.org/drawingml/2006/main" xmlns:r="http://schemas.openxmlformats.org/officeDocument/2006/relationships" xmlns:p="http://schemas.openxmlformats.org/presentationml/2006/main">
   <p:cSld>
     <p:spTree>
@@ -7214,7 +7831,7 @@
           <p:cNvPr id="2" name="Title 1">
             <a:extLst>
               <a:ext uri="{FF2B5EF4-FFF2-40B4-BE49-F238E27FC236}">
-                <a16:creationId xmlns:a16="http://schemas.microsoft.com/office/drawing/2014/main" id="{967C5C96-69A2-8244-8C80-A4C579F9F5B1}"/>
+                <a16:creationId xmlns:a16="http://schemas.microsoft.com/office/drawing/2014/main" id="{4B3DB39F-A00E-EF4E-B19D-37F4A280F51B}"/>
               </a:ext>
             </a:extLst>
           </p:cNvPr>
@@ -7230,7 +7847,10 @@
           <a:bodyPr/>
           <a:lstStyle/>
           <a:p>
-            <a:endParaRPr lang="en-US"/>
+            <a:r>
+              <a:rPr lang="en-US" dirty="0"/>
+              <a:t>Lab follow along</a:t>
+            </a:r>
           </a:p>
         </p:txBody>
       </p:sp>
@@ -7239,7 +7859,7 @@
           <p:cNvPr id="3" name="Text Placeholder 2">
             <a:extLst>
               <a:ext uri="{FF2B5EF4-FFF2-40B4-BE49-F238E27FC236}">
-                <a16:creationId xmlns:a16="http://schemas.microsoft.com/office/drawing/2014/main" id="{902F45B1-8247-CB49-8457-EE3874495B49}"/>
+                <a16:creationId xmlns:a16="http://schemas.microsoft.com/office/drawing/2014/main" id="{BF10A681-CF96-1241-B217-B8202FDE36B3}"/>
               </a:ext>
             </a:extLst>
           </p:cNvPr>
@@ -7255,14 +7875,169 @@
           <a:bodyPr/>
           <a:lstStyle/>
           <a:p>
-            <a:endParaRPr lang="en-US"/>
+            <a:pPr lvl="1"/>
+            <a:r>
+              <a:rPr lang="en-US" dirty="0"/>
+              <a:t> So- in the example (8)- we create a channel (</a:t>
+            </a:r>
+            <a:r>
+              <a:rPr lang="en-US" dirty="0" err="1"/>
+              <a:t>ch</a:t>
+            </a:r>
+            <a:r>
+              <a:rPr lang="en-US" dirty="0"/>
+              <a:t>) with capacity two.</a:t>
+            </a:r>
+          </a:p>
+          <a:p>
+            <a:pPr lvl="1"/>
+            <a:r>
+              <a:rPr lang="en-US" dirty="0"/>
+              <a:t> We then pass the channel to the </a:t>
+            </a:r>
+            <a:r>
+              <a:rPr lang="en-US" b="1" dirty="0"/>
+              <a:t>write</a:t>
+            </a:r>
+            <a:r>
+              <a:rPr lang="en-US" dirty="0"/>
+              <a:t> goroutine. Then we have everything sleep for 2 seconds. </a:t>
+            </a:r>
+            <a:r>
+              <a:rPr lang="en-US" i="1" dirty="0"/>
+              <a:t>During that 2 seconds the </a:t>
+            </a:r>
+            <a:r>
+              <a:rPr lang="en-US" b="1" i="1" dirty="0"/>
+              <a:t>write</a:t>
+            </a:r>
+            <a:r>
+              <a:rPr lang="en-US" i="1" dirty="0"/>
+              <a:t> goroutine is running concurrently</a:t>
+            </a:r>
+            <a:r>
+              <a:rPr lang="en-US" dirty="0"/>
+              <a:t>. </a:t>
+            </a:r>
+          </a:p>
+          <a:p>
+            <a:pPr lvl="1"/>
+            <a:r>
+              <a:rPr lang="en-US" dirty="0"/>
+              <a:t>The </a:t>
+            </a:r>
+            <a:r>
+              <a:rPr lang="en-US" b="1" dirty="0"/>
+              <a:t>write</a:t>
+            </a:r>
+            <a:r>
+              <a:rPr lang="en-US" dirty="0"/>
+              <a:t> </a:t>
+            </a:r>
+            <a:r>
+              <a:rPr lang="en-US" dirty="0" err="1"/>
+              <a:t>goRoutine</a:t>
+            </a:r>
+            <a:r>
+              <a:rPr lang="en-US" dirty="0"/>
+              <a:t> has capacity 2. We’ve asked it to write values from 0 to 4 in the </a:t>
+            </a:r>
+            <a:r>
+              <a:rPr lang="en-US" dirty="0" err="1"/>
+              <a:t>ch</a:t>
+            </a:r>
+            <a:r>
+              <a:rPr lang="en-US" dirty="0"/>
+              <a:t> channel….SO…</a:t>
+            </a:r>
+          </a:p>
+          <a:p>
+            <a:pPr lvl="1"/>
+            <a:r>
+              <a:rPr lang="en-US" b="1" i="1" dirty="0"/>
+              <a:t>The write </a:t>
+            </a:r>
+            <a:r>
+              <a:rPr lang="en-US" b="1" i="1" dirty="0" err="1"/>
+              <a:t>goRoutine</a:t>
+            </a:r>
+            <a:r>
+              <a:rPr lang="en-US" b="1" i="1" dirty="0"/>
+              <a:t> will write values 0 and 1 to the </a:t>
+            </a:r>
+            <a:r>
+              <a:rPr lang="en-US" b="1" i="1" dirty="0" err="1"/>
+              <a:t>ch</a:t>
+            </a:r>
+            <a:r>
+              <a:rPr lang="en-US" b="1" i="1" dirty="0"/>
+              <a:t> channel immediately and then BLOCK until at least one of those values is read from the </a:t>
+            </a:r>
+            <a:r>
+              <a:rPr lang="en-US" b="1" i="1" dirty="0" err="1"/>
+              <a:t>ch</a:t>
+            </a:r>
+            <a:r>
+              <a:rPr lang="en-US" b="1" i="1" dirty="0"/>
+              <a:t> channel.</a:t>
+            </a:r>
+          </a:p>
+          <a:p>
+            <a:endParaRPr lang="en-US" dirty="0"/>
           </a:p>
         </p:txBody>
       </p:sp>
+      <p:pic>
+        <p:nvPicPr>
+          <p:cNvPr id="1026" name="Picture 2" descr="Image result for go gopher">
+            <a:extLst>
+              <a:ext uri="{FF2B5EF4-FFF2-40B4-BE49-F238E27FC236}">
+                <a16:creationId xmlns:a16="http://schemas.microsoft.com/office/drawing/2014/main" id="{E4949170-C2CA-024F-9D52-7301C761D759}"/>
+              </a:ext>
+            </a:extLst>
+          </p:cNvPr>
+          <p:cNvPicPr>
+            <a:picLocks noChangeAspect="1" noChangeArrowheads="1"/>
+          </p:cNvPicPr>
+          <p:nvPr/>
+        </p:nvPicPr>
+        <p:blipFill>
+          <a:blip r:embed="rId2">
+            <a:extLst>
+              <a:ext uri="{28A0092B-C50C-407E-A947-70E740481C1C}">
+                <a14:useLocalDpi xmlns:a14="http://schemas.microsoft.com/office/drawing/2010/main" val="0"/>
+              </a:ext>
+            </a:extLst>
+          </a:blip>
+          <a:srcRect/>
+          <a:stretch>
+            <a:fillRect/>
+          </a:stretch>
+        </p:blipFill>
+        <p:spPr bwMode="auto">
+          <a:xfrm>
+            <a:off x="3557215" y="5355014"/>
+            <a:ext cx="2029569" cy="1350586"/>
+          </a:xfrm>
+          <a:prstGeom prst="rect">
+            <a:avLst/>
+          </a:prstGeom>
+          <a:noFill/>
+          <a:extLst>
+            <a:ext uri="{909E8E84-426E-40DD-AFC4-6F175D3DCCD1}">
+              <a14:hiddenFill xmlns:a14="http://schemas.microsoft.com/office/drawing/2010/main">
+                <a:solidFill>
+                  <a:srgbClr val="FFFFFF"/>
+                </a:solidFill>
+              </a14:hiddenFill>
+            </a:ext>
+          </a:extLst>
+        </p:spPr>
+      </p:pic>
     </p:spTree>
     <p:extLst>
       <p:ext uri="{BB962C8B-B14F-4D97-AF65-F5344CB8AC3E}">
-        <p14:creationId xmlns:p14="http://schemas.microsoft.com/office/powerpoint/2010/main" val="3248299307"/>
+        <p14:creationId xmlns:p14="http://schemas.microsoft.com/office/powerpoint/2010/main" val="344719516"/>
       </p:ext>
     </p:extLst>
   </p:cSld>
@@ -7272,12 +8047,12 @@
 </p:sld>
 </file>
 
-<file path=ppt/slides/slide16.xml><?xml version="1.0" encoding="utf-8"?>
+<file path=ppt/slides/slide19.xml><?xml version="1.0" encoding="utf-8"?>
 <p:sld xmlns:a="http://schemas.openxmlformats.org/drawingml/2006/main" xmlns:r="http://schemas.openxmlformats.org/officeDocument/2006/relationships" xmlns:p="http://schemas.openxmlformats.org/presentationml/2006/main">
   <p:cSld>
     <p:spTree>
       <p:nvGrpSpPr>
-        <p:cNvPr id="1" name="Shape 113"/>
+        <p:cNvPr id="1" name=""/>
         <p:cNvGrpSpPr/>
         <p:nvPr/>
       </p:nvGrpSpPr>
@@ -7291,206 +8066,399 @@
       </p:grpSpPr>
       <p:sp>
         <p:nvSpPr>
-          <p:cNvPr id="114" name="Shape 114"/>
-          <p:cNvSpPr txBox="1">
+          <p:cNvPr id="2" name="Title 1">
+            <a:extLst>
+              <a:ext uri="{FF2B5EF4-FFF2-40B4-BE49-F238E27FC236}">
+                <a16:creationId xmlns:a16="http://schemas.microsoft.com/office/drawing/2014/main" id="{38F58EF7-A5C3-3B41-BE88-EFFB812245DF}"/>
+              </a:ext>
+            </a:extLst>
+          </p:cNvPr>
+          <p:cNvSpPr>
             <a:spLocks noGrp="1"/>
           </p:cNvSpPr>
           <p:nvPr>
             <p:ph type="title"/>
           </p:nvPr>
         </p:nvSpPr>
-        <p:spPr>
-          <a:xfrm>
-            <a:off x="76200" y="152400"/>
-            <a:ext cx="8991600" cy="671400"/>
-          </a:xfrm>
-          <a:prstGeom prst="rect">
-            <a:avLst/>
-          </a:prstGeom>
-        </p:spPr>
+        <p:spPr/>
         <p:txBody>
-          <a:bodyPr lIns="91425" tIns="91425" rIns="91425" bIns="91425" anchor="ctr" anchorCtr="0">
-            <a:noAutofit/>
-          </a:bodyPr>
+          <a:bodyPr/>
           <a:lstStyle/>
           <a:p>
-            <a:pPr lvl="0">
-              <a:spcBef>
-                <a:spcPts val="0"/>
-              </a:spcBef>
-              <a:buNone/>
-            </a:pPr>
-            <a:r>
-              <a:rPr lang="en-US" dirty="0"/>
-              <a:t>Moving on </a:t>
-            </a:r>
-            <a:r>
-              <a:rPr lang="en-US"/>
-              <a:t>to Module 4….</a:t>
-            </a:r>
-            <a:endParaRPr dirty="0"/>
+            <a:r>
+              <a:rPr lang="en-US" dirty="0"/>
+              <a:t>Continuing Lab follow along</a:t>
+            </a:r>
           </a:p>
         </p:txBody>
       </p:sp>
       <p:sp>
         <p:nvSpPr>
-          <p:cNvPr id="115" name="Shape 115"/>
-          <p:cNvSpPr txBox="1">
+          <p:cNvPr id="3" name="Text Placeholder 2">
+            <a:extLst>
+              <a:ext uri="{FF2B5EF4-FFF2-40B4-BE49-F238E27FC236}">
+                <a16:creationId xmlns:a16="http://schemas.microsoft.com/office/drawing/2014/main" id="{8F5BBCB8-81CF-CA46-91F8-9CE86F52D576}"/>
+              </a:ext>
+            </a:extLst>
+          </p:cNvPr>
+          <p:cNvSpPr>
             <a:spLocks noGrp="1"/>
           </p:cNvSpPr>
           <p:nvPr>
             <p:ph type="body" idx="1"/>
           </p:nvPr>
         </p:nvSpPr>
-        <p:spPr>
-          <a:xfrm>
-            <a:off x="76200" y="1240810"/>
-            <a:ext cx="8991600" cy="4070929"/>
-          </a:xfrm>
-          <a:prstGeom prst="rect">
-            <a:avLst/>
-          </a:prstGeom>
-        </p:spPr>
+        <p:spPr/>
         <p:txBody>
-          <a:bodyPr lIns="91425" tIns="91425" rIns="91425" bIns="91425" anchor="t" anchorCtr="0">
-            <a:noAutofit/>
-          </a:bodyPr>
+          <a:bodyPr/>
           <a:lstStyle/>
           <a:p>
-            <a:pPr lvl="2">
-              <a:spcBef>
-                <a:spcPts val="0"/>
-              </a:spcBef>
-            </a:pPr>
-            <a:r>
-              <a:rPr lang="en-US" dirty="0">
-                <a:solidFill>
-                  <a:schemeClr val="tx1"/>
-                </a:solidFill>
-                <a:latin typeface="+mn-lt"/>
-              </a:rPr>
-              <a:t>AND WE’RE DONE!</a:t>
-            </a:r>
-          </a:p>
-          <a:p>
-            <a:pPr lvl="2">
-              <a:spcBef>
-                <a:spcPts val="0"/>
-              </a:spcBef>
-            </a:pPr>
-            <a:r>
-              <a:rPr lang="en-US" sz="3200" dirty="0">
-                <a:solidFill>
-                  <a:schemeClr val="tx1"/>
-                </a:solidFill>
-                <a:latin typeface="+mn-lt"/>
-              </a:rPr>
-              <a:t>ANY QUESTIONS?!?</a:t>
-            </a:r>
-          </a:p>
-          <a:p>
-            <a:pPr lvl="3">
-              <a:spcBef>
-                <a:spcPts val="0"/>
-              </a:spcBef>
-            </a:pPr>
-            <a:endParaRPr lang="en-US" dirty="0">
-              <a:solidFill>
-                <a:schemeClr val="tx1"/>
-              </a:solidFill>
-              <a:latin typeface="+mn-lt"/>
-            </a:endParaRPr>
-          </a:p>
-          <a:p>
-            <a:pPr lvl="2">
-              <a:spcBef>
-                <a:spcPts val="0"/>
-              </a:spcBef>
-            </a:pPr>
-            <a:endParaRPr lang="en-US" dirty="0">
-              <a:solidFill>
-                <a:schemeClr val="tx1"/>
-              </a:solidFill>
-            </a:endParaRPr>
-          </a:p>
-          <a:p>
-            <a:pPr marL="1485900" lvl="3" indent="0">
-              <a:spcBef>
-                <a:spcPts val="0"/>
-              </a:spcBef>
+            <a:pPr lvl="1"/>
+            <a:r>
+              <a:rPr lang="en-US" dirty="0"/>
+              <a:t> After sleeping for 2 seconds the MAIN function will read ONE value (“0”) from the channel. </a:t>
+            </a:r>
+          </a:p>
+          <a:p>
+            <a:pPr lvl="1"/>
+            <a:r>
+              <a:rPr lang="en-US" dirty="0"/>
+              <a:t>When this happens the channel is </a:t>
+            </a:r>
+            <a:r>
+              <a:rPr lang="en-US" b="1" dirty="0"/>
+              <a:t>immediately freed up to write the next value (2) to the channel</a:t>
+            </a:r>
+            <a:r>
+              <a:rPr lang="en-US" dirty="0"/>
+              <a:t>. </a:t>
+            </a:r>
+          </a:p>
+          <a:p>
+            <a:pPr marL="603250" lvl="1" indent="0">
               <a:buNone/>
             </a:pPr>
-            <a:endParaRPr lang="en-US" dirty="0">
-              <a:solidFill>
-                <a:schemeClr val="tx1"/>
-              </a:solidFill>
-              <a:latin typeface="+mn-lt"/>
-            </a:endParaRPr>
-          </a:p>
-          <a:p>
-            <a:pPr marL="1485900" lvl="3" indent="0">
-              <a:spcBef>
-                <a:spcPts val="0"/>
-              </a:spcBef>
+            <a:r>
+              <a:rPr lang="en-US" sz="2000" dirty="0">
+                <a:highlight>
+                  <a:srgbClr val="FFFF00"/>
+                </a:highlight>
+                <a:latin typeface="American Typewriter" panose="02090604020004020304" pitchFamily="18" charset="77"/>
+              </a:rPr>
+              <a:t>successfully wrote 0 to </a:t>
+            </a:r>
+            <a:r>
+              <a:rPr lang="en-US" sz="2000" dirty="0" err="1">
+                <a:highlight>
+                  <a:srgbClr val="FFFF00"/>
+                </a:highlight>
+                <a:latin typeface="American Typewriter" panose="02090604020004020304" pitchFamily="18" charset="77"/>
+              </a:rPr>
+              <a:t>ch</a:t>
+            </a:r>
+            <a:r>
+              <a:rPr lang="en-US" sz="2000" dirty="0">
+                <a:highlight>
+                  <a:srgbClr val="FFFF00"/>
+                </a:highlight>
+                <a:latin typeface="American Typewriter" panose="02090604020004020304" pitchFamily="18" charset="77"/>
+              </a:rPr>
+              <a:t> </a:t>
+            </a:r>
+          </a:p>
+          <a:p>
+            <a:pPr marL="603250" lvl="1" indent="0">
               <a:buNone/>
             </a:pPr>
-            <a:endParaRPr lang="en-US" dirty="0">
-              <a:solidFill>
-                <a:schemeClr val="tx1"/>
-              </a:solidFill>
-              <a:latin typeface="+mn-lt"/>
-            </a:endParaRPr>
-          </a:p>
-          <a:p>
-            <a:pPr marL="1485900" lvl="3" indent="0">
-              <a:spcBef>
-                <a:spcPts val="0"/>
-              </a:spcBef>
+            <a:r>
+              <a:rPr lang="en-US" sz="2000" dirty="0">
+                <a:highlight>
+                  <a:srgbClr val="FFFF00"/>
+                </a:highlight>
+                <a:latin typeface="American Typewriter" panose="02090604020004020304" pitchFamily="18" charset="77"/>
+              </a:rPr>
+              <a:t>successfully wrote 1 to </a:t>
+            </a:r>
+            <a:r>
+              <a:rPr lang="en-US" sz="2000" dirty="0" err="1">
+                <a:highlight>
+                  <a:srgbClr val="FFFF00"/>
+                </a:highlight>
+                <a:latin typeface="American Typewriter" panose="02090604020004020304" pitchFamily="18" charset="77"/>
+              </a:rPr>
+              <a:t>ch</a:t>
+            </a:r>
+            <a:r>
+              <a:rPr lang="en-US" sz="2000" dirty="0">
+                <a:highlight>
+                  <a:srgbClr val="FFFF00"/>
+                </a:highlight>
+                <a:latin typeface="American Typewriter" panose="02090604020004020304" pitchFamily="18" charset="77"/>
+              </a:rPr>
+              <a:t> </a:t>
+            </a:r>
+          </a:p>
+          <a:p>
+            <a:pPr marL="603250" lvl="1" indent="0">
               <a:buNone/>
             </a:pPr>
-            <a:endParaRPr lang="en-US" dirty="0">
-              <a:solidFill>
-                <a:schemeClr val="tx1"/>
-              </a:solidFill>
-              <a:latin typeface="+mn-lt"/>
-            </a:endParaRPr>
-          </a:p>
-          <a:p>
-            <a:pPr marL="1485900" lvl="3" indent="0">
-              <a:spcBef>
-                <a:spcPts val="0"/>
-              </a:spcBef>
+            <a:r>
+              <a:rPr lang="en-US" sz="2000" dirty="0">
+                <a:highlight>
+                  <a:srgbClr val="FFFF00"/>
+                </a:highlight>
+                <a:latin typeface="American Typewriter" panose="02090604020004020304" pitchFamily="18" charset="77"/>
+              </a:rPr>
+              <a:t>read value 0 from </a:t>
+            </a:r>
+            <a:r>
+              <a:rPr lang="en-US" sz="2000" dirty="0" err="1">
+                <a:highlight>
+                  <a:srgbClr val="FFFF00"/>
+                </a:highlight>
+                <a:latin typeface="American Typewriter" panose="02090604020004020304" pitchFamily="18" charset="77"/>
+              </a:rPr>
+              <a:t>ch</a:t>
+            </a:r>
+            <a:r>
+              <a:rPr lang="en-US" sz="2000" dirty="0">
+                <a:highlight>
+                  <a:srgbClr val="FFFF00"/>
+                </a:highlight>
+                <a:latin typeface="American Typewriter" panose="02090604020004020304" pitchFamily="18" charset="77"/>
+              </a:rPr>
+              <a:t> </a:t>
+            </a:r>
+          </a:p>
+          <a:p>
+            <a:pPr marL="603250" lvl="1" indent="0">
               <a:buNone/>
             </a:pPr>
-            <a:endParaRPr lang="en-US" dirty="0">
-              <a:solidFill>
-                <a:schemeClr val="tx1"/>
-              </a:solidFill>
-              <a:latin typeface="+mn-lt"/>
-            </a:endParaRPr>
-          </a:p>
-          <a:p>
-            <a:pPr marL="1485900" lvl="3" indent="0">
-              <a:spcBef>
-                <a:spcPts val="0"/>
-              </a:spcBef>
+            <a:r>
+              <a:rPr lang="en-US" sz="2000" dirty="0">
+                <a:highlight>
+                  <a:srgbClr val="FFFF00"/>
+                </a:highlight>
+                <a:latin typeface="American Typewriter" panose="02090604020004020304" pitchFamily="18" charset="77"/>
+              </a:rPr>
+              <a:t>successfully wrote 2 to </a:t>
+            </a:r>
+            <a:r>
+              <a:rPr lang="en-US" sz="2000" dirty="0" err="1">
+                <a:highlight>
+                  <a:srgbClr val="FFFF00"/>
+                </a:highlight>
+                <a:latin typeface="American Typewriter" panose="02090604020004020304" pitchFamily="18" charset="77"/>
+              </a:rPr>
+              <a:t>ch</a:t>
+            </a:r>
+            <a:r>
+              <a:rPr lang="en-US" sz="2000" dirty="0">
+                <a:highlight>
+                  <a:srgbClr val="FFFF00"/>
+                </a:highlight>
+                <a:latin typeface="American Typewriter" panose="02090604020004020304" pitchFamily="18" charset="77"/>
+              </a:rPr>
+              <a:t> </a:t>
+            </a:r>
+          </a:p>
+          <a:p>
+            <a:pPr marL="603250" lvl="1" indent="0">
               <a:buNone/>
             </a:pPr>
-            <a:endParaRPr lang="en-US" dirty="0">
-              <a:solidFill>
-                <a:schemeClr val="tx1"/>
-              </a:solidFill>
-              <a:latin typeface="+mn-lt"/>
+            <a:r>
+              <a:rPr lang="en-US" sz="2000" dirty="0">
+                <a:highlight>
+                  <a:srgbClr val="FFFF00"/>
+                </a:highlight>
+                <a:latin typeface="American Typewriter" panose="02090604020004020304" pitchFamily="18" charset="77"/>
+              </a:rPr>
+              <a:t>read value 1 from </a:t>
+            </a:r>
+            <a:r>
+              <a:rPr lang="en-US" sz="2000" dirty="0" err="1">
+                <a:highlight>
+                  <a:srgbClr val="FFFF00"/>
+                </a:highlight>
+                <a:latin typeface="American Typewriter" panose="02090604020004020304" pitchFamily="18" charset="77"/>
+              </a:rPr>
+              <a:t>ch</a:t>
+            </a:r>
+            <a:r>
+              <a:rPr lang="en-US" sz="2000" dirty="0">
+                <a:highlight>
+                  <a:srgbClr val="FFFF00"/>
+                </a:highlight>
+                <a:latin typeface="American Typewriter" panose="02090604020004020304" pitchFamily="18" charset="77"/>
+              </a:rPr>
+              <a:t> </a:t>
+            </a:r>
+          </a:p>
+          <a:p>
+            <a:pPr marL="603250" lvl="1" indent="0">
+              <a:buNone/>
+            </a:pPr>
+            <a:r>
+              <a:rPr lang="en-US" sz="2000" dirty="0">
+                <a:highlight>
+                  <a:srgbClr val="FFFF00"/>
+                </a:highlight>
+                <a:latin typeface="American Typewriter" panose="02090604020004020304" pitchFamily="18" charset="77"/>
+              </a:rPr>
+              <a:t>successfully wrote 3 to </a:t>
+            </a:r>
+            <a:r>
+              <a:rPr lang="en-US" sz="2000" dirty="0" err="1">
+                <a:highlight>
+                  <a:srgbClr val="FFFF00"/>
+                </a:highlight>
+                <a:latin typeface="American Typewriter" panose="02090604020004020304" pitchFamily="18" charset="77"/>
+              </a:rPr>
+              <a:t>ch</a:t>
+            </a:r>
+            <a:r>
+              <a:rPr lang="en-US" sz="2000" dirty="0">
+                <a:highlight>
+                  <a:srgbClr val="FFFF00"/>
+                </a:highlight>
+                <a:latin typeface="American Typewriter" panose="02090604020004020304" pitchFamily="18" charset="77"/>
+              </a:rPr>
+              <a:t> </a:t>
+            </a:r>
+          </a:p>
+          <a:p>
+            <a:pPr marL="603250" lvl="1" indent="0">
+              <a:buNone/>
+            </a:pPr>
+            <a:r>
+              <a:rPr lang="en-US" sz="2000" dirty="0">
+                <a:highlight>
+                  <a:srgbClr val="FFFF00"/>
+                </a:highlight>
+                <a:latin typeface="American Typewriter" panose="02090604020004020304" pitchFamily="18" charset="77"/>
+              </a:rPr>
+              <a:t>read value 2 from </a:t>
+            </a:r>
+            <a:r>
+              <a:rPr lang="en-US" sz="2000" dirty="0" err="1">
+                <a:highlight>
+                  <a:srgbClr val="FFFF00"/>
+                </a:highlight>
+                <a:latin typeface="American Typewriter" panose="02090604020004020304" pitchFamily="18" charset="77"/>
+              </a:rPr>
+              <a:t>ch</a:t>
+            </a:r>
+            <a:r>
+              <a:rPr lang="en-US" sz="2000" dirty="0">
+                <a:highlight>
+                  <a:srgbClr val="FFFF00"/>
+                </a:highlight>
+                <a:latin typeface="American Typewriter" panose="02090604020004020304" pitchFamily="18" charset="77"/>
+              </a:rPr>
+              <a:t> </a:t>
+            </a:r>
+          </a:p>
+          <a:p>
+            <a:pPr marL="603250" lvl="1" indent="0">
+              <a:buNone/>
+            </a:pPr>
+            <a:r>
+              <a:rPr lang="en-US" sz="2000" dirty="0">
+                <a:highlight>
+                  <a:srgbClr val="FFFF00"/>
+                </a:highlight>
+                <a:latin typeface="American Typewriter" panose="02090604020004020304" pitchFamily="18" charset="77"/>
+              </a:rPr>
+              <a:t>successfully wrote 4 to </a:t>
+            </a:r>
+            <a:r>
+              <a:rPr lang="en-US" sz="2000" dirty="0" err="1">
+                <a:highlight>
+                  <a:srgbClr val="FFFF00"/>
+                </a:highlight>
+                <a:latin typeface="American Typewriter" panose="02090604020004020304" pitchFamily="18" charset="77"/>
+              </a:rPr>
+              <a:t>ch</a:t>
+            </a:r>
+            <a:r>
+              <a:rPr lang="en-US" sz="2000" dirty="0">
+                <a:highlight>
+                  <a:srgbClr val="FFFF00"/>
+                </a:highlight>
+                <a:latin typeface="American Typewriter" panose="02090604020004020304" pitchFamily="18" charset="77"/>
+              </a:rPr>
+              <a:t> </a:t>
+            </a:r>
+          </a:p>
+          <a:p>
+            <a:pPr marL="603250" lvl="1" indent="0">
+              <a:buNone/>
+            </a:pPr>
+            <a:r>
+              <a:rPr lang="en-US" sz="2000" dirty="0">
+                <a:highlight>
+                  <a:srgbClr val="FFFF00"/>
+                </a:highlight>
+                <a:latin typeface="American Typewriter" panose="02090604020004020304" pitchFamily="18" charset="77"/>
+              </a:rPr>
+              <a:t>read value 3 from </a:t>
+            </a:r>
+            <a:r>
+              <a:rPr lang="en-US" sz="2000" dirty="0" err="1">
+                <a:highlight>
+                  <a:srgbClr val="FFFF00"/>
+                </a:highlight>
+                <a:latin typeface="American Typewriter" panose="02090604020004020304" pitchFamily="18" charset="77"/>
+              </a:rPr>
+              <a:t>ch</a:t>
+            </a:r>
+            <a:r>
+              <a:rPr lang="en-US" sz="2000" dirty="0">
+                <a:highlight>
+                  <a:srgbClr val="FFFF00"/>
+                </a:highlight>
+                <a:latin typeface="American Typewriter" panose="02090604020004020304" pitchFamily="18" charset="77"/>
+              </a:rPr>
+              <a:t> </a:t>
+            </a:r>
+          </a:p>
+          <a:p>
+            <a:pPr marL="603250" lvl="1" indent="0">
+              <a:buNone/>
+            </a:pPr>
+            <a:r>
+              <a:rPr lang="en-US" sz="2000" dirty="0">
+                <a:highlight>
+                  <a:srgbClr val="FFFF00"/>
+                </a:highlight>
+                <a:latin typeface="American Typewriter" panose="02090604020004020304" pitchFamily="18" charset="77"/>
+              </a:rPr>
+              <a:t>read value 4 from </a:t>
+            </a:r>
+            <a:r>
+              <a:rPr lang="en-US" sz="2000" dirty="0" err="1">
+                <a:highlight>
+                  <a:srgbClr val="FFFF00"/>
+                </a:highlight>
+                <a:latin typeface="American Typewriter" panose="02090604020004020304" pitchFamily="18" charset="77"/>
+              </a:rPr>
+              <a:t>ch</a:t>
+            </a:r>
+            <a:endParaRPr lang="en-US" sz="2000" dirty="0">
+              <a:highlight>
+                <a:srgbClr val="FFFF00"/>
+              </a:highlight>
+              <a:latin typeface="American Typewriter" panose="02090604020004020304" pitchFamily="18" charset="77"/>
             </a:endParaRPr>
           </a:p>
         </p:txBody>
       </p:sp>
       <p:pic>
         <p:nvPicPr>
-          <p:cNvPr id="14338" name="Picture 2" descr="Image result for golang gopher, images">
+          <p:cNvPr id="2050" name="Picture 2" descr="Image result for go gopher">
             <a:extLst>
               <a:ext uri="{FF2B5EF4-FFF2-40B4-BE49-F238E27FC236}">
-                <a16:creationId xmlns:a16="http://schemas.microsoft.com/office/drawing/2014/main" id="{99F98B07-359E-7D45-BFB0-9CFB89F92F9B}"/>
+                <a16:creationId xmlns:a16="http://schemas.microsoft.com/office/drawing/2014/main" id="{5625975C-E769-6645-9CEE-546E69761631}"/>
               </a:ext>
             </a:extLst>
           </p:cNvPr>
@@ -7500,7 +8468,7 @@
           <p:nvPr/>
         </p:nvPicPr>
         <p:blipFill>
-          <a:blip r:embed="rId3">
+          <a:blip r:embed="rId2">
             <a:extLst>
               <a:ext uri="{28A0092B-C50C-407E-A947-70E740481C1C}">
                 <a14:useLocalDpi xmlns:a14="http://schemas.microsoft.com/office/drawing/2010/main" val="0"/>
@@ -7514,8 +8482,8 @@
         </p:blipFill>
         <p:spPr bwMode="auto">
           <a:xfrm>
-            <a:off x="3075040" y="3147245"/>
-            <a:ext cx="2603500" cy="3111500"/>
+            <a:off x="4663977" y="3429000"/>
+            <a:ext cx="3492500" cy="2324100"/>
           </a:xfrm>
           <a:prstGeom prst="rect">
             <a:avLst/>
@@ -7532,42 +8500,10 @@
           </a:extLst>
         </p:spPr>
       </p:pic>
-      <p:sp>
-        <p:nvSpPr>
-          <p:cNvPr id="2" name="TextBox 1">
-            <a:extLst>
-              <a:ext uri="{FF2B5EF4-FFF2-40B4-BE49-F238E27FC236}">
-                <a16:creationId xmlns:a16="http://schemas.microsoft.com/office/drawing/2014/main" id="{4B3583E6-D110-6843-B37F-57EA800C4545}"/>
-              </a:ext>
-            </a:extLst>
-          </p:cNvPr>
-          <p:cNvSpPr txBox="1"/>
-          <p:nvPr/>
-        </p:nvSpPr>
-        <p:spPr>
-          <a:xfrm>
-            <a:off x="3535052" y="405353"/>
-            <a:ext cx="184731" cy="307777"/>
-          </a:xfrm>
-          <a:prstGeom prst="rect">
-            <a:avLst/>
-          </a:prstGeom>
-          <a:noFill/>
-        </p:spPr>
-        <p:txBody>
-          <a:bodyPr wrap="none" rtlCol="0">
-            <a:spAutoFit/>
-          </a:bodyPr>
-          <a:lstStyle/>
-          <a:p>
-            <a:endParaRPr lang="en-US"/>
-          </a:p>
-        </p:txBody>
-      </p:sp>
     </p:spTree>
     <p:extLst>
       <p:ext uri="{BB962C8B-B14F-4D97-AF65-F5344CB8AC3E}">
-        <p14:creationId xmlns:p14="http://schemas.microsoft.com/office/powerpoint/2010/main" val="3120604218"/>
+        <p14:creationId xmlns:p14="http://schemas.microsoft.com/office/powerpoint/2010/main" val="1554848598"/>
       </p:ext>
     </p:extLst>
   </p:cSld>
@@ -7687,6 +8623,1731 @@
     <p:extLst>
       <p:ext uri="{BB962C8B-B14F-4D97-AF65-F5344CB8AC3E}">
         <p14:creationId xmlns:p14="http://schemas.microsoft.com/office/powerpoint/2010/main" val="3533834513"/>
+      </p:ext>
+    </p:extLst>
+  </p:cSld>
+  <p:clrMapOvr>
+    <a:masterClrMapping/>
+  </p:clrMapOvr>
+</p:sld>
+</file>
+
+<file path=ppt/slides/slide20.xml><?xml version="1.0" encoding="utf-8"?>
+<p:sld xmlns:a="http://schemas.openxmlformats.org/drawingml/2006/main" xmlns:r="http://schemas.openxmlformats.org/officeDocument/2006/relationships" xmlns:p="http://schemas.openxmlformats.org/presentationml/2006/main">
+  <p:cSld>
+    <p:spTree>
+      <p:nvGrpSpPr>
+        <p:cNvPr id="1" name=""/>
+        <p:cNvGrpSpPr/>
+        <p:nvPr/>
+      </p:nvGrpSpPr>
+      <p:grpSpPr>
+        <a:xfrm>
+          <a:off x="0" y="0"/>
+          <a:ext cx="0" cy="0"/>
+          <a:chOff x="0" y="0"/>
+          <a:chExt cx="0" cy="0"/>
+        </a:xfrm>
+      </p:grpSpPr>
+      <p:sp>
+        <p:nvSpPr>
+          <p:cNvPr id="2" name="Title 1">
+            <a:extLst>
+              <a:ext uri="{FF2B5EF4-FFF2-40B4-BE49-F238E27FC236}">
+                <a16:creationId xmlns:a16="http://schemas.microsoft.com/office/drawing/2014/main" id="{0782CF32-C0A4-CF4B-8B5E-5960D7D5D3BD}"/>
+              </a:ext>
+            </a:extLst>
+          </p:cNvPr>
+          <p:cNvSpPr>
+            <a:spLocks noGrp="1"/>
+          </p:cNvSpPr>
+          <p:nvPr>
+            <p:ph type="title"/>
+          </p:nvPr>
+        </p:nvSpPr>
+        <p:spPr/>
+        <p:txBody>
+          <a:bodyPr/>
+          <a:lstStyle/>
+          <a:p>
+            <a:r>
+              <a:rPr lang="en-US" dirty="0"/>
+              <a:t>Deadlocks and Channels</a:t>
+            </a:r>
+          </a:p>
+        </p:txBody>
+      </p:sp>
+      <p:sp>
+        <p:nvSpPr>
+          <p:cNvPr id="3" name="Text Placeholder 2">
+            <a:extLst>
+              <a:ext uri="{FF2B5EF4-FFF2-40B4-BE49-F238E27FC236}">
+                <a16:creationId xmlns:a16="http://schemas.microsoft.com/office/drawing/2014/main" id="{EE0A5DBF-BA2B-0E47-AA14-948210E929DC}"/>
+              </a:ext>
+            </a:extLst>
+          </p:cNvPr>
+          <p:cNvSpPr>
+            <a:spLocks noGrp="1"/>
+          </p:cNvSpPr>
+          <p:nvPr>
+            <p:ph type="body" idx="1"/>
+          </p:nvPr>
+        </p:nvSpPr>
+        <p:spPr/>
+        <p:txBody>
+          <a:bodyPr/>
+          <a:lstStyle/>
+          <a:p>
+            <a:r>
+              <a:rPr lang="en-US" dirty="0"/>
+              <a:t> One issue with channels is that if you </a:t>
+            </a:r>
+            <a:r>
+              <a:rPr lang="en-US" b="1" dirty="0"/>
+              <a:t>write</a:t>
+            </a:r>
+            <a:r>
+              <a:rPr lang="en-US" dirty="0"/>
+              <a:t> to a channel but you never </a:t>
+            </a:r>
+            <a:r>
+              <a:rPr lang="en-US" b="1" dirty="0"/>
+              <a:t>receive from</a:t>
+            </a:r>
+            <a:r>
+              <a:rPr lang="en-US" dirty="0"/>
+              <a:t> that channel you end up with a </a:t>
+            </a:r>
+            <a:r>
+              <a:rPr lang="en-US" b="1" dirty="0"/>
+              <a:t>panic/error</a:t>
+            </a:r>
+            <a:r>
+              <a:rPr lang="en-US" dirty="0"/>
+              <a:t> resulting in </a:t>
+            </a:r>
+            <a:r>
+              <a:rPr lang="en-US" b="1" dirty="0"/>
+              <a:t>deadlock</a:t>
+            </a:r>
+          </a:p>
+          <a:p>
+            <a:r>
+              <a:rPr lang="en-US" b="1" dirty="0"/>
+              <a:t> </a:t>
+            </a:r>
+          </a:p>
+          <a:p>
+            <a:r>
+              <a:rPr lang="en-US" dirty="0"/>
+              <a:t>If you attempt to </a:t>
+            </a:r>
+            <a:r>
+              <a:rPr lang="en-US" b="1" dirty="0"/>
+              <a:t>overload</a:t>
+            </a:r>
+            <a:r>
+              <a:rPr lang="en-US" dirty="0"/>
+              <a:t> a channel over the buffering capacity you will also suffer a </a:t>
+            </a:r>
+            <a:r>
+              <a:rPr lang="en-US" b="1" dirty="0"/>
+              <a:t>panic</a:t>
+            </a:r>
+            <a:r>
+              <a:rPr lang="en-US" dirty="0"/>
+              <a:t> and </a:t>
+            </a:r>
+            <a:r>
+              <a:rPr lang="en-US" b="1" dirty="0"/>
+              <a:t>deadlock</a:t>
+            </a:r>
+            <a:r>
+              <a:rPr lang="en-US" dirty="0"/>
+              <a:t> error</a:t>
+            </a:r>
+          </a:p>
+        </p:txBody>
+      </p:sp>
+      <p:pic>
+        <p:nvPicPr>
+          <p:cNvPr id="3074" name="Picture 2" descr="Image result for go gopher">
+            <a:extLst>
+              <a:ext uri="{FF2B5EF4-FFF2-40B4-BE49-F238E27FC236}">
+                <a16:creationId xmlns:a16="http://schemas.microsoft.com/office/drawing/2014/main" id="{BC8EC1E0-253C-4D40-93C5-24923FB6F059}"/>
+              </a:ext>
+            </a:extLst>
+          </p:cNvPr>
+          <p:cNvPicPr>
+            <a:picLocks noChangeAspect="1" noChangeArrowheads="1"/>
+          </p:cNvPicPr>
+          <p:nvPr/>
+        </p:nvPicPr>
+        <p:blipFill>
+          <a:blip r:embed="rId2">
+            <a:extLst>
+              <a:ext uri="{28A0092B-C50C-407E-A947-70E740481C1C}">
+                <a14:useLocalDpi xmlns:a14="http://schemas.microsoft.com/office/drawing/2010/main" val="0"/>
+              </a:ext>
+            </a:extLst>
+          </a:blip>
+          <a:srcRect/>
+          <a:stretch>
+            <a:fillRect/>
+          </a:stretch>
+        </p:blipFill>
+        <p:spPr bwMode="auto">
+          <a:xfrm>
+            <a:off x="3166644" y="4600280"/>
+            <a:ext cx="2810711" cy="2105320"/>
+          </a:xfrm>
+          <a:prstGeom prst="rect">
+            <a:avLst/>
+          </a:prstGeom>
+          <a:noFill/>
+          <a:extLst>
+            <a:ext uri="{909E8E84-426E-40DD-AFC4-6F175D3DCCD1}">
+              <a14:hiddenFill xmlns:a14="http://schemas.microsoft.com/office/drawing/2010/main">
+                <a:solidFill>
+                  <a:srgbClr val="FFFFFF"/>
+                </a:solidFill>
+              </a14:hiddenFill>
+            </a:ext>
+          </a:extLst>
+        </p:spPr>
+      </p:pic>
+    </p:spTree>
+    <p:extLst>
+      <p:ext uri="{BB962C8B-B14F-4D97-AF65-F5344CB8AC3E}">
+        <p14:creationId xmlns:p14="http://schemas.microsoft.com/office/powerpoint/2010/main" val="2864963986"/>
+      </p:ext>
+    </p:extLst>
+  </p:cSld>
+  <p:clrMapOvr>
+    <a:masterClrMapping/>
+  </p:clrMapOvr>
+</p:sld>
+</file>
+
+<file path=ppt/slides/slide21.xml><?xml version="1.0" encoding="utf-8"?>
+<p:sld xmlns:a="http://schemas.openxmlformats.org/drawingml/2006/main" xmlns:r="http://schemas.openxmlformats.org/officeDocument/2006/relationships" xmlns:p="http://schemas.openxmlformats.org/presentationml/2006/main">
+  <p:cSld>
+    <p:spTree>
+      <p:nvGrpSpPr>
+        <p:cNvPr id="1" name=""/>
+        <p:cNvGrpSpPr/>
+        <p:nvPr/>
+      </p:nvGrpSpPr>
+      <p:grpSpPr>
+        <a:xfrm>
+          <a:off x="0" y="0"/>
+          <a:ext cx="0" cy="0"/>
+          <a:chOff x="0" y="0"/>
+          <a:chExt cx="0" cy="0"/>
+        </a:xfrm>
+      </p:grpSpPr>
+      <p:sp>
+        <p:nvSpPr>
+          <p:cNvPr id="2" name="Title 1">
+            <a:extLst>
+              <a:ext uri="{FF2B5EF4-FFF2-40B4-BE49-F238E27FC236}">
+                <a16:creationId xmlns:a16="http://schemas.microsoft.com/office/drawing/2014/main" id="{967C5C96-69A2-8244-8C80-A4C579F9F5B1}"/>
+              </a:ext>
+            </a:extLst>
+          </p:cNvPr>
+          <p:cNvSpPr>
+            <a:spLocks noGrp="1"/>
+          </p:cNvSpPr>
+          <p:nvPr>
+            <p:ph type="title"/>
+          </p:nvPr>
+        </p:nvSpPr>
+        <p:spPr/>
+        <p:txBody>
+          <a:bodyPr/>
+          <a:lstStyle/>
+          <a:p>
+            <a:r>
+              <a:rPr lang="en-US" dirty="0"/>
+              <a:t>Capacity and length of channels</a:t>
+            </a:r>
+          </a:p>
+        </p:txBody>
+      </p:sp>
+      <p:sp>
+        <p:nvSpPr>
+          <p:cNvPr id="3" name="Text Placeholder 2">
+            <a:extLst>
+              <a:ext uri="{FF2B5EF4-FFF2-40B4-BE49-F238E27FC236}">
+                <a16:creationId xmlns:a16="http://schemas.microsoft.com/office/drawing/2014/main" id="{902F45B1-8247-CB49-8457-EE3874495B49}"/>
+              </a:ext>
+            </a:extLst>
+          </p:cNvPr>
+          <p:cNvSpPr>
+            <a:spLocks noGrp="1"/>
+          </p:cNvSpPr>
+          <p:nvPr>
+            <p:ph type="body" idx="1"/>
+          </p:nvPr>
+        </p:nvSpPr>
+        <p:spPr/>
+        <p:txBody>
+          <a:bodyPr/>
+          <a:lstStyle/>
+          <a:p>
+            <a:r>
+              <a:rPr lang="en-US" dirty="0"/>
+              <a:t> Go comes with built-in functions that can help you determine the </a:t>
+            </a:r>
+            <a:r>
+              <a:rPr lang="en-US" b="1" dirty="0"/>
+              <a:t>capacity</a:t>
+            </a:r>
+            <a:r>
+              <a:rPr lang="en-US" dirty="0"/>
+              <a:t> (“cap”) and </a:t>
+            </a:r>
+            <a:r>
+              <a:rPr lang="en-US" b="1" dirty="0"/>
+              <a:t>length</a:t>
+            </a:r>
+            <a:r>
+              <a:rPr lang="en-US" dirty="0"/>
+              <a:t> (“</a:t>
+            </a:r>
+            <a:r>
+              <a:rPr lang="en-US" dirty="0" err="1"/>
+              <a:t>len</a:t>
+            </a:r>
+            <a:r>
+              <a:rPr lang="en-US" dirty="0"/>
+              <a:t>”) of the channels.</a:t>
+            </a:r>
+          </a:p>
+          <a:p>
+            <a:pPr lvl="1"/>
+            <a:r>
+              <a:rPr lang="en-US" dirty="0"/>
+              <a:t>Obviously the capacity is the declared values capacity at the initialization of the buffer</a:t>
+            </a:r>
+          </a:p>
+          <a:p>
+            <a:pPr lvl="1"/>
+            <a:r>
+              <a:rPr lang="en-US" dirty="0"/>
+              <a:t>The </a:t>
+            </a:r>
+            <a:r>
+              <a:rPr lang="en-US" b="1" dirty="0"/>
+              <a:t>length</a:t>
+            </a:r>
+            <a:r>
+              <a:rPr lang="en-US" dirty="0"/>
+              <a:t> is the current length of the current buffer</a:t>
+            </a:r>
+          </a:p>
+        </p:txBody>
+      </p:sp>
+      <p:pic>
+        <p:nvPicPr>
+          <p:cNvPr id="4098" name="Picture 2" descr="Image result for go gopher">
+            <a:extLst>
+              <a:ext uri="{FF2B5EF4-FFF2-40B4-BE49-F238E27FC236}">
+                <a16:creationId xmlns:a16="http://schemas.microsoft.com/office/drawing/2014/main" id="{83B15448-A3C8-2745-A471-97A63BFFD495}"/>
+              </a:ext>
+            </a:extLst>
+          </p:cNvPr>
+          <p:cNvPicPr>
+            <a:picLocks noChangeAspect="1" noChangeArrowheads="1"/>
+          </p:cNvPicPr>
+          <p:nvPr/>
+        </p:nvPicPr>
+        <p:blipFill>
+          <a:blip r:embed="rId2">
+            <a:extLst>
+              <a:ext uri="{28A0092B-C50C-407E-A947-70E740481C1C}">
+                <a14:useLocalDpi xmlns:a14="http://schemas.microsoft.com/office/drawing/2010/main" val="0"/>
+              </a:ext>
+            </a:extLst>
+          </a:blip>
+          <a:srcRect/>
+          <a:stretch>
+            <a:fillRect/>
+          </a:stretch>
+        </p:blipFill>
+        <p:spPr bwMode="auto">
+          <a:xfrm>
+            <a:off x="2627787" y="4076699"/>
+            <a:ext cx="3492500" cy="2324100"/>
+          </a:xfrm>
+          <a:prstGeom prst="rect">
+            <a:avLst/>
+          </a:prstGeom>
+          <a:noFill/>
+          <a:extLst>
+            <a:ext uri="{909E8E84-426E-40DD-AFC4-6F175D3DCCD1}">
+              <a14:hiddenFill xmlns:a14="http://schemas.microsoft.com/office/drawing/2010/main">
+                <a:solidFill>
+                  <a:srgbClr val="FFFFFF"/>
+                </a:solidFill>
+              </a14:hiddenFill>
+            </a:ext>
+          </a:extLst>
+        </p:spPr>
+      </p:pic>
+    </p:spTree>
+    <p:extLst>
+      <p:ext uri="{BB962C8B-B14F-4D97-AF65-F5344CB8AC3E}">
+        <p14:creationId xmlns:p14="http://schemas.microsoft.com/office/powerpoint/2010/main" val="3248299307"/>
+      </p:ext>
+    </p:extLst>
+  </p:cSld>
+  <p:clrMapOvr>
+    <a:masterClrMapping/>
+  </p:clrMapOvr>
+</p:sld>
+</file>
+
+<file path=ppt/slides/slide22.xml><?xml version="1.0" encoding="utf-8"?>
+<p:sld xmlns:a="http://schemas.openxmlformats.org/drawingml/2006/main" xmlns:r="http://schemas.openxmlformats.org/officeDocument/2006/relationships" xmlns:p="http://schemas.openxmlformats.org/presentationml/2006/main">
+  <p:cSld>
+    <p:spTree>
+      <p:nvGrpSpPr>
+        <p:cNvPr id="1" name=""/>
+        <p:cNvGrpSpPr/>
+        <p:nvPr/>
+      </p:nvGrpSpPr>
+      <p:grpSpPr>
+        <a:xfrm>
+          <a:off x="0" y="0"/>
+          <a:ext cx="0" cy="0"/>
+          <a:chOff x="0" y="0"/>
+          <a:chExt cx="0" cy="0"/>
+        </a:xfrm>
+      </p:grpSpPr>
+      <p:sp>
+        <p:nvSpPr>
+          <p:cNvPr id="2" name="Title 1">
+            <a:extLst>
+              <a:ext uri="{FF2B5EF4-FFF2-40B4-BE49-F238E27FC236}">
+                <a16:creationId xmlns:a16="http://schemas.microsoft.com/office/drawing/2014/main" id="{5D942C32-436C-E94A-99C7-B94D862E708B}"/>
+              </a:ext>
+            </a:extLst>
+          </p:cNvPr>
+          <p:cNvSpPr>
+            <a:spLocks noGrp="1"/>
+          </p:cNvSpPr>
+          <p:nvPr>
+            <p:ph type="title"/>
+          </p:nvPr>
+        </p:nvSpPr>
+        <p:spPr/>
+        <p:txBody>
+          <a:bodyPr/>
+          <a:lstStyle/>
+          <a:p>
+            <a:r>
+              <a:rPr lang="en-US" dirty="0" err="1"/>
+              <a:t>WaitGroups</a:t>
+            </a:r>
+            <a:endParaRPr lang="en-US" dirty="0"/>
+          </a:p>
+        </p:txBody>
+      </p:sp>
+      <p:sp>
+        <p:nvSpPr>
+          <p:cNvPr id="3" name="Text Placeholder 2">
+            <a:extLst>
+              <a:ext uri="{FF2B5EF4-FFF2-40B4-BE49-F238E27FC236}">
+                <a16:creationId xmlns:a16="http://schemas.microsoft.com/office/drawing/2014/main" id="{3C3EF5E8-8940-3F44-80E6-3E5AED4175D3}"/>
+              </a:ext>
+            </a:extLst>
+          </p:cNvPr>
+          <p:cNvSpPr>
+            <a:spLocks noGrp="1"/>
+          </p:cNvSpPr>
+          <p:nvPr>
+            <p:ph type="body" idx="1"/>
+          </p:nvPr>
+        </p:nvSpPr>
+        <p:spPr/>
+        <p:txBody>
+          <a:bodyPr/>
+          <a:lstStyle/>
+          <a:p>
+            <a:r>
+              <a:rPr lang="en-US" dirty="0"/>
+              <a:t> So- let’s say we want to wait for completion of multiple </a:t>
+            </a:r>
+            <a:r>
+              <a:rPr lang="en-US" dirty="0" err="1"/>
+              <a:t>goRoutines</a:t>
+            </a:r>
+            <a:r>
+              <a:rPr lang="en-US" dirty="0"/>
+              <a:t> in the </a:t>
+            </a:r>
+            <a:r>
+              <a:rPr lang="en-US" b="1" dirty="0"/>
+              <a:t>main</a:t>
+            </a:r>
+            <a:r>
+              <a:rPr lang="en-US" dirty="0"/>
+              <a:t> function…</a:t>
+            </a:r>
+          </a:p>
+          <a:p>
+            <a:endParaRPr lang="en-US" dirty="0"/>
+          </a:p>
+          <a:p>
+            <a:r>
+              <a:rPr lang="en-US" dirty="0"/>
+              <a:t>The way that we do this is to create a </a:t>
+            </a:r>
+            <a:r>
+              <a:rPr lang="en-US" b="1" dirty="0" err="1"/>
+              <a:t>WaitGroup</a:t>
+            </a:r>
+            <a:r>
+              <a:rPr lang="en-US" dirty="0"/>
+              <a:t>- which is used to wait for a collection of </a:t>
+            </a:r>
+            <a:r>
+              <a:rPr lang="en-US" dirty="0" err="1"/>
+              <a:t>goRoutines</a:t>
+            </a:r>
+            <a:r>
+              <a:rPr lang="en-US" dirty="0"/>
+              <a:t> to finish executing.</a:t>
+            </a:r>
+          </a:p>
+        </p:txBody>
+      </p:sp>
+      <p:pic>
+        <p:nvPicPr>
+          <p:cNvPr id="5122" name="Picture 2" descr="Image result for go gopher">
+            <a:extLst>
+              <a:ext uri="{FF2B5EF4-FFF2-40B4-BE49-F238E27FC236}">
+                <a16:creationId xmlns:a16="http://schemas.microsoft.com/office/drawing/2014/main" id="{FD4F7B69-CFD8-BC4A-A6D6-8B6390B41EF2}"/>
+              </a:ext>
+            </a:extLst>
+          </p:cNvPr>
+          <p:cNvPicPr>
+            <a:picLocks noChangeAspect="1" noChangeArrowheads="1"/>
+          </p:cNvPicPr>
+          <p:nvPr/>
+        </p:nvPicPr>
+        <p:blipFill>
+          <a:blip r:embed="rId2">
+            <a:extLst>
+              <a:ext uri="{28A0092B-C50C-407E-A947-70E740481C1C}">
+                <a14:useLocalDpi xmlns:a14="http://schemas.microsoft.com/office/drawing/2010/main" val="0"/>
+              </a:ext>
+            </a:extLst>
+          </a:blip>
+          <a:srcRect/>
+          <a:stretch>
+            <a:fillRect/>
+          </a:stretch>
+        </p:blipFill>
+        <p:spPr bwMode="auto">
+          <a:xfrm>
+            <a:off x="3221970" y="3874415"/>
+            <a:ext cx="2778779" cy="2778779"/>
+          </a:xfrm>
+          <a:prstGeom prst="rect">
+            <a:avLst/>
+          </a:prstGeom>
+          <a:noFill/>
+          <a:extLst>
+            <a:ext uri="{909E8E84-426E-40DD-AFC4-6F175D3DCCD1}">
+              <a14:hiddenFill xmlns:a14="http://schemas.microsoft.com/office/drawing/2010/main">
+                <a:solidFill>
+                  <a:srgbClr val="FFFFFF"/>
+                </a:solidFill>
+              </a14:hiddenFill>
+            </a:ext>
+          </a:extLst>
+        </p:spPr>
+      </p:pic>
+    </p:spTree>
+    <p:extLst>
+      <p:ext uri="{BB962C8B-B14F-4D97-AF65-F5344CB8AC3E}">
+        <p14:creationId xmlns:p14="http://schemas.microsoft.com/office/powerpoint/2010/main" val="3193283971"/>
+      </p:ext>
+    </p:extLst>
+  </p:cSld>
+  <p:clrMapOvr>
+    <a:masterClrMapping/>
+  </p:clrMapOvr>
+</p:sld>
+</file>
+
+<file path=ppt/slides/slide23.xml><?xml version="1.0" encoding="utf-8"?>
+<p:sld xmlns:a="http://schemas.openxmlformats.org/drawingml/2006/main" xmlns:r="http://schemas.openxmlformats.org/officeDocument/2006/relationships" xmlns:p="http://schemas.openxmlformats.org/presentationml/2006/main">
+  <p:cSld>
+    <p:spTree>
+      <p:nvGrpSpPr>
+        <p:cNvPr id="1" name=""/>
+        <p:cNvGrpSpPr/>
+        <p:nvPr/>
+      </p:nvGrpSpPr>
+      <p:grpSpPr>
+        <a:xfrm>
+          <a:off x="0" y="0"/>
+          <a:ext cx="0" cy="0"/>
+          <a:chOff x="0" y="0"/>
+          <a:chExt cx="0" cy="0"/>
+        </a:xfrm>
+      </p:grpSpPr>
+      <p:sp>
+        <p:nvSpPr>
+          <p:cNvPr id="2" name="Title 1">
+            <a:extLst>
+              <a:ext uri="{FF2B5EF4-FFF2-40B4-BE49-F238E27FC236}">
+                <a16:creationId xmlns:a16="http://schemas.microsoft.com/office/drawing/2014/main" id="{A8714629-EF1B-CF4F-8A12-E29B20F0DCAC}"/>
+              </a:ext>
+            </a:extLst>
+          </p:cNvPr>
+          <p:cNvSpPr>
+            <a:spLocks noGrp="1"/>
+          </p:cNvSpPr>
+          <p:nvPr>
+            <p:ph type="title"/>
+          </p:nvPr>
+        </p:nvSpPr>
+        <p:spPr/>
+        <p:txBody>
+          <a:bodyPr/>
+          <a:lstStyle/>
+          <a:p>
+            <a:r>
+              <a:rPr lang="en-US" dirty="0" err="1"/>
+              <a:t>WaitGroups</a:t>
+            </a:r>
+            <a:endParaRPr lang="en-US" dirty="0"/>
+          </a:p>
+        </p:txBody>
+      </p:sp>
+      <p:sp>
+        <p:nvSpPr>
+          <p:cNvPr id="3" name="Text Placeholder 2">
+            <a:extLst>
+              <a:ext uri="{FF2B5EF4-FFF2-40B4-BE49-F238E27FC236}">
+                <a16:creationId xmlns:a16="http://schemas.microsoft.com/office/drawing/2014/main" id="{D6D589E1-37F8-7D48-96B2-8AF5CDE7828B}"/>
+              </a:ext>
+            </a:extLst>
+          </p:cNvPr>
+          <p:cNvSpPr>
+            <a:spLocks noGrp="1"/>
+          </p:cNvSpPr>
+          <p:nvPr>
+            <p:ph type="body" idx="1"/>
+          </p:nvPr>
+        </p:nvSpPr>
+        <p:spPr/>
+        <p:txBody>
+          <a:bodyPr/>
+          <a:lstStyle/>
+          <a:p>
+            <a:r>
+              <a:rPr lang="en-US" dirty="0"/>
+              <a:t> So </a:t>
+            </a:r>
+            <a:r>
+              <a:rPr lang="en-US" b="1" dirty="0" err="1"/>
+              <a:t>WaitGroup</a:t>
+            </a:r>
+            <a:r>
+              <a:rPr lang="en-US" dirty="0"/>
+              <a:t> is a struct type. In the lab we are initially creating a zero value variable of type </a:t>
+            </a:r>
+            <a:r>
+              <a:rPr lang="en-US" b="1" dirty="0" err="1"/>
+              <a:t>WaitGroup</a:t>
+            </a:r>
+            <a:r>
+              <a:rPr lang="en-US" b="1" dirty="0"/>
+              <a:t> </a:t>
+            </a:r>
+            <a:r>
+              <a:rPr lang="en-US" dirty="0"/>
+              <a:t>and then pass that address to our function.</a:t>
+            </a:r>
+          </a:p>
+          <a:p>
+            <a:r>
+              <a:rPr lang="en-US" dirty="0"/>
+              <a:t> What is happening in the lab is:</a:t>
+            </a:r>
+          </a:p>
+          <a:p>
+            <a:pPr lvl="1"/>
+            <a:r>
+              <a:rPr lang="en-US" dirty="0"/>
+              <a:t>We create the </a:t>
+            </a:r>
+            <a:r>
+              <a:rPr lang="en-US" b="1" dirty="0" err="1"/>
+              <a:t>waitgroup</a:t>
+            </a:r>
+            <a:endParaRPr lang="en-US" b="1" dirty="0"/>
+          </a:p>
+          <a:p>
+            <a:pPr lvl="1"/>
+            <a:r>
+              <a:rPr lang="en-US" dirty="0"/>
+              <a:t>We create the </a:t>
+            </a:r>
+            <a:r>
+              <a:rPr lang="en-US" b="1" dirty="0"/>
+              <a:t>process</a:t>
+            </a:r>
+            <a:r>
+              <a:rPr lang="en-US" dirty="0"/>
+              <a:t> function</a:t>
+            </a:r>
+          </a:p>
+          <a:p>
+            <a:pPr lvl="1"/>
+            <a:r>
+              <a:rPr lang="en-US" dirty="0"/>
+              <a:t>We spawn three copies of the </a:t>
+            </a:r>
+            <a:r>
+              <a:rPr lang="en-US" b="1" dirty="0"/>
+              <a:t>process</a:t>
+            </a:r>
+            <a:r>
+              <a:rPr lang="en-US" dirty="0"/>
+              <a:t> function</a:t>
+            </a:r>
+          </a:p>
+          <a:p>
+            <a:pPr lvl="1"/>
+            <a:r>
+              <a:rPr lang="en-US" dirty="0"/>
+              <a:t>With </a:t>
+            </a:r>
+            <a:r>
+              <a:rPr lang="en-US" b="1" dirty="0" err="1"/>
+              <a:t>wg.Wait</a:t>
+            </a:r>
+            <a:r>
+              <a:rPr lang="en-US" b="1" dirty="0"/>
+              <a:t>()</a:t>
+            </a:r>
+            <a:r>
+              <a:rPr lang="en-US" dirty="0"/>
+              <a:t> we </a:t>
+            </a:r>
+            <a:r>
+              <a:rPr lang="en-US" b="1" dirty="0"/>
+              <a:t>wait</a:t>
+            </a:r>
+            <a:r>
+              <a:rPr lang="en-US" dirty="0"/>
+              <a:t> until all three of those processes are done running, then…</a:t>
+            </a:r>
+          </a:p>
+          <a:p>
+            <a:pPr lvl="1"/>
+            <a:r>
+              <a:rPr lang="en-US" dirty="0"/>
+              <a:t>We exit.</a:t>
+            </a:r>
+          </a:p>
+          <a:p>
+            <a:pPr lvl="1"/>
+            <a:r>
+              <a:rPr lang="en-US" b="1" dirty="0"/>
+              <a:t>NOTE</a:t>
+            </a:r>
+            <a:r>
+              <a:rPr lang="en-US" dirty="0"/>
+              <a:t>: </a:t>
+            </a:r>
+            <a:r>
+              <a:rPr lang="en-US" dirty="0" err="1"/>
+              <a:t>GoRoutines</a:t>
+            </a:r>
+            <a:r>
+              <a:rPr lang="en-US" dirty="0"/>
+              <a:t> will NOT run synchronously- order?</a:t>
+            </a:r>
+            <a:endParaRPr lang="en-US" b="1" dirty="0"/>
+          </a:p>
+        </p:txBody>
+      </p:sp>
+      <p:pic>
+        <p:nvPicPr>
+          <p:cNvPr id="6146" name="Picture 2" descr="Image result for go gopher">
+            <a:extLst>
+              <a:ext uri="{FF2B5EF4-FFF2-40B4-BE49-F238E27FC236}">
+                <a16:creationId xmlns:a16="http://schemas.microsoft.com/office/drawing/2014/main" id="{4C0A50A4-CF09-6245-B855-75812BA9A451}"/>
+              </a:ext>
+            </a:extLst>
+          </p:cNvPr>
+          <p:cNvPicPr>
+            <a:picLocks noChangeAspect="1" noChangeArrowheads="1"/>
+          </p:cNvPicPr>
+          <p:nvPr/>
+        </p:nvPicPr>
+        <p:blipFill>
+          <a:blip r:embed="rId2">
+            <a:extLst>
+              <a:ext uri="{28A0092B-C50C-407E-A947-70E740481C1C}">
+                <a14:useLocalDpi xmlns:a14="http://schemas.microsoft.com/office/drawing/2010/main" val="0"/>
+              </a:ext>
+            </a:extLst>
+          </a:blip>
+          <a:srcRect/>
+          <a:stretch>
+            <a:fillRect/>
+          </a:stretch>
+        </p:blipFill>
+        <p:spPr bwMode="auto">
+          <a:xfrm>
+            <a:off x="7265603" y="2988297"/>
+            <a:ext cx="1035222" cy="1688118"/>
+          </a:xfrm>
+          <a:prstGeom prst="rect">
+            <a:avLst/>
+          </a:prstGeom>
+          <a:noFill/>
+          <a:extLst>
+            <a:ext uri="{909E8E84-426E-40DD-AFC4-6F175D3DCCD1}">
+              <a14:hiddenFill xmlns:a14="http://schemas.microsoft.com/office/drawing/2010/main">
+                <a:solidFill>
+                  <a:srgbClr val="FFFFFF"/>
+                </a:solidFill>
+              </a14:hiddenFill>
+            </a:ext>
+          </a:extLst>
+        </p:spPr>
+      </p:pic>
+    </p:spTree>
+    <p:extLst>
+      <p:ext uri="{BB962C8B-B14F-4D97-AF65-F5344CB8AC3E}">
+        <p14:creationId xmlns:p14="http://schemas.microsoft.com/office/powerpoint/2010/main" val="656259915"/>
+      </p:ext>
+    </p:extLst>
+  </p:cSld>
+  <p:clrMapOvr>
+    <a:masterClrMapping/>
+  </p:clrMapOvr>
+</p:sld>
+</file>
+
+<file path=ppt/slides/slide24.xml><?xml version="1.0" encoding="utf-8"?>
+<p:sld xmlns:a="http://schemas.openxmlformats.org/drawingml/2006/main" xmlns:r="http://schemas.openxmlformats.org/officeDocument/2006/relationships" xmlns:p="http://schemas.openxmlformats.org/presentationml/2006/main">
+  <p:cSld>
+    <p:spTree>
+      <p:nvGrpSpPr>
+        <p:cNvPr id="1" name=""/>
+        <p:cNvGrpSpPr/>
+        <p:nvPr/>
+      </p:nvGrpSpPr>
+      <p:grpSpPr>
+        <a:xfrm>
+          <a:off x="0" y="0"/>
+          <a:ext cx="0" cy="0"/>
+          <a:chOff x="0" y="0"/>
+          <a:chExt cx="0" cy="0"/>
+        </a:xfrm>
+      </p:grpSpPr>
+      <p:sp>
+        <p:nvSpPr>
+          <p:cNvPr id="2" name="Title 1">
+            <a:extLst>
+              <a:ext uri="{FF2B5EF4-FFF2-40B4-BE49-F238E27FC236}">
+                <a16:creationId xmlns:a16="http://schemas.microsoft.com/office/drawing/2014/main" id="{C799CA4C-40E6-BF42-8F85-074C7D3FFB19}"/>
+              </a:ext>
+            </a:extLst>
+          </p:cNvPr>
+          <p:cNvSpPr>
+            <a:spLocks noGrp="1"/>
+          </p:cNvSpPr>
+          <p:nvPr>
+            <p:ph type="title"/>
+          </p:nvPr>
+        </p:nvSpPr>
+        <p:spPr/>
+        <p:txBody>
+          <a:bodyPr/>
+          <a:lstStyle/>
+          <a:p>
+            <a:r>
+              <a:rPr lang="en-US" dirty="0"/>
+              <a:t>Worker Pools</a:t>
+            </a:r>
+          </a:p>
+        </p:txBody>
+      </p:sp>
+      <p:sp>
+        <p:nvSpPr>
+          <p:cNvPr id="3" name="Text Placeholder 2">
+            <a:extLst>
+              <a:ext uri="{FF2B5EF4-FFF2-40B4-BE49-F238E27FC236}">
+                <a16:creationId xmlns:a16="http://schemas.microsoft.com/office/drawing/2014/main" id="{599C9486-7DEB-5144-8BAC-2613D3C71E2C}"/>
+              </a:ext>
+            </a:extLst>
+          </p:cNvPr>
+          <p:cNvSpPr>
+            <a:spLocks noGrp="1"/>
+          </p:cNvSpPr>
+          <p:nvPr>
+            <p:ph type="body" idx="1"/>
+          </p:nvPr>
+        </p:nvSpPr>
+        <p:spPr/>
+        <p:txBody>
+          <a:bodyPr/>
+          <a:lstStyle/>
+          <a:p>
+            <a:r>
+              <a:rPr lang="en-US" dirty="0"/>
+              <a:t> So- </a:t>
+            </a:r>
+            <a:r>
+              <a:rPr lang="en-US" b="1" dirty="0"/>
+              <a:t>worker pools </a:t>
+            </a:r>
+            <a:r>
+              <a:rPr lang="en-US" dirty="0"/>
+              <a:t>are useful for things like setting up a pool of threads that basically hang out and </a:t>
+            </a:r>
+            <a:r>
+              <a:rPr lang="en-US" b="1" dirty="0"/>
+              <a:t>wait</a:t>
+            </a:r>
+            <a:r>
+              <a:rPr lang="en-US" dirty="0"/>
+              <a:t> for tasks to be assigned to them.</a:t>
+            </a:r>
+          </a:p>
+          <a:p>
+            <a:r>
+              <a:rPr lang="en-US" dirty="0"/>
+              <a:t> So in </a:t>
+            </a:r>
+            <a:r>
+              <a:rPr lang="en-US" b="1" dirty="0"/>
+              <a:t>my</a:t>
+            </a:r>
+            <a:r>
+              <a:rPr lang="en-US" dirty="0"/>
+              <a:t> case- there have been situations where I have needed to move millions of </a:t>
+            </a:r>
+            <a:r>
+              <a:rPr lang="en-US" dirty="0" err="1"/>
+              <a:t>api</a:t>
+            </a:r>
+            <a:r>
+              <a:rPr lang="en-US" dirty="0"/>
+              <a:t> hits (for millions of sites) to an extremely large </a:t>
+            </a:r>
+            <a:r>
+              <a:rPr lang="en-US" dirty="0" err="1"/>
+              <a:t>postgres</a:t>
+            </a:r>
+            <a:r>
+              <a:rPr lang="en-US" dirty="0"/>
+              <a:t> database asynchronously.</a:t>
+            </a:r>
+          </a:p>
+        </p:txBody>
+      </p:sp>
+      <p:pic>
+        <p:nvPicPr>
+          <p:cNvPr id="7170" name="Picture 2" descr="Image result for go gopher">
+            <a:extLst>
+              <a:ext uri="{FF2B5EF4-FFF2-40B4-BE49-F238E27FC236}">
+                <a16:creationId xmlns:a16="http://schemas.microsoft.com/office/drawing/2014/main" id="{D80949F4-76DD-0141-B128-C7EE29A3143C}"/>
+              </a:ext>
+            </a:extLst>
+          </p:cNvPr>
+          <p:cNvPicPr>
+            <a:picLocks noChangeAspect="1" noChangeArrowheads="1"/>
+          </p:cNvPicPr>
+          <p:nvPr/>
+        </p:nvPicPr>
+        <p:blipFill>
+          <a:blip r:embed="rId2">
+            <a:extLst>
+              <a:ext uri="{28A0092B-C50C-407E-A947-70E740481C1C}">
+                <a14:useLocalDpi xmlns:a14="http://schemas.microsoft.com/office/drawing/2010/main" val="0"/>
+              </a:ext>
+            </a:extLst>
+          </a:blip>
+          <a:srcRect/>
+          <a:stretch>
+            <a:fillRect/>
+          </a:stretch>
+        </p:blipFill>
+        <p:spPr bwMode="auto">
+          <a:xfrm>
+            <a:off x="3482484" y="4289969"/>
+            <a:ext cx="2179032" cy="2392862"/>
+          </a:xfrm>
+          <a:prstGeom prst="rect">
+            <a:avLst/>
+          </a:prstGeom>
+          <a:noFill/>
+          <a:extLst>
+            <a:ext uri="{909E8E84-426E-40DD-AFC4-6F175D3DCCD1}">
+              <a14:hiddenFill xmlns:a14="http://schemas.microsoft.com/office/drawing/2010/main">
+                <a:solidFill>
+                  <a:srgbClr val="FFFFFF"/>
+                </a:solidFill>
+              </a14:hiddenFill>
+            </a:ext>
+          </a:extLst>
+        </p:spPr>
+      </p:pic>
+    </p:spTree>
+    <p:extLst>
+      <p:ext uri="{BB962C8B-B14F-4D97-AF65-F5344CB8AC3E}">
+        <p14:creationId xmlns:p14="http://schemas.microsoft.com/office/powerpoint/2010/main" val="1512496442"/>
+      </p:ext>
+    </p:extLst>
+  </p:cSld>
+  <p:clrMapOvr>
+    <a:masterClrMapping/>
+  </p:clrMapOvr>
+</p:sld>
+</file>
+
+<file path=ppt/slides/slide25.xml><?xml version="1.0" encoding="utf-8"?>
+<p:sld xmlns:a="http://schemas.openxmlformats.org/drawingml/2006/main" xmlns:r="http://schemas.openxmlformats.org/officeDocument/2006/relationships" xmlns:p="http://schemas.openxmlformats.org/presentationml/2006/main">
+  <p:cSld>
+    <p:spTree>
+      <p:nvGrpSpPr>
+        <p:cNvPr id="1" name=""/>
+        <p:cNvGrpSpPr/>
+        <p:nvPr/>
+      </p:nvGrpSpPr>
+      <p:grpSpPr>
+        <a:xfrm>
+          <a:off x="0" y="0"/>
+          <a:ext cx="0" cy="0"/>
+          <a:chOff x="0" y="0"/>
+          <a:chExt cx="0" cy="0"/>
+        </a:xfrm>
+      </p:grpSpPr>
+      <p:sp>
+        <p:nvSpPr>
+          <p:cNvPr id="2" name="Title 1">
+            <a:extLst>
+              <a:ext uri="{FF2B5EF4-FFF2-40B4-BE49-F238E27FC236}">
+                <a16:creationId xmlns:a16="http://schemas.microsoft.com/office/drawing/2014/main" id="{59FC9B48-98BE-0542-AA51-96761538CBD0}"/>
+              </a:ext>
+            </a:extLst>
+          </p:cNvPr>
+          <p:cNvSpPr>
+            <a:spLocks noGrp="1"/>
+          </p:cNvSpPr>
+          <p:nvPr>
+            <p:ph type="title"/>
+          </p:nvPr>
+        </p:nvSpPr>
+        <p:spPr/>
+        <p:txBody>
+          <a:bodyPr/>
+          <a:lstStyle/>
+          <a:p>
+            <a:r>
+              <a:rPr lang="en-US" dirty="0"/>
+              <a:t>Worker Pools</a:t>
+            </a:r>
+          </a:p>
+        </p:txBody>
+      </p:sp>
+      <p:sp>
+        <p:nvSpPr>
+          <p:cNvPr id="3" name="Text Placeholder 2">
+            <a:extLst>
+              <a:ext uri="{FF2B5EF4-FFF2-40B4-BE49-F238E27FC236}">
+                <a16:creationId xmlns:a16="http://schemas.microsoft.com/office/drawing/2014/main" id="{70342F2F-06B6-CC48-A28B-AAF8A6AA1C66}"/>
+              </a:ext>
+            </a:extLst>
+          </p:cNvPr>
+          <p:cNvSpPr>
+            <a:spLocks noGrp="1"/>
+          </p:cNvSpPr>
+          <p:nvPr>
+            <p:ph type="body" idx="1"/>
+          </p:nvPr>
+        </p:nvSpPr>
+        <p:spPr/>
+        <p:txBody>
+          <a:bodyPr/>
+          <a:lstStyle/>
+          <a:p>
+            <a:r>
+              <a:rPr lang="en-US" dirty="0"/>
+              <a:t> So it’s nice to have multiple threads pre-made that basically hang out and wait for tasks to be sent (</a:t>
+            </a:r>
+            <a:r>
+              <a:rPr lang="en-US" dirty="0" err="1"/>
+              <a:t>i.e</a:t>
+            </a:r>
+            <a:r>
+              <a:rPr lang="en-US" dirty="0"/>
+              <a:t>: receive hits from said database). </a:t>
+            </a:r>
+          </a:p>
+          <a:p>
+            <a:r>
+              <a:rPr lang="en-US" b="1" dirty="0"/>
+              <a:t> Worker Pools</a:t>
+            </a:r>
+            <a:r>
+              <a:rPr lang="en-US" dirty="0"/>
+              <a:t> are the ideal solution for this.</a:t>
+            </a:r>
+          </a:p>
+          <a:p>
+            <a:r>
+              <a:rPr lang="en-US" b="1" dirty="0"/>
+              <a:t> So let’s talk through them…</a:t>
+            </a:r>
+          </a:p>
+        </p:txBody>
+      </p:sp>
+      <p:pic>
+        <p:nvPicPr>
+          <p:cNvPr id="8194" name="Picture 2" descr="Image result for go gopher">
+            <a:extLst>
+              <a:ext uri="{FF2B5EF4-FFF2-40B4-BE49-F238E27FC236}">
+                <a16:creationId xmlns:a16="http://schemas.microsoft.com/office/drawing/2014/main" id="{012B19B5-9668-3144-BB42-458703B79BB6}"/>
+              </a:ext>
+            </a:extLst>
+          </p:cNvPr>
+          <p:cNvPicPr>
+            <a:picLocks noChangeAspect="1" noChangeArrowheads="1"/>
+          </p:cNvPicPr>
+          <p:nvPr/>
+        </p:nvPicPr>
+        <p:blipFill>
+          <a:blip r:embed="rId2">
+            <a:extLst>
+              <a:ext uri="{28A0092B-C50C-407E-A947-70E740481C1C}">
+                <a14:useLocalDpi xmlns:a14="http://schemas.microsoft.com/office/drawing/2010/main" val="0"/>
+              </a:ext>
+            </a:extLst>
+          </a:blip>
+          <a:srcRect/>
+          <a:stretch>
+            <a:fillRect/>
+          </a:stretch>
+        </p:blipFill>
+        <p:spPr bwMode="auto">
+          <a:xfrm>
+            <a:off x="1991805" y="4127565"/>
+            <a:ext cx="4953000" cy="1638300"/>
+          </a:xfrm>
+          <a:prstGeom prst="rect">
+            <a:avLst/>
+          </a:prstGeom>
+          <a:noFill/>
+          <a:extLst>
+            <a:ext uri="{909E8E84-426E-40DD-AFC4-6F175D3DCCD1}">
+              <a14:hiddenFill xmlns:a14="http://schemas.microsoft.com/office/drawing/2010/main">
+                <a:solidFill>
+                  <a:srgbClr val="FFFFFF"/>
+                </a:solidFill>
+              </a14:hiddenFill>
+            </a:ext>
+          </a:extLst>
+        </p:spPr>
+      </p:pic>
+    </p:spTree>
+    <p:extLst>
+      <p:ext uri="{BB962C8B-B14F-4D97-AF65-F5344CB8AC3E}">
+        <p14:creationId xmlns:p14="http://schemas.microsoft.com/office/powerpoint/2010/main" val="3735850804"/>
+      </p:ext>
+    </p:extLst>
+  </p:cSld>
+  <p:clrMapOvr>
+    <a:masterClrMapping/>
+  </p:clrMapOvr>
+</p:sld>
+</file>
+
+<file path=ppt/slides/slide26.xml><?xml version="1.0" encoding="utf-8"?>
+<p:sld xmlns:a="http://schemas.openxmlformats.org/drawingml/2006/main" xmlns:r="http://schemas.openxmlformats.org/officeDocument/2006/relationships" xmlns:p="http://schemas.openxmlformats.org/presentationml/2006/main">
+  <p:cSld>
+    <p:spTree>
+      <p:nvGrpSpPr>
+        <p:cNvPr id="1" name=""/>
+        <p:cNvGrpSpPr/>
+        <p:nvPr/>
+      </p:nvGrpSpPr>
+      <p:grpSpPr>
+        <a:xfrm>
+          <a:off x="0" y="0"/>
+          <a:ext cx="0" cy="0"/>
+          <a:chOff x="0" y="0"/>
+          <a:chExt cx="0" cy="0"/>
+        </a:xfrm>
+      </p:grpSpPr>
+      <p:sp>
+        <p:nvSpPr>
+          <p:cNvPr id="2" name="Title 1">
+            <a:extLst>
+              <a:ext uri="{FF2B5EF4-FFF2-40B4-BE49-F238E27FC236}">
+                <a16:creationId xmlns:a16="http://schemas.microsoft.com/office/drawing/2014/main" id="{C47C8DCD-2713-6747-A815-9E65A6006E81}"/>
+              </a:ext>
+            </a:extLst>
+          </p:cNvPr>
+          <p:cNvSpPr>
+            <a:spLocks noGrp="1"/>
+          </p:cNvSpPr>
+          <p:nvPr>
+            <p:ph type="title"/>
+          </p:nvPr>
+        </p:nvSpPr>
+        <p:spPr/>
+        <p:txBody>
+          <a:bodyPr/>
+          <a:lstStyle/>
+          <a:p>
+            <a:r>
+              <a:rPr lang="en-US" dirty="0"/>
+              <a:t>Worker Pools</a:t>
+            </a:r>
+          </a:p>
+        </p:txBody>
+      </p:sp>
+      <p:sp>
+        <p:nvSpPr>
+          <p:cNvPr id="3" name="Text Placeholder 2">
+            <a:extLst>
+              <a:ext uri="{FF2B5EF4-FFF2-40B4-BE49-F238E27FC236}">
+                <a16:creationId xmlns:a16="http://schemas.microsoft.com/office/drawing/2014/main" id="{DD235E3D-F4B4-E24F-B4F2-B7F881E08056}"/>
+              </a:ext>
+            </a:extLst>
+          </p:cNvPr>
+          <p:cNvSpPr>
+            <a:spLocks noGrp="1"/>
+          </p:cNvSpPr>
+          <p:nvPr>
+            <p:ph type="body" idx="1"/>
+          </p:nvPr>
+        </p:nvSpPr>
+        <p:spPr/>
+        <p:txBody>
+          <a:bodyPr/>
+          <a:lstStyle/>
+          <a:p>
+            <a:r>
+              <a:rPr lang="en-US" dirty="0"/>
+              <a:t>So let’s repeat this- </a:t>
+            </a:r>
+            <a:r>
+              <a:rPr lang="en-US" b="1" dirty="0"/>
+              <a:t>a worker pool is basically a collection of threads (channels) that hang out, wait for tasks to be assigned to them, do the tasks, then say “READY FOR NEXT TASK!”</a:t>
+            </a:r>
+            <a:endParaRPr lang="en-US" dirty="0"/>
+          </a:p>
+          <a:p>
+            <a:r>
+              <a:rPr lang="en-US" dirty="0"/>
+              <a:t> So we’re going to walk through a fairly simple task in the lab section. It’s a nonsensical application- but should teach us about workers pools.</a:t>
+            </a:r>
+          </a:p>
+        </p:txBody>
+      </p:sp>
+      <p:pic>
+        <p:nvPicPr>
+          <p:cNvPr id="9218" name="Picture 2" descr="Image result for go gopher">
+            <a:extLst>
+              <a:ext uri="{FF2B5EF4-FFF2-40B4-BE49-F238E27FC236}">
+                <a16:creationId xmlns:a16="http://schemas.microsoft.com/office/drawing/2014/main" id="{5144B535-6688-2B46-A8E3-254D8F4F67EB}"/>
+              </a:ext>
+            </a:extLst>
+          </p:cNvPr>
+          <p:cNvPicPr>
+            <a:picLocks noChangeAspect="1" noChangeArrowheads="1"/>
+          </p:cNvPicPr>
+          <p:nvPr/>
+        </p:nvPicPr>
+        <p:blipFill>
+          <a:blip r:embed="rId2">
+            <a:extLst>
+              <a:ext uri="{28A0092B-C50C-407E-A947-70E740481C1C}">
+                <a14:useLocalDpi xmlns:a14="http://schemas.microsoft.com/office/drawing/2010/main" val="0"/>
+              </a:ext>
+            </a:extLst>
+          </a:blip>
+          <a:srcRect/>
+          <a:stretch>
+            <a:fillRect/>
+          </a:stretch>
+        </p:blipFill>
+        <p:spPr bwMode="auto">
+          <a:xfrm>
+            <a:off x="3450210" y="4487452"/>
+            <a:ext cx="2057695" cy="2057695"/>
+          </a:xfrm>
+          <a:prstGeom prst="rect">
+            <a:avLst/>
+          </a:prstGeom>
+          <a:noFill/>
+          <a:extLst>
+            <a:ext uri="{909E8E84-426E-40DD-AFC4-6F175D3DCCD1}">
+              <a14:hiddenFill xmlns:a14="http://schemas.microsoft.com/office/drawing/2010/main">
+                <a:solidFill>
+                  <a:srgbClr val="FFFFFF"/>
+                </a:solidFill>
+              </a14:hiddenFill>
+            </a:ext>
+          </a:extLst>
+        </p:spPr>
+      </p:pic>
+    </p:spTree>
+    <p:extLst>
+      <p:ext uri="{BB962C8B-B14F-4D97-AF65-F5344CB8AC3E}">
+        <p14:creationId xmlns:p14="http://schemas.microsoft.com/office/powerpoint/2010/main" val="2862945904"/>
+      </p:ext>
+    </p:extLst>
+  </p:cSld>
+  <p:clrMapOvr>
+    <a:masterClrMapping/>
+  </p:clrMapOvr>
+</p:sld>
+</file>
+
+<file path=ppt/slides/slide27.xml><?xml version="1.0" encoding="utf-8"?>
+<p:sld xmlns:a="http://schemas.openxmlformats.org/drawingml/2006/main" xmlns:r="http://schemas.openxmlformats.org/officeDocument/2006/relationships" xmlns:p="http://schemas.openxmlformats.org/presentationml/2006/main">
+  <p:cSld>
+    <p:spTree>
+      <p:nvGrpSpPr>
+        <p:cNvPr id="1" name=""/>
+        <p:cNvGrpSpPr/>
+        <p:nvPr/>
+      </p:nvGrpSpPr>
+      <p:grpSpPr>
+        <a:xfrm>
+          <a:off x="0" y="0"/>
+          <a:ext cx="0" cy="0"/>
+          <a:chOff x="0" y="0"/>
+          <a:chExt cx="0" cy="0"/>
+        </a:xfrm>
+      </p:grpSpPr>
+      <p:sp>
+        <p:nvSpPr>
+          <p:cNvPr id="2" name="Title 1">
+            <a:extLst>
+              <a:ext uri="{FF2B5EF4-FFF2-40B4-BE49-F238E27FC236}">
+                <a16:creationId xmlns:a16="http://schemas.microsoft.com/office/drawing/2014/main" id="{2ABB52A3-721D-4942-A6DE-4D25463982DA}"/>
+              </a:ext>
+            </a:extLst>
+          </p:cNvPr>
+          <p:cNvSpPr>
+            <a:spLocks noGrp="1"/>
+          </p:cNvSpPr>
+          <p:nvPr>
+            <p:ph type="title"/>
+          </p:nvPr>
+        </p:nvSpPr>
+        <p:spPr/>
+        <p:txBody>
+          <a:bodyPr/>
+          <a:lstStyle/>
+          <a:p>
+            <a:r>
+              <a:rPr lang="en-US" dirty="0"/>
+              <a:t>Worker Pool labs</a:t>
+            </a:r>
+          </a:p>
+        </p:txBody>
+      </p:sp>
+      <p:sp>
+        <p:nvSpPr>
+          <p:cNvPr id="3" name="Text Placeholder 2">
+            <a:extLst>
+              <a:ext uri="{FF2B5EF4-FFF2-40B4-BE49-F238E27FC236}">
+                <a16:creationId xmlns:a16="http://schemas.microsoft.com/office/drawing/2014/main" id="{B9F69D66-2292-D748-B4D6-E104E2F3E511}"/>
+              </a:ext>
+            </a:extLst>
+          </p:cNvPr>
+          <p:cNvSpPr>
+            <a:spLocks noGrp="1"/>
+          </p:cNvSpPr>
+          <p:nvPr>
+            <p:ph type="body" idx="1"/>
+          </p:nvPr>
+        </p:nvSpPr>
+        <p:spPr/>
+        <p:txBody>
+          <a:bodyPr/>
+          <a:lstStyle/>
+          <a:p>
+            <a:r>
+              <a:rPr lang="en-US" dirty="0"/>
+              <a:t> So head over to the presentation 4 lab and let’s put together our worker pool channels!</a:t>
+            </a:r>
+          </a:p>
+        </p:txBody>
+      </p:sp>
+      <p:pic>
+        <p:nvPicPr>
+          <p:cNvPr id="14338" name="Picture 2" descr="Image result for go gopher">
+            <a:extLst>
+              <a:ext uri="{FF2B5EF4-FFF2-40B4-BE49-F238E27FC236}">
+                <a16:creationId xmlns:a16="http://schemas.microsoft.com/office/drawing/2014/main" id="{CF36555D-B0BD-6049-B0A5-4591266B8EC2}"/>
+              </a:ext>
+            </a:extLst>
+          </p:cNvPr>
+          <p:cNvPicPr>
+            <a:picLocks noChangeAspect="1" noChangeArrowheads="1"/>
+          </p:cNvPicPr>
+          <p:nvPr/>
+        </p:nvPicPr>
+        <p:blipFill>
+          <a:blip r:embed="rId2">
+            <a:extLst>
+              <a:ext uri="{28A0092B-C50C-407E-A947-70E740481C1C}">
+                <a14:useLocalDpi xmlns:a14="http://schemas.microsoft.com/office/drawing/2010/main" val="0"/>
+              </a:ext>
+            </a:extLst>
+          </a:blip>
+          <a:srcRect/>
+          <a:stretch>
+            <a:fillRect/>
+          </a:stretch>
+        </p:blipFill>
+        <p:spPr bwMode="auto">
+          <a:xfrm>
+            <a:off x="3090748" y="2945222"/>
+            <a:ext cx="2679700" cy="3022600"/>
+          </a:xfrm>
+          <a:prstGeom prst="rect">
+            <a:avLst/>
+          </a:prstGeom>
+          <a:noFill/>
+          <a:extLst>
+            <a:ext uri="{909E8E84-426E-40DD-AFC4-6F175D3DCCD1}">
+              <a14:hiddenFill xmlns:a14="http://schemas.microsoft.com/office/drawing/2010/main">
+                <a:solidFill>
+                  <a:srgbClr val="FFFFFF"/>
+                </a:solidFill>
+              </a14:hiddenFill>
+            </a:ext>
+          </a:extLst>
+        </p:spPr>
+      </p:pic>
+    </p:spTree>
+    <p:extLst>
+      <p:ext uri="{BB962C8B-B14F-4D97-AF65-F5344CB8AC3E}">
+        <p14:creationId xmlns:p14="http://schemas.microsoft.com/office/powerpoint/2010/main" val="1647014206"/>
+      </p:ext>
+    </p:extLst>
+  </p:cSld>
+  <p:clrMapOvr>
+    <a:masterClrMapping/>
+  </p:clrMapOvr>
+</p:sld>
+</file>
+
+<file path=ppt/slides/slide28.xml><?xml version="1.0" encoding="utf-8"?>
+<p:sld xmlns:a="http://schemas.openxmlformats.org/drawingml/2006/main" xmlns:r="http://schemas.openxmlformats.org/officeDocument/2006/relationships" xmlns:p="http://schemas.openxmlformats.org/presentationml/2006/main">
+  <p:cSld>
+    <p:spTree>
+      <p:nvGrpSpPr>
+        <p:cNvPr id="1" name="Shape 113"/>
+        <p:cNvGrpSpPr/>
+        <p:nvPr/>
+      </p:nvGrpSpPr>
+      <p:grpSpPr>
+        <a:xfrm>
+          <a:off x="0" y="0"/>
+          <a:ext cx="0" cy="0"/>
+          <a:chOff x="0" y="0"/>
+          <a:chExt cx="0" cy="0"/>
+        </a:xfrm>
+      </p:grpSpPr>
+      <p:sp>
+        <p:nvSpPr>
+          <p:cNvPr id="114" name="Shape 114"/>
+          <p:cNvSpPr txBox="1">
+            <a:spLocks noGrp="1"/>
+          </p:cNvSpPr>
+          <p:nvPr>
+            <p:ph type="title"/>
+          </p:nvPr>
+        </p:nvSpPr>
+        <p:spPr>
+          <a:xfrm>
+            <a:off x="76200" y="152400"/>
+            <a:ext cx="8991600" cy="671400"/>
+          </a:xfrm>
+          <a:prstGeom prst="rect">
+            <a:avLst/>
+          </a:prstGeom>
+        </p:spPr>
+        <p:txBody>
+          <a:bodyPr lIns="91425" tIns="91425" rIns="91425" bIns="91425" anchor="ctr" anchorCtr="0">
+            <a:noAutofit/>
+          </a:bodyPr>
+          <a:lstStyle/>
+          <a:p>
+            <a:pPr lvl="0">
+              <a:spcBef>
+                <a:spcPts val="0"/>
+              </a:spcBef>
+              <a:buNone/>
+            </a:pPr>
+            <a:r>
+              <a:rPr lang="en-US" dirty="0"/>
+              <a:t>Moving on </a:t>
+            </a:r>
+            <a:r>
+              <a:rPr lang="en-US"/>
+              <a:t>to Module 4….</a:t>
+            </a:r>
+            <a:endParaRPr dirty="0"/>
+          </a:p>
+        </p:txBody>
+      </p:sp>
+      <p:sp>
+        <p:nvSpPr>
+          <p:cNvPr id="115" name="Shape 115"/>
+          <p:cNvSpPr txBox="1">
+            <a:spLocks noGrp="1"/>
+          </p:cNvSpPr>
+          <p:nvPr>
+            <p:ph type="body" idx="1"/>
+          </p:nvPr>
+        </p:nvSpPr>
+        <p:spPr>
+          <a:xfrm>
+            <a:off x="76200" y="1240810"/>
+            <a:ext cx="8991600" cy="4070929"/>
+          </a:xfrm>
+          <a:prstGeom prst="rect">
+            <a:avLst/>
+          </a:prstGeom>
+        </p:spPr>
+        <p:txBody>
+          <a:bodyPr lIns="91425" tIns="91425" rIns="91425" bIns="91425" anchor="t" anchorCtr="0">
+            <a:noAutofit/>
+          </a:bodyPr>
+          <a:lstStyle/>
+          <a:p>
+            <a:pPr lvl="2">
+              <a:spcBef>
+                <a:spcPts val="0"/>
+              </a:spcBef>
+            </a:pPr>
+            <a:r>
+              <a:rPr lang="en-US" dirty="0">
+                <a:solidFill>
+                  <a:schemeClr val="tx1"/>
+                </a:solidFill>
+                <a:latin typeface="+mn-lt"/>
+              </a:rPr>
+              <a:t>AND WE’RE DONE!</a:t>
+            </a:r>
+          </a:p>
+          <a:p>
+            <a:pPr lvl="2">
+              <a:spcBef>
+                <a:spcPts val="0"/>
+              </a:spcBef>
+            </a:pPr>
+            <a:r>
+              <a:rPr lang="en-US" sz="3200" dirty="0">
+                <a:solidFill>
+                  <a:schemeClr val="tx1"/>
+                </a:solidFill>
+                <a:latin typeface="+mn-lt"/>
+              </a:rPr>
+              <a:t>ANY QUESTIONS?!?</a:t>
+            </a:r>
+          </a:p>
+          <a:p>
+            <a:pPr lvl="3">
+              <a:spcBef>
+                <a:spcPts val="0"/>
+              </a:spcBef>
+            </a:pPr>
+            <a:endParaRPr lang="en-US" dirty="0">
+              <a:solidFill>
+                <a:schemeClr val="tx1"/>
+              </a:solidFill>
+              <a:latin typeface="+mn-lt"/>
+            </a:endParaRPr>
+          </a:p>
+          <a:p>
+            <a:pPr lvl="2">
+              <a:spcBef>
+                <a:spcPts val="0"/>
+              </a:spcBef>
+            </a:pPr>
+            <a:endParaRPr lang="en-US" dirty="0">
+              <a:solidFill>
+                <a:schemeClr val="tx1"/>
+              </a:solidFill>
+            </a:endParaRPr>
+          </a:p>
+          <a:p>
+            <a:pPr marL="1485900" lvl="3" indent="0">
+              <a:spcBef>
+                <a:spcPts val="0"/>
+              </a:spcBef>
+              <a:buNone/>
+            </a:pPr>
+            <a:endParaRPr lang="en-US" dirty="0">
+              <a:solidFill>
+                <a:schemeClr val="tx1"/>
+              </a:solidFill>
+              <a:latin typeface="+mn-lt"/>
+            </a:endParaRPr>
+          </a:p>
+          <a:p>
+            <a:pPr marL="1485900" lvl="3" indent="0">
+              <a:spcBef>
+                <a:spcPts val="0"/>
+              </a:spcBef>
+              <a:buNone/>
+            </a:pPr>
+            <a:endParaRPr lang="en-US" dirty="0">
+              <a:solidFill>
+                <a:schemeClr val="tx1"/>
+              </a:solidFill>
+              <a:latin typeface="+mn-lt"/>
+            </a:endParaRPr>
+          </a:p>
+          <a:p>
+            <a:pPr marL="1485900" lvl="3" indent="0">
+              <a:spcBef>
+                <a:spcPts val="0"/>
+              </a:spcBef>
+              <a:buNone/>
+            </a:pPr>
+            <a:endParaRPr lang="en-US" dirty="0">
+              <a:solidFill>
+                <a:schemeClr val="tx1"/>
+              </a:solidFill>
+              <a:latin typeface="+mn-lt"/>
+            </a:endParaRPr>
+          </a:p>
+          <a:p>
+            <a:pPr marL="1485900" lvl="3" indent="0">
+              <a:spcBef>
+                <a:spcPts val="0"/>
+              </a:spcBef>
+              <a:buNone/>
+            </a:pPr>
+            <a:endParaRPr lang="en-US" dirty="0">
+              <a:solidFill>
+                <a:schemeClr val="tx1"/>
+              </a:solidFill>
+              <a:latin typeface="+mn-lt"/>
+            </a:endParaRPr>
+          </a:p>
+          <a:p>
+            <a:pPr marL="1485900" lvl="3" indent="0">
+              <a:spcBef>
+                <a:spcPts val="0"/>
+              </a:spcBef>
+              <a:buNone/>
+            </a:pPr>
+            <a:endParaRPr lang="en-US" dirty="0">
+              <a:solidFill>
+                <a:schemeClr val="tx1"/>
+              </a:solidFill>
+              <a:latin typeface="+mn-lt"/>
+            </a:endParaRPr>
+          </a:p>
+        </p:txBody>
+      </p:sp>
+      <p:pic>
+        <p:nvPicPr>
+          <p:cNvPr id="14338" name="Picture 2" descr="Image result for golang gopher, images">
+            <a:extLst>
+              <a:ext uri="{FF2B5EF4-FFF2-40B4-BE49-F238E27FC236}">
+                <a16:creationId xmlns:a16="http://schemas.microsoft.com/office/drawing/2014/main" id="{99F98B07-359E-7D45-BFB0-9CFB89F92F9B}"/>
+              </a:ext>
+            </a:extLst>
+          </p:cNvPr>
+          <p:cNvPicPr>
+            <a:picLocks noChangeAspect="1" noChangeArrowheads="1"/>
+          </p:cNvPicPr>
+          <p:nvPr/>
+        </p:nvPicPr>
+        <p:blipFill>
+          <a:blip r:embed="rId3">
+            <a:extLst>
+              <a:ext uri="{28A0092B-C50C-407E-A947-70E740481C1C}">
+                <a14:useLocalDpi xmlns:a14="http://schemas.microsoft.com/office/drawing/2010/main" val="0"/>
+              </a:ext>
+            </a:extLst>
+          </a:blip>
+          <a:srcRect/>
+          <a:stretch>
+            <a:fillRect/>
+          </a:stretch>
+        </p:blipFill>
+        <p:spPr bwMode="auto">
+          <a:xfrm>
+            <a:off x="3075040" y="3147245"/>
+            <a:ext cx="2603500" cy="3111500"/>
+          </a:xfrm>
+          <a:prstGeom prst="rect">
+            <a:avLst/>
+          </a:prstGeom>
+          <a:noFill/>
+          <a:extLst>
+            <a:ext uri="{909E8E84-426E-40DD-AFC4-6F175D3DCCD1}">
+              <a14:hiddenFill xmlns:a14="http://schemas.microsoft.com/office/drawing/2010/main">
+                <a:solidFill>
+                  <a:srgbClr val="FFFFFF"/>
+                </a:solidFill>
+              </a14:hiddenFill>
+            </a:ext>
+          </a:extLst>
+        </p:spPr>
+      </p:pic>
+      <p:sp>
+        <p:nvSpPr>
+          <p:cNvPr id="2" name="TextBox 1">
+            <a:extLst>
+              <a:ext uri="{FF2B5EF4-FFF2-40B4-BE49-F238E27FC236}">
+                <a16:creationId xmlns:a16="http://schemas.microsoft.com/office/drawing/2014/main" id="{4B3583E6-D110-6843-B37F-57EA800C4545}"/>
+              </a:ext>
+            </a:extLst>
+          </p:cNvPr>
+          <p:cNvSpPr txBox="1"/>
+          <p:nvPr/>
+        </p:nvSpPr>
+        <p:spPr>
+          <a:xfrm>
+            <a:off x="3535052" y="405353"/>
+            <a:ext cx="184731" cy="307777"/>
+          </a:xfrm>
+          <a:prstGeom prst="rect">
+            <a:avLst/>
+          </a:prstGeom>
+          <a:noFill/>
+        </p:spPr>
+        <p:txBody>
+          <a:bodyPr wrap="none" rtlCol="0">
+            <a:spAutoFit/>
+          </a:bodyPr>
+          <a:lstStyle/>
+          <a:p>
+            <a:endParaRPr lang="en-US"/>
+          </a:p>
+        </p:txBody>
+      </p:sp>
+    </p:spTree>
+    <p:extLst>
+      <p:ext uri="{BB962C8B-B14F-4D97-AF65-F5344CB8AC3E}">
+        <p14:creationId xmlns:p14="http://schemas.microsoft.com/office/powerpoint/2010/main" val="3120604218"/>
       </p:ext>
     </p:extLst>
   </p:cSld>

--- a/Module_4/presentations/module_4_presentation.pptx
+++ b/Module_4/presentations/module_4_presentation.pptx
@@ -5,7 +5,7 @@
     <p:sldMasterId id="2147483655" r:id="rId1"/>
   </p:sldMasterIdLst>
   <p:notesMasterIdLst>
-    <p:notesMasterId r:id="rId30"/>
+    <p:notesMasterId r:id="rId39"/>
   </p:notesMasterIdLst>
   <p:sldIdLst>
     <p:sldId id="256" r:id="rId2"/>
@@ -35,7 +35,16 @@
     <p:sldId id="507" r:id="rId26"/>
     <p:sldId id="508" r:id="rId27"/>
     <p:sldId id="509" r:id="rId28"/>
-    <p:sldId id="489" r:id="rId29"/>
+    <p:sldId id="514" r:id="rId29"/>
+    <p:sldId id="515" r:id="rId30"/>
+    <p:sldId id="516" r:id="rId31"/>
+    <p:sldId id="517" r:id="rId32"/>
+    <p:sldId id="518" r:id="rId33"/>
+    <p:sldId id="519" r:id="rId34"/>
+    <p:sldId id="520" r:id="rId35"/>
+    <p:sldId id="521" r:id="rId36"/>
+    <p:sldId id="522" r:id="rId37"/>
+    <p:sldId id="489" r:id="rId38"/>
   </p:sldIdLst>
   <p:sldSz cx="9144000" cy="6858000" type="screen4x3"/>
   <p:notesSz cx="6858000" cy="9144000"/>
@@ -1689,7 +1698,7 @@
             </a:pPr>
             <a:fld id="{00000000-1234-1234-1234-123412341234}" type="slidenum">
               <a:rPr lang="en-US"/>
-              <a:t>28</a:t>
+              <a:t>37</a:t>
             </a:fld>
             <a:endParaRPr lang="en-US"/>
           </a:p>
@@ -10057,7 +10066,7 @@
   <p:cSld>
     <p:spTree>
       <p:nvGrpSpPr>
-        <p:cNvPr id="1" name="Shape 113"/>
+        <p:cNvPr id="1" name=""/>
         <p:cNvGrpSpPr/>
         <p:nvPr/>
       </p:nvGrpSpPr>
@@ -10071,206 +10080,96 @@
       </p:grpSpPr>
       <p:sp>
         <p:nvSpPr>
-          <p:cNvPr id="114" name="Shape 114"/>
-          <p:cNvSpPr txBox="1">
+          <p:cNvPr id="2" name="Title 1">
+            <a:extLst>
+              <a:ext uri="{FF2B5EF4-FFF2-40B4-BE49-F238E27FC236}">
+                <a16:creationId xmlns:a16="http://schemas.microsoft.com/office/drawing/2014/main" id="{BA1DAB85-B6E5-E04B-9F04-E224BB95E047}"/>
+              </a:ext>
+            </a:extLst>
+          </p:cNvPr>
+          <p:cNvSpPr>
             <a:spLocks noGrp="1"/>
           </p:cNvSpPr>
           <p:nvPr>
             <p:ph type="title"/>
           </p:nvPr>
         </p:nvSpPr>
-        <p:spPr>
-          <a:xfrm>
-            <a:off x="76200" y="152400"/>
-            <a:ext cx="8991600" cy="671400"/>
-          </a:xfrm>
-          <a:prstGeom prst="rect">
-            <a:avLst/>
-          </a:prstGeom>
-        </p:spPr>
+        <p:spPr/>
         <p:txBody>
-          <a:bodyPr lIns="91425" tIns="91425" rIns="91425" bIns="91425" anchor="ctr" anchorCtr="0">
-            <a:noAutofit/>
-          </a:bodyPr>
+          <a:bodyPr/>
           <a:lstStyle/>
           <a:p>
-            <a:pPr lvl="0">
-              <a:spcBef>
-                <a:spcPts val="0"/>
-              </a:spcBef>
-              <a:buNone/>
-            </a:pPr>
-            <a:r>
-              <a:rPr lang="en-US" dirty="0"/>
-              <a:t>Moving on </a:t>
-            </a:r>
-            <a:r>
-              <a:rPr lang="en-US"/>
-              <a:t>to Module 4….</a:t>
-            </a:r>
-            <a:endParaRPr dirty="0"/>
+            <a:r>
+              <a:rPr lang="en-US" dirty="0"/>
+              <a:t>Introduction to Mutex</a:t>
+            </a:r>
           </a:p>
         </p:txBody>
       </p:sp>
       <p:sp>
         <p:nvSpPr>
-          <p:cNvPr id="115" name="Shape 115"/>
-          <p:cNvSpPr txBox="1">
+          <p:cNvPr id="3" name="Text Placeholder 2">
+            <a:extLst>
+              <a:ext uri="{FF2B5EF4-FFF2-40B4-BE49-F238E27FC236}">
+                <a16:creationId xmlns:a16="http://schemas.microsoft.com/office/drawing/2014/main" id="{22637A57-84E2-A448-B4CE-47A2DFC95CC6}"/>
+              </a:ext>
+            </a:extLst>
+          </p:cNvPr>
+          <p:cNvSpPr>
             <a:spLocks noGrp="1"/>
           </p:cNvSpPr>
           <p:nvPr>
             <p:ph type="body" idx="1"/>
           </p:nvPr>
         </p:nvSpPr>
-        <p:spPr>
-          <a:xfrm>
-            <a:off x="76200" y="1240810"/>
-            <a:ext cx="8991600" cy="4070929"/>
-          </a:xfrm>
-          <a:prstGeom prst="rect">
-            <a:avLst/>
-          </a:prstGeom>
-        </p:spPr>
+        <p:spPr/>
         <p:txBody>
-          <a:bodyPr lIns="91425" tIns="91425" rIns="91425" bIns="91425" anchor="t" anchorCtr="0">
-            <a:noAutofit/>
-          </a:bodyPr>
+          <a:bodyPr/>
           <a:lstStyle/>
           <a:p>
-            <a:pPr lvl="2">
-              <a:spcBef>
-                <a:spcPts val="0"/>
-              </a:spcBef>
-            </a:pPr>
-            <a:r>
-              <a:rPr lang="en-US" dirty="0">
-                <a:solidFill>
-                  <a:schemeClr val="tx1"/>
-                </a:solidFill>
-                <a:latin typeface="+mn-lt"/>
-              </a:rPr>
-              <a:t>AND WE’RE DONE!</a:t>
-            </a:r>
-          </a:p>
-          <a:p>
-            <a:pPr lvl="2">
-              <a:spcBef>
-                <a:spcPts val="0"/>
-              </a:spcBef>
-            </a:pPr>
-            <a:r>
-              <a:rPr lang="en-US" sz="3200" dirty="0">
-                <a:solidFill>
-                  <a:schemeClr val="tx1"/>
-                </a:solidFill>
-                <a:latin typeface="+mn-lt"/>
-              </a:rPr>
-              <a:t>ANY QUESTIONS?!?</a:t>
-            </a:r>
-          </a:p>
-          <a:p>
-            <a:pPr lvl="3">
-              <a:spcBef>
-                <a:spcPts val="0"/>
-              </a:spcBef>
-            </a:pPr>
-            <a:endParaRPr lang="en-US" dirty="0">
-              <a:solidFill>
-                <a:schemeClr val="tx1"/>
-              </a:solidFill>
-              <a:latin typeface="+mn-lt"/>
-            </a:endParaRPr>
-          </a:p>
-          <a:p>
-            <a:pPr lvl="2">
-              <a:spcBef>
-                <a:spcPts val="0"/>
-              </a:spcBef>
-            </a:pPr>
-            <a:endParaRPr lang="en-US" dirty="0">
-              <a:solidFill>
-                <a:schemeClr val="tx1"/>
-              </a:solidFill>
-            </a:endParaRPr>
-          </a:p>
-          <a:p>
-            <a:pPr marL="1485900" lvl="3" indent="0">
-              <a:spcBef>
-                <a:spcPts val="0"/>
-              </a:spcBef>
-              <a:buNone/>
-            </a:pPr>
-            <a:endParaRPr lang="en-US" dirty="0">
-              <a:solidFill>
-                <a:schemeClr val="tx1"/>
-              </a:solidFill>
-              <a:latin typeface="+mn-lt"/>
-            </a:endParaRPr>
-          </a:p>
-          <a:p>
-            <a:pPr marL="1485900" lvl="3" indent="0">
-              <a:spcBef>
-                <a:spcPts val="0"/>
-              </a:spcBef>
-              <a:buNone/>
-            </a:pPr>
-            <a:endParaRPr lang="en-US" dirty="0">
-              <a:solidFill>
-                <a:schemeClr val="tx1"/>
-              </a:solidFill>
-              <a:latin typeface="+mn-lt"/>
-            </a:endParaRPr>
-          </a:p>
-          <a:p>
-            <a:pPr marL="1485900" lvl="3" indent="0">
-              <a:spcBef>
-                <a:spcPts val="0"/>
-              </a:spcBef>
-              <a:buNone/>
-            </a:pPr>
-            <a:endParaRPr lang="en-US" dirty="0">
-              <a:solidFill>
-                <a:schemeClr val="tx1"/>
-              </a:solidFill>
-              <a:latin typeface="+mn-lt"/>
-            </a:endParaRPr>
-          </a:p>
-          <a:p>
-            <a:pPr marL="1485900" lvl="3" indent="0">
-              <a:spcBef>
-                <a:spcPts val="0"/>
-              </a:spcBef>
-              <a:buNone/>
-            </a:pPr>
-            <a:endParaRPr lang="en-US" dirty="0">
-              <a:solidFill>
-                <a:schemeClr val="tx1"/>
-              </a:solidFill>
-              <a:latin typeface="+mn-lt"/>
-            </a:endParaRPr>
-          </a:p>
-          <a:p>
-            <a:pPr marL="1485900" lvl="3" indent="0">
-              <a:spcBef>
-                <a:spcPts val="0"/>
-              </a:spcBef>
-              <a:buNone/>
-            </a:pPr>
-            <a:endParaRPr lang="en-US" dirty="0">
-              <a:solidFill>
-                <a:schemeClr val="tx1"/>
-              </a:solidFill>
-              <a:latin typeface="+mn-lt"/>
-            </a:endParaRPr>
+            <a:r>
+              <a:rPr lang="en-US" dirty="0"/>
+              <a:t> So- to understand mutex we first must understand the concept of </a:t>
+            </a:r>
+            <a:r>
+              <a:rPr lang="en-US" b="1" dirty="0"/>
+              <a:t>critical section</a:t>
+            </a:r>
+            <a:r>
+              <a:rPr lang="en-US" dirty="0"/>
+              <a:t> regarding concurrent programming.</a:t>
+            </a:r>
+          </a:p>
+          <a:p>
+            <a:r>
+              <a:rPr lang="en-US" dirty="0"/>
+              <a:t> Let’s say you have a database that you want to do concurrent writes to. Call it </a:t>
+            </a:r>
+            <a:r>
+              <a:rPr lang="en-US" b="1" dirty="0" err="1"/>
+              <a:t>Thanos</a:t>
+            </a:r>
+            <a:r>
+              <a:rPr lang="en-US" dirty="0"/>
+              <a:t>. He’s defined as an INT- which represents the number of infinity stones which you currently </a:t>
+            </a:r>
+            <a:r>
+              <a:rPr lang="en-US" dirty="0" err="1"/>
+              <a:t>posess</a:t>
+            </a:r>
+            <a:r>
+              <a:rPr lang="en-US" dirty="0"/>
+              <a:t>.</a:t>
+            </a:r>
           </a:p>
         </p:txBody>
       </p:sp>
       <p:pic>
         <p:nvPicPr>
-          <p:cNvPr id="14338" name="Picture 2" descr="Image result for golang gopher, images">
+          <p:cNvPr id="15362" name="Picture 2" descr="Image result for gopher, infinity stones">
             <a:extLst>
               <a:ext uri="{FF2B5EF4-FFF2-40B4-BE49-F238E27FC236}">
-                <a16:creationId xmlns:a16="http://schemas.microsoft.com/office/drawing/2014/main" id="{99F98B07-359E-7D45-BFB0-9CFB89F92F9B}"/>
+                <a16:creationId xmlns:a16="http://schemas.microsoft.com/office/drawing/2014/main" id="{707523F6-71ED-7048-8EB7-600177C685DE}"/>
               </a:ext>
             </a:extLst>
           </p:cNvPr>
@@ -10280,7 +10179,7 @@
           <p:nvPr/>
         </p:nvPicPr>
         <p:blipFill>
-          <a:blip r:embed="rId3">
+          <a:blip r:embed="rId2">
             <a:extLst>
               <a:ext uri="{28A0092B-C50C-407E-A947-70E740481C1C}">
                 <a14:useLocalDpi xmlns:a14="http://schemas.microsoft.com/office/drawing/2010/main" val="0"/>
@@ -10294,8 +10193,8 @@
         </p:blipFill>
         <p:spPr bwMode="auto">
           <a:xfrm>
-            <a:off x="3075040" y="3147245"/>
-            <a:ext cx="2603500" cy="3111500"/>
+            <a:off x="3318046" y="4609706"/>
+            <a:ext cx="1767321" cy="1935637"/>
           </a:xfrm>
           <a:prstGeom prst="rect">
             <a:avLst/>
@@ -10312,42 +10211,191 @@
           </a:extLst>
         </p:spPr>
       </p:pic>
+    </p:spTree>
+    <p:extLst>
+      <p:ext uri="{BB962C8B-B14F-4D97-AF65-F5344CB8AC3E}">
+        <p14:creationId xmlns:p14="http://schemas.microsoft.com/office/powerpoint/2010/main" val="1981404245"/>
+      </p:ext>
+    </p:extLst>
+  </p:cSld>
+  <p:clrMapOvr>
+    <a:masterClrMapping/>
+  </p:clrMapOvr>
+</p:sld>
+</file>
+
+<file path=ppt/slides/slide29.xml><?xml version="1.0" encoding="utf-8"?>
+<p:sld xmlns:a="http://schemas.openxmlformats.org/drawingml/2006/main" xmlns:r="http://schemas.openxmlformats.org/officeDocument/2006/relationships" xmlns:p="http://schemas.openxmlformats.org/presentationml/2006/main">
+  <p:cSld>
+    <p:spTree>
+      <p:nvGrpSpPr>
+        <p:cNvPr id="1" name=""/>
+        <p:cNvGrpSpPr/>
+        <p:nvPr/>
+      </p:nvGrpSpPr>
+      <p:grpSpPr>
+        <a:xfrm>
+          <a:off x="0" y="0"/>
+          <a:ext cx="0" cy="0"/>
+          <a:chOff x="0" y="0"/>
+          <a:chExt cx="0" cy="0"/>
+        </a:xfrm>
+      </p:grpSpPr>
       <p:sp>
         <p:nvSpPr>
-          <p:cNvPr id="2" name="TextBox 1">
+          <p:cNvPr id="2" name="Title 1">
             <a:extLst>
               <a:ext uri="{FF2B5EF4-FFF2-40B4-BE49-F238E27FC236}">
-                <a16:creationId xmlns:a16="http://schemas.microsoft.com/office/drawing/2014/main" id="{4B3583E6-D110-6843-B37F-57EA800C4545}"/>
+                <a16:creationId xmlns:a16="http://schemas.microsoft.com/office/drawing/2014/main" id="{22B0E9A8-B12A-7A4B-8E6D-B78F5606ED1E}"/>
               </a:ext>
             </a:extLst>
           </p:cNvPr>
-          <p:cNvSpPr txBox="1"/>
+          <p:cNvSpPr>
+            <a:spLocks noGrp="1"/>
+          </p:cNvSpPr>
+          <p:nvPr>
+            <p:ph type="title"/>
+          </p:nvPr>
+        </p:nvSpPr>
+        <p:spPr/>
+        <p:txBody>
+          <a:bodyPr/>
+          <a:lstStyle/>
+          <a:p>
+            <a:r>
+              <a:rPr lang="en-US" dirty="0"/>
+              <a:t>Continuing with our </a:t>
+            </a:r>
+            <a:r>
+              <a:rPr lang="en-US" dirty="0" err="1"/>
+              <a:t>Thanos</a:t>
+            </a:r>
+            <a:r>
+              <a:rPr lang="en-US" dirty="0"/>
+              <a:t> example</a:t>
+            </a:r>
+          </a:p>
+        </p:txBody>
+      </p:sp>
+      <p:sp>
+        <p:nvSpPr>
+          <p:cNvPr id="3" name="Text Placeholder 2">
+            <a:extLst>
+              <a:ext uri="{FF2B5EF4-FFF2-40B4-BE49-F238E27FC236}">
+                <a16:creationId xmlns:a16="http://schemas.microsoft.com/office/drawing/2014/main" id="{3995236C-98FC-AB43-8000-1E4DCAB035E9}"/>
+              </a:ext>
+            </a:extLst>
+          </p:cNvPr>
+          <p:cNvSpPr>
+            <a:spLocks noGrp="1"/>
+          </p:cNvSpPr>
+          <p:nvPr>
+            <p:ph type="body" idx="1"/>
+          </p:nvPr>
+        </p:nvSpPr>
+        <p:spPr/>
+        <p:txBody>
+          <a:bodyPr/>
+          <a:lstStyle/>
+          <a:p>
+            <a:r>
+              <a:rPr lang="en-US" dirty="0"/>
+              <a:t> So with each new infinity stone gained we want to </a:t>
+            </a:r>
+            <a:r>
+              <a:rPr lang="en-US" b="1" dirty="0"/>
+              <a:t>increment</a:t>
+            </a:r>
+            <a:r>
+              <a:rPr lang="en-US" dirty="0"/>
+              <a:t> our </a:t>
+            </a:r>
+            <a:r>
+              <a:rPr lang="en-US" dirty="0" err="1"/>
+              <a:t>Thanos</a:t>
+            </a:r>
+            <a:r>
+              <a:rPr lang="en-US" dirty="0"/>
+              <a:t> with a +1. </a:t>
+            </a:r>
+            <a:r>
+              <a:rPr lang="en-US" b="1" i="1" dirty="0"/>
+              <a:t>But you must get them in a certain order!!</a:t>
+            </a:r>
+            <a:r>
+              <a:rPr lang="en-US" dirty="0"/>
+              <a:t> So you send out two teams of bad guys to get you two infinity stones </a:t>
+            </a:r>
+            <a:r>
+              <a:rPr lang="en-US" b="1" dirty="0"/>
+              <a:t>concurrently</a:t>
+            </a:r>
+            <a:endParaRPr lang="en-US" dirty="0"/>
+          </a:p>
+          <a:p>
+            <a:r>
+              <a:rPr lang="en-US" dirty="0"/>
+              <a:t>These bad guys both get infinity stones BUT- </a:t>
+            </a:r>
+            <a:r>
+              <a:rPr lang="en-US" i="1" dirty="0"/>
+              <a:t>who gets back to you first? What if they get back to you at the same time? How do you control this??</a:t>
+            </a:r>
+            <a:endParaRPr lang="en-US" dirty="0"/>
+          </a:p>
+        </p:txBody>
+      </p:sp>
+      <p:pic>
+        <p:nvPicPr>
+          <p:cNvPr id="16386" name="Picture 2" descr="Image result for golang gopher, infinity stones">
+            <a:extLst>
+              <a:ext uri="{FF2B5EF4-FFF2-40B4-BE49-F238E27FC236}">
+                <a16:creationId xmlns:a16="http://schemas.microsoft.com/office/drawing/2014/main" id="{C01FF0EC-172F-9C4D-9F59-32D270D73D1B}"/>
+              </a:ext>
+            </a:extLst>
+          </p:cNvPr>
+          <p:cNvPicPr>
+            <a:picLocks noChangeAspect="1" noChangeArrowheads="1"/>
+          </p:cNvPicPr>
           <p:nvPr/>
-        </p:nvSpPr>
-        <p:spPr>
+        </p:nvPicPr>
+        <p:blipFill>
+          <a:blip r:embed="rId2">
+            <a:extLst>
+              <a:ext uri="{28A0092B-C50C-407E-A947-70E740481C1C}">
+                <a14:useLocalDpi xmlns:a14="http://schemas.microsoft.com/office/drawing/2010/main" val="0"/>
+              </a:ext>
+            </a:extLst>
+          </a:blip>
+          <a:srcRect/>
+          <a:stretch>
+            <a:fillRect/>
+          </a:stretch>
+        </p:blipFill>
+        <p:spPr bwMode="auto">
           <a:xfrm>
-            <a:off x="3535052" y="405353"/>
-            <a:ext cx="184731" cy="307777"/>
+            <a:off x="6702458" y="5022131"/>
+            <a:ext cx="1551297" cy="1551297"/>
           </a:xfrm>
           <a:prstGeom prst="rect">
             <a:avLst/>
           </a:prstGeom>
           <a:noFill/>
+          <a:extLst>
+            <a:ext uri="{909E8E84-426E-40DD-AFC4-6F175D3DCCD1}">
+              <a14:hiddenFill xmlns:a14="http://schemas.microsoft.com/office/drawing/2010/main">
+                <a:solidFill>
+                  <a:srgbClr val="FFFFFF"/>
+                </a:solidFill>
+              </a14:hiddenFill>
+            </a:ext>
+          </a:extLst>
         </p:spPr>
-        <p:txBody>
-          <a:bodyPr wrap="none" rtlCol="0">
-            <a:spAutoFit/>
-          </a:bodyPr>
-          <a:lstStyle/>
-          <a:p>
-            <a:endParaRPr lang="en-US"/>
-          </a:p>
-        </p:txBody>
-      </p:sp>
+      </p:pic>
     </p:spTree>
     <p:extLst>
       <p:ext uri="{BB962C8B-B14F-4D97-AF65-F5344CB8AC3E}">
-        <p14:creationId xmlns:p14="http://schemas.microsoft.com/office/powerpoint/2010/main" val="3120604218"/>
+        <p14:creationId xmlns:p14="http://schemas.microsoft.com/office/powerpoint/2010/main" val="2241296456"/>
       </p:ext>
     </p:extLst>
   </p:cSld>
@@ -10673,6 +10721,1481 @@
     <p:extLst>
       <p:ext uri="{BB962C8B-B14F-4D97-AF65-F5344CB8AC3E}">
         <p14:creationId xmlns:p14="http://schemas.microsoft.com/office/powerpoint/2010/main" val="1269160419"/>
+      </p:ext>
+    </p:extLst>
+  </p:cSld>
+  <p:clrMapOvr>
+    <a:masterClrMapping/>
+  </p:clrMapOvr>
+</p:sld>
+</file>
+
+<file path=ppt/slides/slide30.xml><?xml version="1.0" encoding="utf-8"?>
+<p:sld xmlns:a="http://schemas.openxmlformats.org/drawingml/2006/main" xmlns:r="http://schemas.openxmlformats.org/officeDocument/2006/relationships" xmlns:p="http://schemas.openxmlformats.org/presentationml/2006/main">
+  <p:cSld>
+    <p:spTree>
+      <p:nvGrpSpPr>
+        <p:cNvPr id="1" name=""/>
+        <p:cNvGrpSpPr/>
+        <p:nvPr/>
+      </p:nvGrpSpPr>
+      <p:grpSpPr>
+        <a:xfrm>
+          <a:off x="0" y="0"/>
+          <a:ext cx="0" cy="0"/>
+          <a:chOff x="0" y="0"/>
+          <a:chExt cx="0" cy="0"/>
+        </a:xfrm>
+      </p:grpSpPr>
+      <p:sp>
+        <p:nvSpPr>
+          <p:cNvPr id="2" name="Title 1">
+            <a:extLst>
+              <a:ext uri="{FF2B5EF4-FFF2-40B4-BE49-F238E27FC236}">
+                <a16:creationId xmlns:a16="http://schemas.microsoft.com/office/drawing/2014/main" id="{13F5AB68-AF0B-EF41-BE08-5F1AE71FA66D}"/>
+              </a:ext>
+            </a:extLst>
+          </p:cNvPr>
+          <p:cNvSpPr>
+            <a:spLocks noGrp="1"/>
+          </p:cNvSpPr>
+          <p:nvPr>
+            <p:ph type="title"/>
+          </p:nvPr>
+        </p:nvSpPr>
+        <p:spPr/>
+        <p:txBody>
+          <a:bodyPr/>
+          <a:lstStyle/>
+          <a:p>
+            <a:r>
+              <a:rPr lang="en-US" dirty="0"/>
+              <a:t>Either one of these could happen</a:t>
+            </a:r>
+          </a:p>
+        </p:txBody>
+      </p:sp>
+      <p:pic>
+        <p:nvPicPr>
+          <p:cNvPr id="17410" name="Picture 2" descr="critical-section">
+            <a:extLst>
+              <a:ext uri="{FF2B5EF4-FFF2-40B4-BE49-F238E27FC236}">
+                <a16:creationId xmlns:a16="http://schemas.microsoft.com/office/drawing/2014/main" id="{3C2E272E-56F6-5E45-9C97-C021A028D3E5}"/>
+              </a:ext>
+            </a:extLst>
+          </p:cNvPr>
+          <p:cNvPicPr>
+            <a:picLocks noChangeAspect="1" noChangeArrowheads="1"/>
+          </p:cNvPicPr>
+          <p:nvPr/>
+        </p:nvPicPr>
+        <p:blipFill>
+          <a:blip r:embed="rId2">
+            <a:extLst>
+              <a:ext uri="{28A0092B-C50C-407E-A947-70E740481C1C}">
+                <a14:useLocalDpi xmlns:a14="http://schemas.microsoft.com/office/drawing/2010/main" val="0"/>
+              </a:ext>
+            </a:extLst>
+          </a:blip>
+          <a:srcRect/>
+          <a:stretch>
+            <a:fillRect/>
+          </a:stretch>
+        </p:blipFill>
+        <p:spPr bwMode="auto">
+          <a:xfrm>
+            <a:off x="271244" y="1451727"/>
+            <a:ext cx="3527758" cy="5112351"/>
+          </a:xfrm>
+          <a:prstGeom prst="rect">
+            <a:avLst/>
+          </a:prstGeom>
+          <a:noFill/>
+          <a:extLst>
+            <a:ext uri="{909E8E84-426E-40DD-AFC4-6F175D3DCCD1}">
+              <a14:hiddenFill xmlns:a14="http://schemas.microsoft.com/office/drawing/2010/main">
+                <a:solidFill>
+                  <a:srgbClr val="FFFFFF"/>
+                </a:solidFill>
+              </a14:hiddenFill>
+            </a:ext>
+          </a:extLst>
+        </p:spPr>
+      </p:pic>
+      <p:pic>
+        <p:nvPicPr>
+          <p:cNvPr id="17412" name="Picture 4" descr="critical-section">
+            <a:extLst>
+              <a:ext uri="{FF2B5EF4-FFF2-40B4-BE49-F238E27FC236}">
+                <a16:creationId xmlns:a16="http://schemas.microsoft.com/office/drawing/2014/main" id="{1B2FED98-4F51-B743-B60A-8E759433E4EE}"/>
+              </a:ext>
+            </a:extLst>
+          </p:cNvPr>
+          <p:cNvPicPr>
+            <a:picLocks noChangeAspect="1" noChangeArrowheads="1"/>
+          </p:cNvPicPr>
+          <p:nvPr/>
+        </p:nvPicPr>
+        <p:blipFill>
+          <a:blip r:embed="rId3">
+            <a:extLst>
+              <a:ext uri="{28A0092B-C50C-407E-A947-70E740481C1C}">
+                <a14:useLocalDpi xmlns:a14="http://schemas.microsoft.com/office/drawing/2010/main" val="0"/>
+              </a:ext>
+            </a:extLst>
+          </a:blip>
+          <a:srcRect/>
+          <a:stretch>
+            <a:fillRect/>
+          </a:stretch>
+        </p:blipFill>
+        <p:spPr bwMode="auto">
+          <a:xfrm>
+            <a:off x="4644801" y="1752094"/>
+            <a:ext cx="3782762" cy="4953506"/>
+          </a:xfrm>
+          <a:prstGeom prst="rect">
+            <a:avLst/>
+          </a:prstGeom>
+          <a:noFill/>
+          <a:extLst>
+            <a:ext uri="{909E8E84-426E-40DD-AFC4-6F175D3DCCD1}">
+              <a14:hiddenFill xmlns:a14="http://schemas.microsoft.com/office/drawing/2010/main">
+                <a:solidFill>
+                  <a:srgbClr val="FFFFFF"/>
+                </a:solidFill>
+              </a14:hiddenFill>
+            </a:ext>
+          </a:extLst>
+        </p:spPr>
+      </p:pic>
+    </p:spTree>
+    <p:extLst>
+      <p:ext uri="{BB962C8B-B14F-4D97-AF65-F5344CB8AC3E}">
+        <p14:creationId xmlns:p14="http://schemas.microsoft.com/office/powerpoint/2010/main" val="1320682167"/>
+      </p:ext>
+    </p:extLst>
+  </p:cSld>
+  <p:clrMapOvr>
+    <a:masterClrMapping/>
+  </p:clrMapOvr>
+</p:sld>
+</file>
+
+<file path=ppt/slides/slide31.xml><?xml version="1.0" encoding="utf-8"?>
+<p:sld xmlns:a="http://schemas.openxmlformats.org/drawingml/2006/main" xmlns:r="http://schemas.openxmlformats.org/officeDocument/2006/relationships" xmlns:p="http://schemas.openxmlformats.org/presentationml/2006/main">
+  <p:cSld>
+    <p:spTree>
+      <p:nvGrpSpPr>
+        <p:cNvPr id="1" name=""/>
+        <p:cNvGrpSpPr/>
+        <p:nvPr/>
+      </p:nvGrpSpPr>
+      <p:grpSpPr>
+        <a:xfrm>
+          <a:off x="0" y="0"/>
+          <a:ext cx="0" cy="0"/>
+          <a:chOff x="0" y="0"/>
+          <a:chExt cx="0" cy="0"/>
+        </a:xfrm>
+      </p:grpSpPr>
+      <p:sp>
+        <p:nvSpPr>
+          <p:cNvPr id="2" name="Title 1">
+            <a:extLst>
+              <a:ext uri="{FF2B5EF4-FFF2-40B4-BE49-F238E27FC236}">
+                <a16:creationId xmlns:a16="http://schemas.microsoft.com/office/drawing/2014/main" id="{C9E30F2E-6759-E94B-B9C4-70967221B9C3}"/>
+              </a:ext>
+            </a:extLst>
+          </p:cNvPr>
+          <p:cNvSpPr>
+            <a:spLocks noGrp="1"/>
+          </p:cNvSpPr>
+          <p:nvPr>
+            <p:ph type="title"/>
+          </p:nvPr>
+        </p:nvSpPr>
+        <p:spPr/>
+        <p:txBody>
+          <a:bodyPr/>
+          <a:lstStyle/>
+          <a:p>
+            <a:r>
+              <a:rPr lang="en-US" dirty="0"/>
+              <a:t>Race conditions</a:t>
+            </a:r>
+          </a:p>
+        </p:txBody>
+      </p:sp>
+      <p:sp>
+        <p:nvSpPr>
+          <p:cNvPr id="3" name="Text Placeholder 2">
+            <a:extLst>
+              <a:ext uri="{FF2B5EF4-FFF2-40B4-BE49-F238E27FC236}">
+                <a16:creationId xmlns:a16="http://schemas.microsoft.com/office/drawing/2014/main" id="{51385E28-CC73-8C48-88FB-B821D3690CC5}"/>
+              </a:ext>
+            </a:extLst>
+          </p:cNvPr>
+          <p:cNvSpPr>
+            <a:spLocks noGrp="1"/>
+          </p:cNvSpPr>
+          <p:nvPr>
+            <p:ph type="body" idx="1"/>
+          </p:nvPr>
+        </p:nvSpPr>
+        <p:spPr/>
+        <p:txBody>
+          <a:bodyPr/>
+          <a:lstStyle/>
+          <a:p>
+            <a:r>
+              <a:rPr lang="en-US" dirty="0"/>
+              <a:t> So obviously- one of the dangers of handing concurrent processes over to the go runtime compiler is you lose control over which happens first. </a:t>
+            </a:r>
+          </a:p>
+          <a:p>
+            <a:r>
+              <a:rPr lang="en-US" dirty="0"/>
+              <a:t>In the practical world this can happen with, for example, updates to a database where you are using multiple workers– what if you UPDATE a row with information out of order? </a:t>
+            </a:r>
+          </a:p>
+          <a:p>
+            <a:endParaRPr lang="en-US" dirty="0"/>
+          </a:p>
+        </p:txBody>
+      </p:sp>
+      <p:pic>
+        <p:nvPicPr>
+          <p:cNvPr id="18434" name="Picture 2" descr="Image result for British golang gopher">
+            <a:extLst>
+              <a:ext uri="{FF2B5EF4-FFF2-40B4-BE49-F238E27FC236}">
+                <a16:creationId xmlns:a16="http://schemas.microsoft.com/office/drawing/2014/main" id="{270F47BB-40CF-0943-A03A-66CBDA42AD57}"/>
+              </a:ext>
+            </a:extLst>
+          </p:cNvPr>
+          <p:cNvPicPr>
+            <a:picLocks noChangeAspect="1" noChangeArrowheads="1"/>
+          </p:cNvPicPr>
+          <p:nvPr/>
+        </p:nvPicPr>
+        <p:blipFill>
+          <a:blip r:embed="rId2">
+            <a:extLst>
+              <a:ext uri="{28A0092B-C50C-407E-A947-70E740481C1C}">
+                <a14:useLocalDpi xmlns:a14="http://schemas.microsoft.com/office/drawing/2010/main" val="0"/>
+              </a:ext>
+            </a:extLst>
+          </a:blip>
+          <a:srcRect/>
+          <a:stretch>
+            <a:fillRect/>
+          </a:stretch>
+        </p:blipFill>
+        <p:spPr bwMode="auto">
+          <a:xfrm>
+            <a:off x="5222448" y="4249131"/>
+            <a:ext cx="2335229" cy="2335229"/>
+          </a:xfrm>
+          <a:prstGeom prst="rect">
+            <a:avLst/>
+          </a:prstGeom>
+          <a:noFill/>
+          <a:extLst>
+            <a:ext uri="{909E8E84-426E-40DD-AFC4-6F175D3DCCD1}">
+              <a14:hiddenFill xmlns:a14="http://schemas.microsoft.com/office/drawing/2010/main">
+                <a:solidFill>
+                  <a:srgbClr val="FFFFFF"/>
+                </a:solidFill>
+              </a14:hiddenFill>
+            </a:ext>
+          </a:extLst>
+        </p:spPr>
+      </p:pic>
+    </p:spTree>
+    <p:extLst>
+      <p:ext uri="{BB962C8B-B14F-4D97-AF65-F5344CB8AC3E}">
+        <p14:creationId xmlns:p14="http://schemas.microsoft.com/office/powerpoint/2010/main" val="1606318854"/>
+      </p:ext>
+    </p:extLst>
+  </p:cSld>
+  <p:clrMapOvr>
+    <a:masterClrMapping/>
+  </p:clrMapOvr>
+</p:sld>
+</file>
+
+<file path=ppt/slides/slide32.xml><?xml version="1.0" encoding="utf-8"?>
+<p:sld xmlns:a="http://schemas.openxmlformats.org/drawingml/2006/main" xmlns:r="http://schemas.openxmlformats.org/officeDocument/2006/relationships" xmlns:p="http://schemas.openxmlformats.org/presentationml/2006/main">
+  <p:cSld>
+    <p:spTree>
+      <p:nvGrpSpPr>
+        <p:cNvPr id="1" name=""/>
+        <p:cNvGrpSpPr/>
+        <p:nvPr/>
+      </p:nvGrpSpPr>
+      <p:grpSpPr>
+        <a:xfrm>
+          <a:off x="0" y="0"/>
+          <a:ext cx="0" cy="0"/>
+          <a:chOff x="0" y="0"/>
+          <a:chExt cx="0" cy="0"/>
+        </a:xfrm>
+      </p:grpSpPr>
+      <p:sp>
+        <p:nvSpPr>
+          <p:cNvPr id="2" name="Title 1">
+            <a:extLst>
+              <a:ext uri="{FF2B5EF4-FFF2-40B4-BE49-F238E27FC236}">
+                <a16:creationId xmlns:a16="http://schemas.microsoft.com/office/drawing/2014/main" id="{56AC50F8-AE9D-4741-B894-DAF4775791BE}"/>
+              </a:ext>
+            </a:extLst>
+          </p:cNvPr>
+          <p:cNvSpPr>
+            <a:spLocks noGrp="1"/>
+          </p:cNvSpPr>
+          <p:nvPr>
+            <p:ph type="title"/>
+          </p:nvPr>
+        </p:nvSpPr>
+        <p:spPr/>
+        <p:txBody>
+          <a:bodyPr/>
+          <a:lstStyle/>
+          <a:p>
+            <a:r>
+              <a:rPr lang="en-US" dirty="0"/>
+              <a:t>Mutex</a:t>
+            </a:r>
+          </a:p>
+        </p:txBody>
+      </p:sp>
+      <p:sp>
+        <p:nvSpPr>
+          <p:cNvPr id="3" name="Text Placeholder 2">
+            <a:extLst>
+              <a:ext uri="{FF2B5EF4-FFF2-40B4-BE49-F238E27FC236}">
+                <a16:creationId xmlns:a16="http://schemas.microsoft.com/office/drawing/2014/main" id="{153FDD11-4672-0A46-9273-DC3E23F30BEF}"/>
+              </a:ext>
+            </a:extLst>
+          </p:cNvPr>
+          <p:cNvSpPr>
+            <a:spLocks noGrp="1"/>
+          </p:cNvSpPr>
+          <p:nvPr>
+            <p:ph type="body" idx="1"/>
+          </p:nvPr>
+        </p:nvSpPr>
+        <p:spPr/>
+        <p:txBody>
+          <a:bodyPr/>
+          <a:lstStyle/>
+          <a:p>
+            <a:r>
+              <a:rPr lang="en-US" dirty="0"/>
+              <a:t> So a </a:t>
+            </a:r>
+            <a:r>
+              <a:rPr lang="en-US" b="1" dirty="0"/>
+              <a:t>Mutex</a:t>
+            </a:r>
+            <a:r>
+              <a:rPr lang="en-US" dirty="0"/>
+              <a:t> provides a locking mechanism that </a:t>
+            </a:r>
+            <a:r>
+              <a:rPr lang="en-US" b="1" dirty="0"/>
+              <a:t>ensures</a:t>
+            </a:r>
+            <a:r>
+              <a:rPr lang="en-US" dirty="0"/>
+              <a:t> that only </a:t>
+            </a:r>
+            <a:r>
+              <a:rPr lang="en-US" b="1" dirty="0"/>
+              <a:t>one</a:t>
+            </a:r>
+            <a:r>
+              <a:rPr lang="en-US" dirty="0"/>
+              <a:t> </a:t>
+            </a:r>
+            <a:r>
+              <a:rPr lang="en-US" dirty="0" err="1"/>
+              <a:t>goRoutine</a:t>
+            </a:r>
+            <a:r>
+              <a:rPr lang="en-US" dirty="0"/>
+              <a:t> is running a critical section of code at any single point in time. </a:t>
+            </a:r>
+          </a:p>
+          <a:p>
+            <a:r>
+              <a:rPr lang="en-US" dirty="0"/>
+              <a:t>This prevents race conditions from occurring when two separate </a:t>
+            </a:r>
+            <a:r>
+              <a:rPr lang="en-US" dirty="0" err="1"/>
+              <a:t>goRoutines</a:t>
+            </a:r>
+            <a:r>
+              <a:rPr lang="en-US" dirty="0"/>
+              <a:t> are attempting to work on one critical piece of your application (read </a:t>
+            </a:r>
+            <a:r>
+              <a:rPr lang="en-US" b="1" dirty="0"/>
+              <a:t>database</a:t>
+            </a:r>
+            <a:r>
+              <a:rPr lang="en-US" dirty="0"/>
+              <a:t>- since nine times out of ten that is the case)</a:t>
+            </a:r>
+          </a:p>
+        </p:txBody>
+      </p:sp>
+      <p:pic>
+        <p:nvPicPr>
+          <p:cNvPr id="19458" name="Picture 2" descr="Image result for British golang gopher">
+            <a:extLst>
+              <a:ext uri="{FF2B5EF4-FFF2-40B4-BE49-F238E27FC236}">
+                <a16:creationId xmlns:a16="http://schemas.microsoft.com/office/drawing/2014/main" id="{F98BF7DB-B078-814D-974A-DE2F0C4DAE7D}"/>
+              </a:ext>
+            </a:extLst>
+          </p:cNvPr>
+          <p:cNvPicPr>
+            <a:picLocks noChangeAspect="1" noChangeArrowheads="1"/>
+          </p:cNvPicPr>
+          <p:nvPr/>
+        </p:nvPicPr>
+        <p:blipFill>
+          <a:blip r:embed="rId2">
+            <a:extLst>
+              <a:ext uri="{28A0092B-C50C-407E-A947-70E740481C1C}">
+                <a14:useLocalDpi xmlns:a14="http://schemas.microsoft.com/office/drawing/2010/main" val="0"/>
+              </a:ext>
+            </a:extLst>
+          </a:blip>
+          <a:srcRect/>
+          <a:stretch>
+            <a:fillRect/>
+          </a:stretch>
+        </p:blipFill>
+        <p:spPr bwMode="auto">
+          <a:xfrm>
+            <a:off x="3516196" y="4687183"/>
+            <a:ext cx="1881237" cy="1881237"/>
+          </a:xfrm>
+          <a:prstGeom prst="rect">
+            <a:avLst/>
+          </a:prstGeom>
+          <a:noFill/>
+          <a:extLst>
+            <a:ext uri="{909E8E84-426E-40DD-AFC4-6F175D3DCCD1}">
+              <a14:hiddenFill xmlns:a14="http://schemas.microsoft.com/office/drawing/2010/main">
+                <a:solidFill>
+                  <a:srgbClr val="FFFFFF"/>
+                </a:solidFill>
+              </a14:hiddenFill>
+            </a:ext>
+          </a:extLst>
+        </p:spPr>
+      </p:pic>
+    </p:spTree>
+    <p:extLst>
+      <p:ext uri="{BB962C8B-B14F-4D97-AF65-F5344CB8AC3E}">
+        <p14:creationId xmlns:p14="http://schemas.microsoft.com/office/powerpoint/2010/main" val="357445480"/>
+      </p:ext>
+    </p:extLst>
+  </p:cSld>
+  <p:clrMapOvr>
+    <a:masterClrMapping/>
+  </p:clrMapOvr>
+</p:sld>
+</file>
+
+<file path=ppt/slides/slide33.xml><?xml version="1.0" encoding="utf-8"?>
+<p:sld xmlns:a="http://schemas.openxmlformats.org/drawingml/2006/main" xmlns:r="http://schemas.openxmlformats.org/officeDocument/2006/relationships" xmlns:p="http://schemas.openxmlformats.org/presentationml/2006/main">
+  <p:cSld>
+    <p:spTree>
+      <p:nvGrpSpPr>
+        <p:cNvPr id="1" name=""/>
+        <p:cNvGrpSpPr/>
+        <p:nvPr/>
+      </p:nvGrpSpPr>
+      <p:grpSpPr>
+        <a:xfrm>
+          <a:off x="0" y="0"/>
+          <a:ext cx="0" cy="0"/>
+          <a:chOff x="0" y="0"/>
+          <a:chExt cx="0" cy="0"/>
+        </a:xfrm>
+      </p:grpSpPr>
+      <p:sp>
+        <p:nvSpPr>
+          <p:cNvPr id="2" name="Title 1">
+            <a:extLst>
+              <a:ext uri="{FF2B5EF4-FFF2-40B4-BE49-F238E27FC236}">
+                <a16:creationId xmlns:a16="http://schemas.microsoft.com/office/drawing/2014/main" id="{5AD07F4E-9A0F-C248-9B09-C607CA6D7EF7}"/>
+              </a:ext>
+            </a:extLst>
+          </p:cNvPr>
+          <p:cNvSpPr>
+            <a:spLocks noGrp="1"/>
+          </p:cNvSpPr>
+          <p:nvPr>
+            <p:ph type="title"/>
+          </p:nvPr>
+        </p:nvSpPr>
+        <p:spPr/>
+        <p:txBody>
+          <a:bodyPr/>
+          <a:lstStyle/>
+          <a:p>
+            <a:r>
+              <a:rPr lang="en-US" dirty="0"/>
+              <a:t>Mutex Methods</a:t>
+            </a:r>
+          </a:p>
+        </p:txBody>
+      </p:sp>
+      <p:sp>
+        <p:nvSpPr>
+          <p:cNvPr id="3" name="Text Placeholder 2">
+            <a:extLst>
+              <a:ext uri="{FF2B5EF4-FFF2-40B4-BE49-F238E27FC236}">
+                <a16:creationId xmlns:a16="http://schemas.microsoft.com/office/drawing/2014/main" id="{09750CD6-5021-134C-BB1D-F2E542DD9709}"/>
+              </a:ext>
+            </a:extLst>
+          </p:cNvPr>
+          <p:cNvSpPr>
+            <a:spLocks noGrp="1"/>
+          </p:cNvSpPr>
+          <p:nvPr>
+            <p:ph type="body" idx="1"/>
+          </p:nvPr>
+        </p:nvSpPr>
+        <p:spPr/>
+        <p:txBody>
+          <a:bodyPr/>
+          <a:lstStyle/>
+          <a:p>
+            <a:r>
+              <a:rPr lang="en-US" dirty="0"/>
+              <a:t> </a:t>
+            </a:r>
+            <a:r>
+              <a:rPr lang="en-US" b="1" dirty="0"/>
+              <a:t>Mutex</a:t>
+            </a:r>
+            <a:r>
+              <a:rPr lang="en-US" dirty="0"/>
+              <a:t> comes as part of the </a:t>
+            </a:r>
+            <a:r>
+              <a:rPr lang="en-US" b="1" dirty="0"/>
+              <a:t>sync</a:t>
+            </a:r>
+            <a:r>
+              <a:rPr lang="en-US" dirty="0"/>
+              <a:t> package. It has two methods:</a:t>
+            </a:r>
+          </a:p>
+          <a:p>
+            <a:pPr lvl="1"/>
+            <a:r>
+              <a:rPr lang="en-US" dirty="0"/>
+              <a:t> </a:t>
+            </a:r>
+            <a:r>
+              <a:rPr lang="en-US" b="1" dirty="0"/>
+              <a:t>Lock()</a:t>
+            </a:r>
+            <a:r>
+              <a:rPr lang="en-US" dirty="0"/>
+              <a:t>: Which means “lock this goroutine to only work on this”</a:t>
+            </a:r>
+          </a:p>
+          <a:p>
+            <a:pPr lvl="1"/>
+            <a:r>
+              <a:rPr lang="en-US" b="1" dirty="0"/>
+              <a:t>Unlock():</a:t>
+            </a:r>
+            <a:r>
+              <a:rPr lang="en-US" dirty="0"/>
+              <a:t> Okay- freed up again. </a:t>
+            </a:r>
+          </a:p>
+          <a:p>
+            <a:r>
+              <a:rPr lang="en-US" dirty="0"/>
+              <a:t>Any code between these two is executed- so:</a:t>
+            </a:r>
+          </a:p>
+          <a:p>
+            <a:pPr marL="177800" indent="0">
+              <a:buNone/>
+            </a:pPr>
+            <a:r>
+              <a:rPr lang="en-US" dirty="0" err="1">
+                <a:highlight>
+                  <a:srgbClr val="FFFF00"/>
+                </a:highlight>
+                <a:latin typeface="American Typewriter" panose="02090604020004020304" pitchFamily="18" charset="77"/>
+              </a:rPr>
+              <a:t>mutex.Lock</a:t>
+            </a:r>
+            <a:r>
+              <a:rPr lang="en-US" dirty="0">
+                <a:highlight>
+                  <a:srgbClr val="FFFF00"/>
+                </a:highlight>
+                <a:latin typeface="American Typewriter" panose="02090604020004020304" pitchFamily="18" charset="77"/>
+              </a:rPr>
+              <a:t>()</a:t>
+            </a:r>
+          </a:p>
+          <a:p>
+            <a:pPr marL="177800" indent="0">
+              <a:buNone/>
+            </a:pPr>
+            <a:r>
+              <a:rPr lang="en-US" dirty="0">
+                <a:highlight>
+                  <a:srgbClr val="FFFF00"/>
+                </a:highlight>
+                <a:latin typeface="American Typewriter" panose="02090604020004020304" pitchFamily="18" charset="77"/>
+              </a:rPr>
+              <a:t>x = x + 1</a:t>
+            </a:r>
+          </a:p>
+          <a:p>
+            <a:pPr marL="177800" indent="0">
+              <a:buNone/>
+            </a:pPr>
+            <a:r>
+              <a:rPr lang="en-US" dirty="0" err="1">
+                <a:highlight>
+                  <a:srgbClr val="FFFF00"/>
+                </a:highlight>
+                <a:latin typeface="American Typewriter" panose="02090604020004020304" pitchFamily="18" charset="77"/>
+              </a:rPr>
+              <a:t>mutex.Unlock</a:t>
+            </a:r>
+            <a:r>
+              <a:rPr lang="en-US" dirty="0">
+                <a:highlight>
+                  <a:srgbClr val="FFFF00"/>
+                </a:highlight>
+                <a:latin typeface="American Typewriter" panose="02090604020004020304" pitchFamily="18" charset="77"/>
+              </a:rPr>
+              <a:t>()</a:t>
+            </a:r>
+          </a:p>
+        </p:txBody>
+      </p:sp>
+      <p:pic>
+        <p:nvPicPr>
+          <p:cNvPr id="20482" name="Picture 2" descr="Image result for British golang gopher">
+            <a:extLst>
+              <a:ext uri="{FF2B5EF4-FFF2-40B4-BE49-F238E27FC236}">
+                <a16:creationId xmlns:a16="http://schemas.microsoft.com/office/drawing/2014/main" id="{33211A75-6C4D-A941-8930-C763907C773D}"/>
+              </a:ext>
+            </a:extLst>
+          </p:cNvPr>
+          <p:cNvPicPr>
+            <a:picLocks noChangeAspect="1" noChangeArrowheads="1"/>
+          </p:cNvPicPr>
+          <p:nvPr/>
+        </p:nvPicPr>
+        <p:blipFill>
+          <a:blip r:embed="rId2">
+            <a:extLst>
+              <a:ext uri="{28A0092B-C50C-407E-A947-70E740481C1C}">
+                <a14:useLocalDpi xmlns:a14="http://schemas.microsoft.com/office/drawing/2010/main" val="0"/>
+              </a:ext>
+            </a:extLst>
+          </a:blip>
+          <a:srcRect/>
+          <a:stretch>
+            <a:fillRect/>
+          </a:stretch>
+        </p:blipFill>
+        <p:spPr bwMode="auto">
+          <a:xfrm>
+            <a:off x="5128181" y="4255611"/>
+            <a:ext cx="2145188" cy="2145188"/>
+          </a:xfrm>
+          <a:prstGeom prst="rect">
+            <a:avLst/>
+          </a:prstGeom>
+          <a:noFill/>
+          <a:extLst>
+            <a:ext uri="{909E8E84-426E-40DD-AFC4-6F175D3DCCD1}">
+              <a14:hiddenFill xmlns:a14="http://schemas.microsoft.com/office/drawing/2010/main">
+                <a:solidFill>
+                  <a:srgbClr val="FFFFFF"/>
+                </a:solidFill>
+              </a14:hiddenFill>
+            </a:ext>
+          </a:extLst>
+        </p:spPr>
+      </p:pic>
+    </p:spTree>
+    <p:extLst>
+      <p:ext uri="{BB962C8B-B14F-4D97-AF65-F5344CB8AC3E}">
+        <p14:creationId xmlns:p14="http://schemas.microsoft.com/office/powerpoint/2010/main" val="979641376"/>
+      </p:ext>
+    </p:extLst>
+  </p:cSld>
+  <p:clrMapOvr>
+    <a:masterClrMapping/>
+  </p:clrMapOvr>
+</p:sld>
+</file>
+
+<file path=ppt/slides/slide34.xml><?xml version="1.0" encoding="utf-8"?>
+<p:sld xmlns:a="http://schemas.openxmlformats.org/drawingml/2006/main" xmlns:r="http://schemas.openxmlformats.org/officeDocument/2006/relationships" xmlns:p="http://schemas.openxmlformats.org/presentationml/2006/main">
+  <p:cSld>
+    <p:spTree>
+      <p:nvGrpSpPr>
+        <p:cNvPr id="1" name=""/>
+        <p:cNvGrpSpPr/>
+        <p:nvPr/>
+      </p:nvGrpSpPr>
+      <p:grpSpPr>
+        <a:xfrm>
+          <a:off x="0" y="0"/>
+          <a:ext cx="0" cy="0"/>
+          <a:chOff x="0" y="0"/>
+          <a:chExt cx="0" cy="0"/>
+        </a:xfrm>
+      </p:grpSpPr>
+      <p:sp>
+        <p:nvSpPr>
+          <p:cNvPr id="2" name="Title 1">
+            <a:extLst>
+              <a:ext uri="{FF2B5EF4-FFF2-40B4-BE49-F238E27FC236}">
+                <a16:creationId xmlns:a16="http://schemas.microsoft.com/office/drawing/2014/main" id="{79488533-FF5D-DD4C-B925-04EAC3156B93}"/>
+              </a:ext>
+            </a:extLst>
+          </p:cNvPr>
+          <p:cNvSpPr>
+            <a:spLocks noGrp="1"/>
+          </p:cNvSpPr>
+          <p:nvPr>
+            <p:ph type="title"/>
+          </p:nvPr>
+        </p:nvSpPr>
+        <p:spPr/>
+        <p:txBody>
+          <a:bodyPr/>
+          <a:lstStyle/>
+          <a:p>
+            <a:r>
+              <a:rPr lang="en-US" dirty="0"/>
+              <a:t>Mutex Locks</a:t>
+            </a:r>
+          </a:p>
+        </p:txBody>
+      </p:sp>
+      <p:sp>
+        <p:nvSpPr>
+          <p:cNvPr id="3" name="Text Placeholder 2">
+            <a:extLst>
+              <a:ext uri="{FF2B5EF4-FFF2-40B4-BE49-F238E27FC236}">
+                <a16:creationId xmlns:a16="http://schemas.microsoft.com/office/drawing/2014/main" id="{8824DA5D-81C1-0049-A5B2-A1A6B1A9C59C}"/>
+              </a:ext>
+            </a:extLst>
+          </p:cNvPr>
+          <p:cNvSpPr>
+            <a:spLocks noGrp="1"/>
+          </p:cNvSpPr>
+          <p:nvPr>
+            <p:ph type="body" idx="1"/>
+          </p:nvPr>
+        </p:nvSpPr>
+        <p:spPr/>
+        <p:txBody>
+          <a:bodyPr/>
+          <a:lstStyle/>
+          <a:p>
+            <a:r>
+              <a:rPr lang="en-US" dirty="0"/>
+              <a:t> So if a single </a:t>
+            </a:r>
+            <a:r>
+              <a:rPr lang="en-US" dirty="0" err="1"/>
+              <a:t>goRoutine</a:t>
+            </a:r>
+            <a:r>
+              <a:rPr lang="en-US" dirty="0"/>
+              <a:t> </a:t>
+            </a:r>
+            <a:r>
+              <a:rPr lang="en-US" b="1" dirty="0"/>
+              <a:t>holds</a:t>
+            </a:r>
+            <a:r>
+              <a:rPr lang="en-US" dirty="0"/>
+              <a:t> the lock and another </a:t>
+            </a:r>
+            <a:r>
+              <a:rPr lang="en-US" dirty="0" err="1"/>
+              <a:t>goRoutine</a:t>
+            </a:r>
+            <a:r>
+              <a:rPr lang="en-US" dirty="0"/>
+              <a:t> attempts to </a:t>
+            </a:r>
+            <a:r>
+              <a:rPr lang="en-US" b="1" dirty="0"/>
+              <a:t>acquire</a:t>
+            </a:r>
+            <a:r>
+              <a:rPr lang="en-US" dirty="0"/>
+              <a:t> a lock- the new </a:t>
+            </a:r>
+            <a:r>
+              <a:rPr lang="en-US" dirty="0" err="1"/>
+              <a:t>goRoutine</a:t>
+            </a:r>
+            <a:r>
+              <a:rPr lang="en-US" dirty="0"/>
+              <a:t> will be blocked until the mutex is unlocked.</a:t>
+            </a:r>
+          </a:p>
+          <a:p>
+            <a:endParaRPr lang="en-US" dirty="0"/>
+          </a:p>
+          <a:p>
+            <a:r>
+              <a:rPr lang="en-US" dirty="0"/>
+              <a:t>Go to your lab. Note that we are creating 1,000 </a:t>
+            </a:r>
+            <a:r>
+              <a:rPr lang="en-US" b="1" dirty="0"/>
+              <a:t>increment</a:t>
+            </a:r>
+            <a:r>
+              <a:rPr lang="en-US" dirty="0"/>
+              <a:t> </a:t>
+            </a:r>
+            <a:r>
+              <a:rPr lang="en-US" dirty="0" err="1"/>
+              <a:t>goRoutines</a:t>
+            </a:r>
+            <a:r>
+              <a:rPr lang="en-US" dirty="0"/>
+              <a:t>. Each is running concurrently. </a:t>
+            </a:r>
+          </a:p>
+          <a:p>
+            <a:endParaRPr lang="en-US" dirty="0"/>
+          </a:p>
+          <a:p>
+            <a:r>
+              <a:rPr lang="en-US" dirty="0"/>
+              <a:t>Run the program multiple times. What happens?</a:t>
+            </a:r>
+          </a:p>
+        </p:txBody>
+      </p:sp>
+      <p:pic>
+        <p:nvPicPr>
+          <p:cNvPr id="21506" name="Picture 2" descr="Image result for go gopher, british">
+            <a:extLst>
+              <a:ext uri="{FF2B5EF4-FFF2-40B4-BE49-F238E27FC236}">
+                <a16:creationId xmlns:a16="http://schemas.microsoft.com/office/drawing/2014/main" id="{08E0BCB4-51E7-4042-A093-65E29F2D79B4}"/>
+              </a:ext>
+            </a:extLst>
+          </p:cNvPr>
+          <p:cNvPicPr>
+            <a:picLocks noChangeAspect="1" noChangeArrowheads="1"/>
+          </p:cNvPicPr>
+          <p:nvPr/>
+        </p:nvPicPr>
+        <p:blipFill>
+          <a:blip r:embed="rId2">
+            <a:extLst>
+              <a:ext uri="{28A0092B-C50C-407E-A947-70E740481C1C}">
+                <a14:useLocalDpi xmlns:a14="http://schemas.microsoft.com/office/drawing/2010/main" val="0"/>
+              </a:ext>
+            </a:extLst>
+          </a:blip>
+          <a:srcRect/>
+          <a:stretch>
+            <a:fillRect/>
+          </a:stretch>
+        </p:blipFill>
+        <p:spPr bwMode="auto">
+          <a:xfrm>
+            <a:off x="4065953" y="5160650"/>
+            <a:ext cx="1012093" cy="1356413"/>
+          </a:xfrm>
+          <a:prstGeom prst="rect">
+            <a:avLst/>
+          </a:prstGeom>
+          <a:noFill/>
+          <a:extLst>
+            <a:ext uri="{909E8E84-426E-40DD-AFC4-6F175D3DCCD1}">
+              <a14:hiddenFill xmlns:a14="http://schemas.microsoft.com/office/drawing/2010/main">
+                <a:solidFill>
+                  <a:srgbClr val="FFFFFF"/>
+                </a:solidFill>
+              </a14:hiddenFill>
+            </a:ext>
+          </a:extLst>
+        </p:spPr>
+      </p:pic>
+    </p:spTree>
+    <p:extLst>
+      <p:ext uri="{BB962C8B-B14F-4D97-AF65-F5344CB8AC3E}">
+        <p14:creationId xmlns:p14="http://schemas.microsoft.com/office/powerpoint/2010/main" val="1767641971"/>
+      </p:ext>
+    </p:extLst>
+  </p:cSld>
+  <p:clrMapOvr>
+    <a:masterClrMapping/>
+  </p:clrMapOvr>
+</p:sld>
+</file>
+
+<file path=ppt/slides/slide35.xml><?xml version="1.0" encoding="utf-8"?>
+<p:sld xmlns:a="http://schemas.openxmlformats.org/drawingml/2006/main" xmlns:r="http://schemas.openxmlformats.org/officeDocument/2006/relationships" xmlns:p="http://schemas.openxmlformats.org/presentationml/2006/main">
+  <p:cSld>
+    <p:spTree>
+      <p:nvGrpSpPr>
+        <p:cNvPr id="1" name=""/>
+        <p:cNvGrpSpPr/>
+        <p:nvPr/>
+      </p:nvGrpSpPr>
+      <p:grpSpPr>
+        <a:xfrm>
+          <a:off x="0" y="0"/>
+          <a:ext cx="0" cy="0"/>
+          <a:chOff x="0" y="0"/>
+          <a:chExt cx="0" cy="0"/>
+        </a:xfrm>
+      </p:grpSpPr>
+      <p:sp>
+        <p:nvSpPr>
+          <p:cNvPr id="2" name="Title 1">
+            <a:extLst>
+              <a:ext uri="{FF2B5EF4-FFF2-40B4-BE49-F238E27FC236}">
+                <a16:creationId xmlns:a16="http://schemas.microsoft.com/office/drawing/2014/main" id="{1AF47437-ABCD-E242-A296-36B0CC48709E}"/>
+              </a:ext>
+            </a:extLst>
+          </p:cNvPr>
+          <p:cNvSpPr>
+            <a:spLocks noGrp="1"/>
+          </p:cNvSpPr>
+          <p:nvPr>
+            <p:ph type="title"/>
+          </p:nvPr>
+        </p:nvSpPr>
+        <p:spPr/>
+        <p:txBody>
+          <a:bodyPr/>
+          <a:lstStyle/>
+          <a:p>
+            <a:r>
+              <a:rPr lang="en-US" dirty="0"/>
+              <a:t>Channels vs Mutex</a:t>
+            </a:r>
+          </a:p>
+        </p:txBody>
+      </p:sp>
+      <p:sp>
+        <p:nvSpPr>
+          <p:cNvPr id="3" name="Text Placeholder 2">
+            <a:extLst>
+              <a:ext uri="{FF2B5EF4-FFF2-40B4-BE49-F238E27FC236}">
+                <a16:creationId xmlns:a16="http://schemas.microsoft.com/office/drawing/2014/main" id="{30EEF0AE-E8C4-CE4F-B141-04C5AA30816B}"/>
+              </a:ext>
+            </a:extLst>
+          </p:cNvPr>
+          <p:cNvSpPr>
+            <a:spLocks noGrp="1"/>
+          </p:cNvSpPr>
+          <p:nvPr>
+            <p:ph type="body" idx="1"/>
+          </p:nvPr>
+        </p:nvSpPr>
+        <p:spPr/>
+        <p:txBody>
+          <a:bodyPr/>
+          <a:lstStyle/>
+          <a:p>
+            <a:r>
+              <a:rPr lang="en-US" dirty="0"/>
+              <a:t> So when to use a channel and when to use mutex? </a:t>
+            </a:r>
+          </a:p>
+          <a:p>
+            <a:endParaRPr lang="en-US" dirty="0"/>
+          </a:p>
+          <a:p>
+            <a:r>
+              <a:rPr lang="en-US" dirty="0"/>
+              <a:t>Personally- I prefer MUTEX as for race-condition situations but </a:t>
+            </a:r>
+            <a:r>
+              <a:rPr lang="en-US" i="1" dirty="0"/>
+              <a:t>that being said</a:t>
+            </a:r>
+            <a:r>
+              <a:rPr lang="en-US" dirty="0"/>
+              <a:t>- channels are a perfectly acceptable way to do it and I recommend that everyone here utilize channels where possible as much as possible for the next few times we create </a:t>
+            </a:r>
+            <a:r>
+              <a:rPr lang="en-US" dirty="0" err="1"/>
+              <a:t>goRoutines</a:t>
+            </a:r>
+            <a:r>
+              <a:rPr lang="en-US" dirty="0"/>
+              <a:t>.</a:t>
+            </a:r>
+          </a:p>
+        </p:txBody>
+      </p:sp>
+      <p:pic>
+        <p:nvPicPr>
+          <p:cNvPr id="22530" name="Picture 2" descr="Image result for golang gopher">
+            <a:extLst>
+              <a:ext uri="{FF2B5EF4-FFF2-40B4-BE49-F238E27FC236}">
+                <a16:creationId xmlns:a16="http://schemas.microsoft.com/office/drawing/2014/main" id="{02774FF6-3021-BB4B-9E0A-592FCEDD900E}"/>
+              </a:ext>
+            </a:extLst>
+          </p:cNvPr>
+          <p:cNvPicPr>
+            <a:picLocks noChangeAspect="1" noChangeArrowheads="1"/>
+          </p:cNvPicPr>
+          <p:nvPr/>
+        </p:nvPicPr>
+        <p:blipFill>
+          <a:blip r:embed="rId2">
+            <a:extLst>
+              <a:ext uri="{28A0092B-C50C-407E-A947-70E740481C1C}">
+                <a14:useLocalDpi xmlns:a14="http://schemas.microsoft.com/office/drawing/2010/main" val="0"/>
+              </a:ext>
+            </a:extLst>
+          </a:blip>
+          <a:srcRect/>
+          <a:stretch>
+            <a:fillRect/>
+          </a:stretch>
+        </p:blipFill>
+        <p:spPr bwMode="auto">
+          <a:xfrm>
+            <a:off x="2816651" y="4636809"/>
+            <a:ext cx="4038600" cy="2019300"/>
+          </a:xfrm>
+          <a:prstGeom prst="rect">
+            <a:avLst/>
+          </a:prstGeom>
+          <a:noFill/>
+          <a:extLst>
+            <a:ext uri="{909E8E84-426E-40DD-AFC4-6F175D3DCCD1}">
+              <a14:hiddenFill xmlns:a14="http://schemas.microsoft.com/office/drawing/2010/main">
+                <a:solidFill>
+                  <a:srgbClr val="FFFFFF"/>
+                </a:solidFill>
+              </a14:hiddenFill>
+            </a:ext>
+          </a:extLst>
+        </p:spPr>
+      </p:pic>
+    </p:spTree>
+    <p:extLst>
+      <p:ext uri="{BB962C8B-B14F-4D97-AF65-F5344CB8AC3E}">
+        <p14:creationId xmlns:p14="http://schemas.microsoft.com/office/powerpoint/2010/main" val="1829417656"/>
+      </p:ext>
+    </p:extLst>
+  </p:cSld>
+  <p:clrMapOvr>
+    <a:masterClrMapping/>
+  </p:clrMapOvr>
+</p:sld>
+</file>
+
+<file path=ppt/slides/slide36.xml><?xml version="1.0" encoding="utf-8"?>
+<p:sld xmlns:a="http://schemas.openxmlformats.org/drawingml/2006/main" xmlns:r="http://schemas.openxmlformats.org/officeDocument/2006/relationships" xmlns:p="http://schemas.openxmlformats.org/presentationml/2006/main">
+  <p:cSld>
+    <p:spTree>
+      <p:nvGrpSpPr>
+        <p:cNvPr id="1" name=""/>
+        <p:cNvGrpSpPr/>
+        <p:nvPr/>
+      </p:nvGrpSpPr>
+      <p:grpSpPr>
+        <a:xfrm>
+          <a:off x="0" y="0"/>
+          <a:ext cx="0" cy="0"/>
+          <a:chOff x="0" y="0"/>
+          <a:chExt cx="0" cy="0"/>
+        </a:xfrm>
+      </p:grpSpPr>
+      <p:sp>
+        <p:nvSpPr>
+          <p:cNvPr id="2" name="Title 1">
+            <a:extLst>
+              <a:ext uri="{FF2B5EF4-FFF2-40B4-BE49-F238E27FC236}">
+                <a16:creationId xmlns:a16="http://schemas.microsoft.com/office/drawing/2014/main" id="{EDCAD961-7C0B-ED4E-A5B7-8CB6FB15698A}"/>
+              </a:ext>
+            </a:extLst>
+          </p:cNvPr>
+          <p:cNvSpPr>
+            <a:spLocks noGrp="1"/>
+          </p:cNvSpPr>
+          <p:nvPr>
+            <p:ph type="title"/>
+          </p:nvPr>
+        </p:nvSpPr>
+        <p:spPr/>
+        <p:txBody>
+          <a:bodyPr/>
+          <a:lstStyle/>
+          <a:p>
+            <a:r>
+              <a:rPr lang="en-US" dirty="0"/>
+              <a:t>Rate Limiting in Go</a:t>
+            </a:r>
+          </a:p>
+        </p:txBody>
+      </p:sp>
+      <p:sp>
+        <p:nvSpPr>
+          <p:cNvPr id="3" name="Text Placeholder 2">
+            <a:extLst>
+              <a:ext uri="{FF2B5EF4-FFF2-40B4-BE49-F238E27FC236}">
+                <a16:creationId xmlns:a16="http://schemas.microsoft.com/office/drawing/2014/main" id="{2C05CE6A-53CF-3D44-8692-3F71E98130EE}"/>
+              </a:ext>
+            </a:extLst>
+          </p:cNvPr>
+          <p:cNvSpPr>
+            <a:spLocks noGrp="1"/>
+          </p:cNvSpPr>
+          <p:nvPr>
+            <p:ph type="body" idx="1"/>
+          </p:nvPr>
+        </p:nvSpPr>
+        <p:spPr/>
+        <p:txBody>
+          <a:bodyPr/>
+          <a:lstStyle/>
+          <a:p>
+            <a:endParaRPr lang="en-US"/>
+          </a:p>
+        </p:txBody>
+      </p:sp>
+    </p:spTree>
+    <p:extLst>
+      <p:ext uri="{BB962C8B-B14F-4D97-AF65-F5344CB8AC3E}">
+        <p14:creationId xmlns:p14="http://schemas.microsoft.com/office/powerpoint/2010/main" val="1971123384"/>
+      </p:ext>
+    </p:extLst>
+  </p:cSld>
+  <p:clrMapOvr>
+    <a:masterClrMapping/>
+  </p:clrMapOvr>
+</p:sld>
+</file>
+
+<file path=ppt/slides/slide37.xml><?xml version="1.0" encoding="utf-8"?>
+<p:sld xmlns:a="http://schemas.openxmlformats.org/drawingml/2006/main" xmlns:r="http://schemas.openxmlformats.org/officeDocument/2006/relationships" xmlns:p="http://schemas.openxmlformats.org/presentationml/2006/main">
+  <p:cSld>
+    <p:spTree>
+      <p:nvGrpSpPr>
+        <p:cNvPr id="1" name="Shape 113"/>
+        <p:cNvGrpSpPr/>
+        <p:nvPr/>
+      </p:nvGrpSpPr>
+      <p:grpSpPr>
+        <a:xfrm>
+          <a:off x="0" y="0"/>
+          <a:ext cx="0" cy="0"/>
+          <a:chOff x="0" y="0"/>
+          <a:chExt cx="0" cy="0"/>
+        </a:xfrm>
+      </p:grpSpPr>
+      <p:sp>
+        <p:nvSpPr>
+          <p:cNvPr id="114" name="Shape 114"/>
+          <p:cNvSpPr txBox="1">
+            <a:spLocks noGrp="1"/>
+          </p:cNvSpPr>
+          <p:nvPr>
+            <p:ph type="title"/>
+          </p:nvPr>
+        </p:nvSpPr>
+        <p:spPr>
+          <a:xfrm>
+            <a:off x="76200" y="152400"/>
+            <a:ext cx="8991600" cy="671400"/>
+          </a:xfrm>
+          <a:prstGeom prst="rect">
+            <a:avLst/>
+          </a:prstGeom>
+        </p:spPr>
+        <p:txBody>
+          <a:bodyPr lIns="91425" tIns="91425" rIns="91425" bIns="91425" anchor="ctr" anchorCtr="0">
+            <a:noAutofit/>
+          </a:bodyPr>
+          <a:lstStyle/>
+          <a:p>
+            <a:pPr lvl="0">
+              <a:spcBef>
+                <a:spcPts val="0"/>
+              </a:spcBef>
+              <a:buNone/>
+            </a:pPr>
+            <a:r>
+              <a:rPr lang="en-US" dirty="0"/>
+              <a:t>Moving on </a:t>
+            </a:r>
+            <a:r>
+              <a:rPr lang="en-US"/>
+              <a:t>to Module 4….</a:t>
+            </a:r>
+            <a:endParaRPr dirty="0"/>
+          </a:p>
+        </p:txBody>
+      </p:sp>
+      <p:sp>
+        <p:nvSpPr>
+          <p:cNvPr id="115" name="Shape 115"/>
+          <p:cNvSpPr txBox="1">
+            <a:spLocks noGrp="1"/>
+          </p:cNvSpPr>
+          <p:nvPr>
+            <p:ph type="body" idx="1"/>
+          </p:nvPr>
+        </p:nvSpPr>
+        <p:spPr>
+          <a:xfrm>
+            <a:off x="76200" y="1240810"/>
+            <a:ext cx="8991600" cy="4070929"/>
+          </a:xfrm>
+          <a:prstGeom prst="rect">
+            <a:avLst/>
+          </a:prstGeom>
+        </p:spPr>
+        <p:txBody>
+          <a:bodyPr lIns="91425" tIns="91425" rIns="91425" bIns="91425" anchor="t" anchorCtr="0">
+            <a:noAutofit/>
+          </a:bodyPr>
+          <a:lstStyle/>
+          <a:p>
+            <a:pPr lvl="2">
+              <a:spcBef>
+                <a:spcPts val="0"/>
+              </a:spcBef>
+            </a:pPr>
+            <a:r>
+              <a:rPr lang="en-US" dirty="0">
+                <a:solidFill>
+                  <a:schemeClr val="tx1"/>
+                </a:solidFill>
+                <a:latin typeface="+mn-lt"/>
+              </a:rPr>
+              <a:t>AND WE’RE DONE!</a:t>
+            </a:r>
+          </a:p>
+          <a:p>
+            <a:pPr lvl="2">
+              <a:spcBef>
+                <a:spcPts val="0"/>
+              </a:spcBef>
+            </a:pPr>
+            <a:r>
+              <a:rPr lang="en-US" sz="3200" dirty="0">
+                <a:solidFill>
+                  <a:schemeClr val="tx1"/>
+                </a:solidFill>
+                <a:latin typeface="+mn-lt"/>
+              </a:rPr>
+              <a:t>ANY QUESTIONS?!?</a:t>
+            </a:r>
+          </a:p>
+          <a:p>
+            <a:pPr lvl="3">
+              <a:spcBef>
+                <a:spcPts val="0"/>
+              </a:spcBef>
+            </a:pPr>
+            <a:endParaRPr lang="en-US" dirty="0">
+              <a:solidFill>
+                <a:schemeClr val="tx1"/>
+              </a:solidFill>
+              <a:latin typeface="+mn-lt"/>
+            </a:endParaRPr>
+          </a:p>
+          <a:p>
+            <a:pPr lvl="2">
+              <a:spcBef>
+                <a:spcPts val="0"/>
+              </a:spcBef>
+            </a:pPr>
+            <a:endParaRPr lang="en-US" dirty="0">
+              <a:solidFill>
+                <a:schemeClr val="tx1"/>
+              </a:solidFill>
+            </a:endParaRPr>
+          </a:p>
+          <a:p>
+            <a:pPr marL="1485900" lvl="3" indent="0">
+              <a:spcBef>
+                <a:spcPts val="0"/>
+              </a:spcBef>
+              <a:buNone/>
+            </a:pPr>
+            <a:endParaRPr lang="en-US" dirty="0">
+              <a:solidFill>
+                <a:schemeClr val="tx1"/>
+              </a:solidFill>
+              <a:latin typeface="+mn-lt"/>
+            </a:endParaRPr>
+          </a:p>
+          <a:p>
+            <a:pPr marL="1485900" lvl="3" indent="0">
+              <a:spcBef>
+                <a:spcPts val="0"/>
+              </a:spcBef>
+              <a:buNone/>
+            </a:pPr>
+            <a:endParaRPr lang="en-US" dirty="0">
+              <a:solidFill>
+                <a:schemeClr val="tx1"/>
+              </a:solidFill>
+              <a:latin typeface="+mn-lt"/>
+            </a:endParaRPr>
+          </a:p>
+          <a:p>
+            <a:pPr marL="1485900" lvl="3" indent="0">
+              <a:spcBef>
+                <a:spcPts val="0"/>
+              </a:spcBef>
+              <a:buNone/>
+            </a:pPr>
+            <a:endParaRPr lang="en-US" dirty="0">
+              <a:solidFill>
+                <a:schemeClr val="tx1"/>
+              </a:solidFill>
+              <a:latin typeface="+mn-lt"/>
+            </a:endParaRPr>
+          </a:p>
+          <a:p>
+            <a:pPr marL="1485900" lvl="3" indent="0">
+              <a:spcBef>
+                <a:spcPts val="0"/>
+              </a:spcBef>
+              <a:buNone/>
+            </a:pPr>
+            <a:endParaRPr lang="en-US" dirty="0">
+              <a:solidFill>
+                <a:schemeClr val="tx1"/>
+              </a:solidFill>
+              <a:latin typeface="+mn-lt"/>
+            </a:endParaRPr>
+          </a:p>
+          <a:p>
+            <a:pPr marL="1485900" lvl="3" indent="0">
+              <a:spcBef>
+                <a:spcPts val="0"/>
+              </a:spcBef>
+              <a:buNone/>
+            </a:pPr>
+            <a:endParaRPr lang="en-US" dirty="0">
+              <a:solidFill>
+                <a:schemeClr val="tx1"/>
+              </a:solidFill>
+              <a:latin typeface="+mn-lt"/>
+            </a:endParaRPr>
+          </a:p>
+        </p:txBody>
+      </p:sp>
+      <p:pic>
+        <p:nvPicPr>
+          <p:cNvPr id="14338" name="Picture 2" descr="Image result for golang gopher, images">
+            <a:extLst>
+              <a:ext uri="{FF2B5EF4-FFF2-40B4-BE49-F238E27FC236}">
+                <a16:creationId xmlns:a16="http://schemas.microsoft.com/office/drawing/2014/main" id="{99F98B07-359E-7D45-BFB0-9CFB89F92F9B}"/>
+              </a:ext>
+            </a:extLst>
+          </p:cNvPr>
+          <p:cNvPicPr>
+            <a:picLocks noChangeAspect="1" noChangeArrowheads="1"/>
+          </p:cNvPicPr>
+          <p:nvPr/>
+        </p:nvPicPr>
+        <p:blipFill>
+          <a:blip r:embed="rId3">
+            <a:extLst>
+              <a:ext uri="{28A0092B-C50C-407E-A947-70E740481C1C}">
+                <a14:useLocalDpi xmlns:a14="http://schemas.microsoft.com/office/drawing/2010/main" val="0"/>
+              </a:ext>
+            </a:extLst>
+          </a:blip>
+          <a:srcRect/>
+          <a:stretch>
+            <a:fillRect/>
+          </a:stretch>
+        </p:blipFill>
+        <p:spPr bwMode="auto">
+          <a:xfrm>
+            <a:off x="3075040" y="3147245"/>
+            <a:ext cx="2603500" cy="3111500"/>
+          </a:xfrm>
+          <a:prstGeom prst="rect">
+            <a:avLst/>
+          </a:prstGeom>
+          <a:noFill/>
+          <a:extLst>
+            <a:ext uri="{909E8E84-426E-40DD-AFC4-6F175D3DCCD1}">
+              <a14:hiddenFill xmlns:a14="http://schemas.microsoft.com/office/drawing/2010/main">
+                <a:solidFill>
+                  <a:srgbClr val="FFFFFF"/>
+                </a:solidFill>
+              </a14:hiddenFill>
+            </a:ext>
+          </a:extLst>
+        </p:spPr>
+      </p:pic>
+      <p:sp>
+        <p:nvSpPr>
+          <p:cNvPr id="2" name="TextBox 1">
+            <a:extLst>
+              <a:ext uri="{FF2B5EF4-FFF2-40B4-BE49-F238E27FC236}">
+                <a16:creationId xmlns:a16="http://schemas.microsoft.com/office/drawing/2014/main" id="{4B3583E6-D110-6843-B37F-57EA800C4545}"/>
+              </a:ext>
+            </a:extLst>
+          </p:cNvPr>
+          <p:cNvSpPr txBox="1"/>
+          <p:nvPr/>
+        </p:nvSpPr>
+        <p:spPr>
+          <a:xfrm>
+            <a:off x="3535052" y="405353"/>
+            <a:ext cx="184731" cy="307777"/>
+          </a:xfrm>
+          <a:prstGeom prst="rect">
+            <a:avLst/>
+          </a:prstGeom>
+          <a:noFill/>
+        </p:spPr>
+        <p:txBody>
+          <a:bodyPr wrap="none" rtlCol="0">
+            <a:spAutoFit/>
+          </a:bodyPr>
+          <a:lstStyle/>
+          <a:p>
+            <a:endParaRPr lang="en-US"/>
+          </a:p>
+        </p:txBody>
+      </p:sp>
+    </p:spTree>
+    <p:extLst>
+      <p:ext uri="{BB962C8B-B14F-4D97-AF65-F5344CB8AC3E}">
+        <p14:creationId xmlns:p14="http://schemas.microsoft.com/office/powerpoint/2010/main" val="3120604218"/>
       </p:ext>
     </p:extLst>
   </p:cSld>

--- a/Module_4/presentations/module_4_presentation.pptx
+++ b/Module_4/presentations/module_4_presentation.pptx
@@ -5,7 +5,7 @@
     <p:sldMasterId id="2147483655" r:id="rId1"/>
   </p:sldMasterIdLst>
   <p:notesMasterIdLst>
-    <p:notesMasterId r:id="rId39"/>
+    <p:notesMasterId r:id="rId43"/>
   </p:notesMasterIdLst>
   <p:sldIdLst>
     <p:sldId id="256" r:id="rId2"/>
@@ -44,7 +44,11 @@
     <p:sldId id="520" r:id="rId35"/>
     <p:sldId id="521" r:id="rId36"/>
     <p:sldId id="522" r:id="rId37"/>
-    <p:sldId id="489" r:id="rId38"/>
+    <p:sldId id="523" r:id="rId38"/>
+    <p:sldId id="524" r:id="rId39"/>
+    <p:sldId id="525" r:id="rId40"/>
+    <p:sldId id="526" r:id="rId41"/>
+    <p:sldId id="489" r:id="rId42"/>
   </p:sldIdLst>
   <p:sldSz cx="9144000" cy="6858000" type="screen4x3"/>
   <p:notesSz cx="6858000" cy="9144000"/>
@@ -1698,7 +1702,7 @@
             </a:pPr>
             <a:fld id="{00000000-1234-1234-1234-123412341234}" type="slidenum">
               <a:rPr lang="en-US"/>
-              <a:t>37</a:t>
+              <a:t>41</a:t>
             </a:fld>
             <a:endParaRPr lang="en-US"/>
           </a:p>
@@ -11883,10 +11887,96 @@
           <a:bodyPr/>
           <a:lstStyle/>
           <a:p>
-            <a:endParaRPr lang="en-US"/>
+            <a:r>
+              <a:rPr lang="en-US" dirty="0"/>
+              <a:t> So imagine we have a webserver that handles incoming requests and writes data to a database. </a:t>
+            </a:r>
+          </a:p>
+          <a:p>
+            <a:r>
+              <a:rPr lang="en-US" dirty="0"/>
+              <a:t> Now let’s suppose that our writes to our (one has to assume </a:t>
+            </a:r>
+            <a:r>
+              <a:rPr lang="en-US" i="1" dirty="0"/>
+              <a:t>legacy</a:t>
+            </a:r>
+            <a:r>
+              <a:rPr lang="en-US" dirty="0"/>
+              <a:t>) database are struggling to keep up with the incoming data. </a:t>
+            </a:r>
+          </a:p>
+          <a:p>
+            <a:r>
+              <a:rPr lang="en-US" dirty="0"/>
+              <a:t> SO- now we want to slow down our incoming data </a:t>
+            </a:r>
+            <a:r>
+              <a:rPr lang="en-US" dirty="0" err="1"/>
+              <a:t>utililizing</a:t>
+            </a:r>
+            <a:r>
+              <a:rPr lang="en-US" dirty="0"/>
+              <a:t> a </a:t>
+            </a:r>
+            <a:r>
+              <a:rPr lang="en-US" b="1" dirty="0"/>
+              <a:t>rate limiter</a:t>
+            </a:r>
+            <a:r>
+              <a:rPr lang="en-US" dirty="0"/>
+              <a:t>. </a:t>
+            </a:r>
           </a:p>
         </p:txBody>
       </p:sp>
+      <p:pic>
+        <p:nvPicPr>
+          <p:cNvPr id="1026" name="Picture 2" descr="Image result for golang gopher">
+            <a:extLst>
+              <a:ext uri="{FF2B5EF4-FFF2-40B4-BE49-F238E27FC236}">
+                <a16:creationId xmlns:a16="http://schemas.microsoft.com/office/drawing/2014/main" id="{2CEC09C3-CDC6-6A45-99F9-12C0B422FA89}"/>
+              </a:ext>
+            </a:extLst>
+          </p:cNvPr>
+          <p:cNvPicPr>
+            <a:picLocks noChangeAspect="1" noChangeArrowheads="1"/>
+          </p:cNvPicPr>
+          <p:nvPr/>
+        </p:nvPicPr>
+        <p:blipFill>
+          <a:blip r:embed="rId2">
+            <a:extLst>
+              <a:ext uri="{28A0092B-C50C-407E-A947-70E740481C1C}">
+                <a14:useLocalDpi xmlns:a14="http://schemas.microsoft.com/office/drawing/2010/main" val="0"/>
+              </a:ext>
+            </a:extLst>
+          </a:blip>
+          <a:srcRect/>
+          <a:stretch>
+            <a:fillRect/>
+          </a:stretch>
+        </p:blipFill>
+        <p:spPr bwMode="auto">
+          <a:xfrm>
+            <a:off x="4055882" y="4637987"/>
+            <a:ext cx="1944867" cy="1944867"/>
+          </a:xfrm>
+          <a:prstGeom prst="rect">
+            <a:avLst/>
+          </a:prstGeom>
+          <a:noFill/>
+          <a:extLst>
+            <a:ext uri="{909E8E84-426E-40DD-AFC4-6F175D3DCCD1}">
+              <a14:hiddenFill xmlns:a14="http://schemas.microsoft.com/office/drawing/2010/main">
+                <a:solidFill>
+                  <a:srgbClr val="FFFFFF"/>
+                </a:solidFill>
+              </a14:hiddenFill>
+            </a:ext>
+          </a:extLst>
+        </p:spPr>
+      </p:pic>
     </p:spTree>
     <p:extLst>
       <p:ext uri="{BB962C8B-B14F-4D97-AF65-F5344CB8AC3E}">
@@ -11901,6 +11991,835 @@
 </file>
 
 <file path=ppt/slides/slide37.xml><?xml version="1.0" encoding="utf-8"?>
+<p:sld xmlns:a="http://schemas.openxmlformats.org/drawingml/2006/main" xmlns:r="http://schemas.openxmlformats.org/officeDocument/2006/relationships" xmlns:p="http://schemas.openxmlformats.org/presentationml/2006/main">
+  <p:cSld>
+    <p:spTree>
+      <p:nvGrpSpPr>
+        <p:cNvPr id="1" name=""/>
+        <p:cNvGrpSpPr/>
+        <p:nvPr/>
+      </p:nvGrpSpPr>
+      <p:grpSpPr>
+        <a:xfrm>
+          <a:off x="0" y="0"/>
+          <a:ext cx="0" cy="0"/>
+          <a:chOff x="0" y="0"/>
+          <a:chExt cx="0" cy="0"/>
+        </a:xfrm>
+      </p:grpSpPr>
+      <p:sp>
+        <p:nvSpPr>
+          <p:cNvPr id="2" name="Title 1">
+            <a:extLst>
+              <a:ext uri="{FF2B5EF4-FFF2-40B4-BE49-F238E27FC236}">
+                <a16:creationId xmlns:a16="http://schemas.microsoft.com/office/drawing/2014/main" id="{F104F672-DF5C-224B-BC24-7BF14F63F916}"/>
+              </a:ext>
+            </a:extLst>
+          </p:cNvPr>
+          <p:cNvSpPr>
+            <a:spLocks noGrp="1"/>
+          </p:cNvSpPr>
+          <p:nvPr>
+            <p:ph type="title"/>
+          </p:nvPr>
+        </p:nvSpPr>
+        <p:spPr/>
+        <p:txBody>
+          <a:bodyPr/>
+          <a:lstStyle/>
+          <a:p>
+            <a:r>
+              <a:rPr lang="en-US" dirty="0"/>
+              <a:t>How to create rate limiters for channels</a:t>
+            </a:r>
+          </a:p>
+        </p:txBody>
+      </p:sp>
+      <p:sp>
+        <p:nvSpPr>
+          <p:cNvPr id="3" name="Text Placeholder 2">
+            <a:extLst>
+              <a:ext uri="{FF2B5EF4-FFF2-40B4-BE49-F238E27FC236}">
+                <a16:creationId xmlns:a16="http://schemas.microsoft.com/office/drawing/2014/main" id="{96450284-6CE6-CB43-96CB-493361CF1DE2}"/>
+              </a:ext>
+            </a:extLst>
+          </p:cNvPr>
+          <p:cNvSpPr>
+            <a:spLocks noGrp="1"/>
+          </p:cNvSpPr>
+          <p:nvPr>
+            <p:ph type="body" idx="1"/>
+          </p:nvPr>
+        </p:nvSpPr>
+        <p:spPr/>
+        <p:txBody>
+          <a:bodyPr/>
+          <a:lstStyle/>
+          <a:p>
+            <a:r>
+              <a:rPr lang="en-US" dirty="0"/>
+              <a:t> So if we want to handle basic rate limiting we serve the requests off of a buffered channel. We can then use the </a:t>
+            </a:r>
+            <a:r>
+              <a:rPr lang="en-US" b="1" dirty="0" err="1"/>
+              <a:t>time.Tick</a:t>
+            </a:r>
+            <a:r>
+              <a:rPr lang="en-US" dirty="0"/>
+              <a:t> method (from the built in </a:t>
+            </a:r>
+            <a:r>
+              <a:rPr lang="en-US" b="1" dirty="0"/>
+              <a:t>time</a:t>
+            </a:r>
+            <a:r>
+              <a:rPr lang="en-US" dirty="0"/>
+              <a:t> package) to ensure that something only happens at the time of the tick.</a:t>
+            </a:r>
+          </a:p>
+          <a:p>
+            <a:r>
+              <a:rPr lang="en-US" dirty="0"/>
+              <a:t>So in the case of the lab- every 200 milliseconds we’re going to have a message written.</a:t>
+            </a:r>
+          </a:p>
+        </p:txBody>
+      </p:sp>
+      <p:pic>
+        <p:nvPicPr>
+          <p:cNvPr id="2050" name="Picture 2" descr="Image result for golang gopher">
+            <a:extLst>
+              <a:ext uri="{FF2B5EF4-FFF2-40B4-BE49-F238E27FC236}">
+                <a16:creationId xmlns:a16="http://schemas.microsoft.com/office/drawing/2014/main" id="{E7F64CE2-CCAB-294C-B347-6C85308A04E5}"/>
+              </a:ext>
+            </a:extLst>
+          </p:cNvPr>
+          <p:cNvPicPr>
+            <a:picLocks noChangeAspect="1" noChangeArrowheads="1"/>
+          </p:cNvPicPr>
+          <p:nvPr/>
+        </p:nvPicPr>
+        <p:blipFill>
+          <a:blip r:embed="rId2">
+            <a:extLst>
+              <a:ext uri="{28A0092B-C50C-407E-A947-70E740481C1C}">
+                <a14:useLocalDpi xmlns:a14="http://schemas.microsoft.com/office/drawing/2010/main" val="0"/>
+              </a:ext>
+            </a:extLst>
+          </a:blip>
+          <a:srcRect/>
+          <a:stretch>
+            <a:fillRect/>
+          </a:stretch>
+        </p:blipFill>
+        <p:spPr bwMode="auto">
+          <a:xfrm>
+            <a:off x="3280528" y="4539786"/>
+            <a:ext cx="3037722" cy="2021466"/>
+          </a:xfrm>
+          <a:prstGeom prst="rect">
+            <a:avLst/>
+          </a:prstGeom>
+          <a:noFill/>
+          <a:extLst>
+            <a:ext uri="{909E8E84-426E-40DD-AFC4-6F175D3DCCD1}">
+              <a14:hiddenFill xmlns:a14="http://schemas.microsoft.com/office/drawing/2010/main">
+                <a:solidFill>
+                  <a:srgbClr val="FFFFFF"/>
+                </a:solidFill>
+              </a14:hiddenFill>
+            </a:ext>
+          </a:extLst>
+        </p:spPr>
+      </p:pic>
+    </p:spTree>
+    <p:extLst>
+      <p:ext uri="{BB962C8B-B14F-4D97-AF65-F5344CB8AC3E}">
+        <p14:creationId xmlns:p14="http://schemas.microsoft.com/office/powerpoint/2010/main" val="860875101"/>
+      </p:ext>
+    </p:extLst>
+  </p:cSld>
+  <p:clrMapOvr>
+    <a:masterClrMapping/>
+  </p:clrMapOvr>
+</p:sld>
+</file>
+
+<file path=ppt/slides/slide38.xml><?xml version="1.0" encoding="utf-8"?>
+<p:sld xmlns:a="http://schemas.openxmlformats.org/drawingml/2006/main" xmlns:r="http://schemas.openxmlformats.org/officeDocument/2006/relationships" xmlns:p="http://schemas.openxmlformats.org/presentationml/2006/main">
+  <p:cSld>
+    <p:spTree>
+      <p:nvGrpSpPr>
+        <p:cNvPr id="1" name=""/>
+        <p:cNvGrpSpPr/>
+        <p:nvPr/>
+      </p:nvGrpSpPr>
+      <p:grpSpPr>
+        <a:xfrm>
+          <a:off x="0" y="0"/>
+          <a:ext cx="0" cy="0"/>
+          <a:chOff x="0" y="0"/>
+          <a:chExt cx="0" cy="0"/>
+        </a:xfrm>
+      </p:grpSpPr>
+      <p:sp>
+        <p:nvSpPr>
+          <p:cNvPr id="2" name="Title 1">
+            <a:extLst>
+              <a:ext uri="{FF2B5EF4-FFF2-40B4-BE49-F238E27FC236}">
+                <a16:creationId xmlns:a16="http://schemas.microsoft.com/office/drawing/2014/main" id="{B87E0180-B0EB-7F4E-B49C-445D1E289390}"/>
+              </a:ext>
+            </a:extLst>
+          </p:cNvPr>
+          <p:cNvSpPr>
+            <a:spLocks noGrp="1"/>
+          </p:cNvSpPr>
+          <p:nvPr>
+            <p:ph type="title"/>
+          </p:nvPr>
+        </p:nvSpPr>
+        <p:spPr/>
+        <p:txBody>
+          <a:bodyPr/>
+          <a:lstStyle/>
+          <a:p>
+            <a:r>
+              <a:rPr lang="en-US" dirty="0"/>
+              <a:t>Bursting data</a:t>
+            </a:r>
+          </a:p>
+        </p:txBody>
+      </p:sp>
+      <p:sp>
+        <p:nvSpPr>
+          <p:cNvPr id="3" name="Text Placeholder 2">
+            <a:extLst>
+              <a:ext uri="{FF2B5EF4-FFF2-40B4-BE49-F238E27FC236}">
+                <a16:creationId xmlns:a16="http://schemas.microsoft.com/office/drawing/2014/main" id="{F5E08751-C6D9-BD46-8202-A466720C70FF}"/>
+              </a:ext>
+            </a:extLst>
+          </p:cNvPr>
+          <p:cNvSpPr>
+            <a:spLocks noGrp="1"/>
+          </p:cNvSpPr>
+          <p:nvPr>
+            <p:ph type="body" idx="1"/>
+          </p:nvPr>
+        </p:nvSpPr>
+        <p:spPr/>
+        <p:txBody>
+          <a:bodyPr/>
+          <a:lstStyle/>
+          <a:p>
+            <a:r>
+              <a:rPr lang="en-US" dirty="0"/>
+              <a:t> Also as part of the lab we have a ”bursting” system that basically sets up the channel buffer to “burst” three “writes” to our database every 200 milliseconds. </a:t>
+            </a:r>
+          </a:p>
+          <a:p>
+            <a:r>
+              <a:rPr lang="en-US" dirty="0"/>
+              <a:t> A good system to set up is to check the concurrency of the database that you are writing to and line up your channel workers with that number.</a:t>
+            </a:r>
+          </a:p>
+        </p:txBody>
+      </p:sp>
+      <p:pic>
+        <p:nvPicPr>
+          <p:cNvPr id="3074" name="Picture 2" descr="Image result for golang gopher">
+            <a:extLst>
+              <a:ext uri="{FF2B5EF4-FFF2-40B4-BE49-F238E27FC236}">
+                <a16:creationId xmlns:a16="http://schemas.microsoft.com/office/drawing/2014/main" id="{D475D335-9E1B-8046-A080-D642BDE07A6F}"/>
+              </a:ext>
+            </a:extLst>
+          </p:cNvPr>
+          <p:cNvPicPr>
+            <a:picLocks noChangeAspect="1" noChangeArrowheads="1"/>
+          </p:cNvPicPr>
+          <p:nvPr/>
+        </p:nvPicPr>
+        <p:blipFill>
+          <a:blip r:embed="rId2">
+            <a:extLst>
+              <a:ext uri="{28A0092B-C50C-407E-A947-70E740481C1C}">
+                <a14:useLocalDpi xmlns:a14="http://schemas.microsoft.com/office/drawing/2010/main" val="0"/>
+              </a:ext>
+            </a:extLst>
+          </a:blip>
+          <a:srcRect/>
+          <a:stretch>
+            <a:fillRect/>
+          </a:stretch>
+        </p:blipFill>
+        <p:spPr bwMode="auto">
+          <a:xfrm>
+            <a:off x="3685880" y="4164290"/>
+            <a:ext cx="2314870" cy="2314870"/>
+          </a:xfrm>
+          <a:prstGeom prst="rect">
+            <a:avLst/>
+          </a:prstGeom>
+          <a:noFill/>
+          <a:extLst>
+            <a:ext uri="{909E8E84-426E-40DD-AFC4-6F175D3DCCD1}">
+              <a14:hiddenFill xmlns:a14="http://schemas.microsoft.com/office/drawing/2010/main">
+                <a:solidFill>
+                  <a:srgbClr val="FFFFFF"/>
+                </a:solidFill>
+              </a14:hiddenFill>
+            </a:ext>
+          </a:extLst>
+        </p:spPr>
+      </p:pic>
+    </p:spTree>
+    <p:extLst>
+      <p:ext uri="{BB962C8B-B14F-4D97-AF65-F5344CB8AC3E}">
+        <p14:creationId xmlns:p14="http://schemas.microsoft.com/office/powerpoint/2010/main" val="3717393469"/>
+      </p:ext>
+    </p:extLst>
+  </p:cSld>
+  <p:clrMapOvr>
+    <a:masterClrMapping/>
+  </p:clrMapOvr>
+</p:sld>
+</file>
+
+<file path=ppt/slides/slide39.xml><?xml version="1.0" encoding="utf-8"?>
+<p:sld xmlns:a="http://schemas.openxmlformats.org/drawingml/2006/main" xmlns:r="http://schemas.openxmlformats.org/officeDocument/2006/relationships" xmlns:p="http://schemas.openxmlformats.org/presentationml/2006/main">
+  <p:cSld>
+    <p:spTree>
+      <p:nvGrpSpPr>
+        <p:cNvPr id="1" name=""/>
+        <p:cNvGrpSpPr/>
+        <p:nvPr/>
+      </p:nvGrpSpPr>
+      <p:grpSpPr>
+        <a:xfrm>
+          <a:off x="0" y="0"/>
+          <a:ext cx="0" cy="0"/>
+          <a:chOff x="0" y="0"/>
+          <a:chExt cx="0" cy="0"/>
+        </a:xfrm>
+      </p:grpSpPr>
+      <p:sp>
+        <p:nvSpPr>
+          <p:cNvPr id="2" name="Title 1">
+            <a:extLst>
+              <a:ext uri="{FF2B5EF4-FFF2-40B4-BE49-F238E27FC236}">
+                <a16:creationId xmlns:a16="http://schemas.microsoft.com/office/drawing/2014/main" id="{C295AF79-776A-4247-8BD6-187BF8BBB8B5}"/>
+              </a:ext>
+            </a:extLst>
+          </p:cNvPr>
+          <p:cNvSpPr>
+            <a:spLocks noGrp="1"/>
+          </p:cNvSpPr>
+          <p:nvPr>
+            <p:ph type="title"/>
+          </p:nvPr>
+        </p:nvSpPr>
+        <p:spPr/>
+        <p:txBody>
+          <a:bodyPr/>
+          <a:lstStyle/>
+          <a:p>
+            <a:r>
+              <a:rPr lang="en-US" dirty="0"/>
+              <a:t>Atomics vs Mutexes</a:t>
+            </a:r>
+          </a:p>
+        </p:txBody>
+      </p:sp>
+      <p:sp>
+        <p:nvSpPr>
+          <p:cNvPr id="3" name="Text Placeholder 2">
+            <a:extLst>
+              <a:ext uri="{FF2B5EF4-FFF2-40B4-BE49-F238E27FC236}">
+                <a16:creationId xmlns:a16="http://schemas.microsoft.com/office/drawing/2014/main" id="{241913A2-998D-364A-BFB7-044CEDA6576C}"/>
+              </a:ext>
+            </a:extLst>
+          </p:cNvPr>
+          <p:cNvSpPr>
+            <a:spLocks noGrp="1"/>
+          </p:cNvSpPr>
+          <p:nvPr>
+            <p:ph type="body" idx="1"/>
+          </p:nvPr>
+        </p:nvSpPr>
+        <p:spPr/>
+        <p:txBody>
+          <a:bodyPr/>
+          <a:lstStyle/>
+          <a:p>
+            <a:r>
+              <a:rPr lang="en-US" dirty="0"/>
+              <a:t> So we’re going to go to another example of an auto-</a:t>
+            </a:r>
+            <a:r>
+              <a:rPr lang="en-US" dirty="0" err="1"/>
+              <a:t>incrementer</a:t>
+            </a:r>
+            <a:r>
+              <a:rPr lang="en-US" dirty="0"/>
+              <a:t> with a race condition to demonstrate the use of an </a:t>
+            </a:r>
+            <a:r>
+              <a:rPr lang="en-US" b="1" dirty="0"/>
+              <a:t>atomic counter</a:t>
+            </a:r>
+            <a:r>
+              <a:rPr lang="en-US" dirty="0"/>
+              <a:t>. </a:t>
+            </a:r>
+          </a:p>
+          <a:p>
+            <a:r>
+              <a:rPr lang="en-US" dirty="0"/>
+              <a:t> So what is </a:t>
+            </a:r>
+            <a:r>
+              <a:rPr lang="en-US" i="1" dirty="0"/>
+              <a:t>actually</a:t>
+            </a:r>
+            <a:r>
+              <a:rPr lang="en-US" dirty="0"/>
+              <a:t> happening behind the scenes is that there are very few </a:t>
+            </a:r>
+            <a:r>
+              <a:rPr lang="en-US" i="1" dirty="0"/>
+              <a:t>pure</a:t>
+            </a:r>
+            <a:r>
+              <a:rPr lang="en-US" dirty="0"/>
+              <a:t> atomic events in machine language. Even an increment has three portions:</a:t>
+            </a:r>
+          </a:p>
+          <a:p>
+            <a:pPr lvl="1"/>
+            <a:r>
+              <a:rPr lang="en-US" dirty="0"/>
+              <a:t> </a:t>
+            </a:r>
+            <a:r>
+              <a:rPr lang="en-US" b="1" dirty="0"/>
+              <a:t>FETCH</a:t>
+            </a:r>
+            <a:r>
+              <a:rPr lang="en-US" dirty="0"/>
+              <a:t> the variable</a:t>
+            </a:r>
+          </a:p>
+          <a:p>
+            <a:pPr lvl="1"/>
+            <a:r>
+              <a:rPr lang="en-US" dirty="0"/>
+              <a:t> </a:t>
+            </a:r>
+            <a:r>
+              <a:rPr lang="en-US" b="1" dirty="0"/>
+              <a:t>INCREMENT </a:t>
+            </a:r>
+            <a:r>
+              <a:rPr lang="en-US" dirty="0"/>
+              <a:t>the variable</a:t>
+            </a:r>
+          </a:p>
+          <a:p>
+            <a:pPr lvl="1"/>
+            <a:r>
+              <a:rPr lang="en-US" dirty="0"/>
+              <a:t> </a:t>
+            </a:r>
+            <a:r>
+              <a:rPr lang="en-US" b="1" dirty="0"/>
+              <a:t>STORE</a:t>
+            </a:r>
+            <a:r>
+              <a:rPr lang="en-US" dirty="0"/>
+              <a:t> the new variable</a:t>
+            </a:r>
+          </a:p>
+        </p:txBody>
+      </p:sp>
+      <p:pic>
+        <p:nvPicPr>
+          <p:cNvPr id="4098" name="Picture 2" descr="Image result for golang gopher">
+            <a:extLst>
+              <a:ext uri="{FF2B5EF4-FFF2-40B4-BE49-F238E27FC236}">
+                <a16:creationId xmlns:a16="http://schemas.microsoft.com/office/drawing/2014/main" id="{4D904754-6A64-9246-928F-2974DEC39250}"/>
+              </a:ext>
+            </a:extLst>
+          </p:cNvPr>
+          <p:cNvPicPr>
+            <a:picLocks noChangeAspect="1" noChangeArrowheads="1"/>
+          </p:cNvPicPr>
+          <p:nvPr/>
+        </p:nvPicPr>
+        <p:blipFill>
+          <a:blip r:embed="rId2">
+            <a:extLst>
+              <a:ext uri="{28A0092B-C50C-407E-A947-70E740481C1C}">
+                <a14:useLocalDpi xmlns:a14="http://schemas.microsoft.com/office/drawing/2010/main" val="0"/>
+              </a:ext>
+            </a:extLst>
+          </a:blip>
+          <a:srcRect/>
+          <a:stretch>
+            <a:fillRect/>
+          </a:stretch>
+        </p:blipFill>
+        <p:spPr bwMode="auto">
+          <a:xfrm>
+            <a:off x="5879379" y="4232634"/>
+            <a:ext cx="2053865" cy="2053865"/>
+          </a:xfrm>
+          <a:prstGeom prst="rect">
+            <a:avLst/>
+          </a:prstGeom>
+          <a:noFill/>
+          <a:extLst>
+            <a:ext uri="{909E8E84-426E-40DD-AFC4-6F175D3DCCD1}">
+              <a14:hiddenFill xmlns:a14="http://schemas.microsoft.com/office/drawing/2010/main">
+                <a:solidFill>
+                  <a:srgbClr val="FFFFFF"/>
+                </a:solidFill>
+              </a14:hiddenFill>
+            </a:ext>
+          </a:extLst>
+        </p:spPr>
+      </p:pic>
+    </p:spTree>
+    <p:extLst>
+      <p:ext uri="{BB962C8B-B14F-4D97-AF65-F5344CB8AC3E}">
+        <p14:creationId xmlns:p14="http://schemas.microsoft.com/office/powerpoint/2010/main" val="3810891331"/>
+      </p:ext>
+    </p:extLst>
+  </p:cSld>
+  <p:clrMapOvr>
+    <a:masterClrMapping/>
+  </p:clrMapOvr>
+</p:sld>
+</file>
+
+<file path=ppt/slides/slide4.xml><?xml version="1.0" encoding="utf-8"?>
+<p:sld xmlns:a="http://schemas.openxmlformats.org/drawingml/2006/main" xmlns:r="http://schemas.openxmlformats.org/officeDocument/2006/relationships" xmlns:p="http://schemas.openxmlformats.org/presentationml/2006/main">
+  <p:cSld>
+    <p:spTree>
+      <p:nvGrpSpPr>
+        <p:cNvPr id="1" name=""/>
+        <p:cNvGrpSpPr/>
+        <p:nvPr/>
+      </p:nvGrpSpPr>
+      <p:grpSpPr>
+        <a:xfrm>
+          <a:off x="0" y="0"/>
+          <a:ext cx="0" cy="0"/>
+          <a:chOff x="0" y="0"/>
+          <a:chExt cx="0" cy="0"/>
+        </a:xfrm>
+      </p:grpSpPr>
+      <p:sp>
+        <p:nvSpPr>
+          <p:cNvPr id="2" name="Title 1">
+            <a:extLst>
+              <a:ext uri="{FF2B5EF4-FFF2-40B4-BE49-F238E27FC236}">
+                <a16:creationId xmlns:a16="http://schemas.microsoft.com/office/drawing/2014/main" id="{70439440-D462-214D-BE5F-540E84D0818D}"/>
+              </a:ext>
+            </a:extLst>
+          </p:cNvPr>
+          <p:cNvSpPr>
+            <a:spLocks noGrp="1"/>
+          </p:cNvSpPr>
+          <p:nvPr>
+            <p:ph type="title"/>
+          </p:nvPr>
+        </p:nvSpPr>
+        <p:spPr/>
+        <p:txBody>
+          <a:bodyPr/>
+          <a:lstStyle/>
+          <a:p>
+            <a:r>
+              <a:rPr lang="en-US" dirty="0"/>
+              <a:t>Parallelism in GO</a:t>
+            </a:r>
+          </a:p>
+        </p:txBody>
+      </p:sp>
+      <p:sp>
+        <p:nvSpPr>
+          <p:cNvPr id="3" name="Text Placeholder 2">
+            <a:extLst>
+              <a:ext uri="{FF2B5EF4-FFF2-40B4-BE49-F238E27FC236}">
+                <a16:creationId xmlns:a16="http://schemas.microsoft.com/office/drawing/2014/main" id="{2637EF67-9346-FC42-805A-E5A953E2F20F}"/>
+              </a:ext>
+            </a:extLst>
+          </p:cNvPr>
+          <p:cNvSpPr>
+            <a:spLocks noGrp="1"/>
+          </p:cNvSpPr>
+          <p:nvPr>
+            <p:ph type="body" idx="1"/>
+          </p:nvPr>
+        </p:nvSpPr>
+        <p:spPr/>
+        <p:txBody>
+          <a:bodyPr/>
+          <a:lstStyle/>
+          <a:p>
+            <a:r>
+              <a:rPr lang="en-US" dirty="0"/>
+              <a:t> Basically two things happening at once. You can do this in multi-core systems by having things operate on different cores. So in the jogging example:</a:t>
+            </a:r>
+          </a:p>
+          <a:p>
+            <a:pPr lvl="1"/>
+            <a:r>
+              <a:rPr lang="en-US" i="1" dirty="0"/>
+              <a:t> As you are jogging you are simultaneously listening to your </a:t>
+            </a:r>
+            <a:r>
+              <a:rPr lang="en-US" i="1" dirty="0" err="1"/>
+              <a:t>ipod</a:t>
+            </a:r>
+            <a:r>
+              <a:rPr lang="en-US" i="1" dirty="0"/>
+              <a:t>. You are now operating your jogging and </a:t>
+            </a:r>
+            <a:r>
+              <a:rPr lang="en-US" i="1" dirty="0" err="1"/>
+              <a:t>ipod</a:t>
+            </a:r>
+            <a:r>
+              <a:rPr lang="en-US" i="1" dirty="0"/>
+              <a:t> </a:t>
+            </a:r>
+            <a:r>
+              <a:rPr lang="en-US" b="1" i="1" dirty="0"/>
+              <a:t>in parallel</a:t>
+            </a:r>
+            <a:r>
+              <a:rPr lang="en-US" i="1" dirty="0"/>
+              <a:t>.</a:t>
+            </a:r>
+          </a:p>
+        </p:txBody>
+      </p:sp>
+      <p:pic>
+        <p:nvPicPr>
+          <p:cNvPr id="2050" name="Picture 2" descr="concurrency-parallelism-go">
+            <a:extLst>
+              <a:ext uri="{FF2B5EF4-FFF2-40B4-BE49-F238E27FC236}">
+                <a16:creationId xmlns:a16="http://schemas.microsoft.com/office/drawing/2014/main" id="{F2A47BE4-6B23-4946-B794-F1853063C757}"/>
+              </a:ext>
+            </a:extLst>
+          </p:cNvPr>
+          <p:cNvPicPr>
+            <a:picLocks noChangeAspect="1" noChangeArrowheads="1"/>
+          </p:cNvPicPr>
+          <p:nvPr/>
+        </p:nvPicPr>
+        <p:blipFill rotWithShape="1">
+          <a:blip r:embed="rId2">
+            <a:extLst>
+              <a:ext uri="{28A0092B-C50C-407E-A947-70E740481C1C}">
+                <a14:useLocalDpi xmlns:a14="http://schemas.microsoft.com/office/drawing/2010/main" val="0"/>
+              </a:ext>
+            </a:extLst>
+          </a:blip>
+          <a:srcRect t="37372"/>
+          <a:stretch/>
+        </p:blipFill>
+        <p:spPr bwMode="auto">
+          <a:xfrm>
+            <a:off x="1055801" y="3820210"/>
+            <a:ext cx="6787299" cy="2659729"/>
+          </a:xfrm>
+          <a:prstGeom prst="rect">
+            <a:avLst/>
+          </a:prstGeom>
+          <a:noFill/>
+          <a:extLst>
+            <a:ext uri="{909E8E84-426E-40DD-AFC4-6F175D3DCCD1}">
+              <a14:hiddenFill xmlns:a14="http://schemas.microsoft.com/office/drawing/2010/main">
+                <a:solidFill>
+                  <a:srgbClr val="FFFFFF"/>
+                </a:solidFill>
+              </a14:hiddenFill>
+            </a:ext>
+          </a:extLst>
+        </p:spPr>
+      </p:pic>
+    </p:spTree>
+    <p:extLst>
+      <p:ext uri="{BB962C8B-B14F-4D97-AF65-F5344CB8AC3E}">
+        <p14:creationId xmlns:p14="http://schemas.microsoft.com/office/powerpoint/2010/main" val="2975953495"/>
+      </p:ext>
+    </p:extLst>
+  </p:cSld>
+  <p:clrMapOvr>
+    <a:masterClrMapping/>
+  </p:clrMapOvr>
+</p:sld>
+</file>
+
+<file path=ppt/slides/slide40.xml><?xml version="1.0" encoding="utf-8"?>
+<p:sld xmlns:a="http://schemas.openxmlformats.org/drawingml/2006/main" xmlns:r="http://schemas.openxmlformats.org/officeDocument/2006/relationships" xmlns:p="http://schemas.openxmlformats.org/presentationml/2006/main">
+  <p:cSld>
+    <p:spTree>
+      <p:nvGrpSpPr>
+        <p:cNvPr id="1" name=""/>
+        <p:cNvGrpSpPr/>
+        <p:nvPr/>
+      </p:nvGrpSpPr>
+      <p:grpSpPr>
+        <a:xfrm>
+          <a:off x="0" y="0"/>
+          <a:ext cx="0" cy="0"/>
+          <a:chOff x="0" y="0"/>
+          <a:chExt cx="0" cy="0"/>
+        </a:xfrm>
+      </p:grpSpPr>
+      <p:sp>
+        <p:nvSpPr>
+          <p:cNvPr id="2" name="Title 1">
+            <a:extLst>
+              <a:ext uri="{FF2B5EF4-FFF2-40B4-BE49-F238E27FC236}">
+                <a16:creationId xmlns:a16="http://schemas.microsoft.com/office/drawing/2014/main" id="{9266AFCE-38E1-A240-B2D6-D42D32014F79}"/>
+              </a:ext>
+            </a:extLst>
+          </p:cNvPr>
+          <p:cNvSpPr>
+            <a:spLocks noGrp="1"/>
+          </p:cNvSpPr>
+          <p:nvPr>
+            <p:ph type="title"/>
+          </p:nvPr>
+        </p:nvSpPr>
+        <p:spPr/>
+        <p:txBody>
+          <a:bodyPr/>
+          <a:lstStyle/>
+          <a:p>
+            <a:r>
+              <a:rPr lang="en-US" dirty="0"/>
+              <a:t>Atomic processes</a:t>
+            </a:r>
+          </a:p>
+        </p:txBody>
+      </p:sp>
+      <p:sp>
+        <p:nvSpPr>
+          <p:cNvPr id="3" name="Text Placeholder 2">
+            <a:extLst>
+              <a:ext uri="{FF2B5EF4-FFF2-40B4-BE49-F238E27FC236}">
+                <a16:creationId xmlns:a16="http://schemas.microsoft.com/office/drawing/2014/main" id="{D7DEB548-37A0-C841-AF3C-A2D7337D3303}"/>
+              </a:ext>
+            </a:extLst>
+          </p:cNvPr>
+          <p:cNvSpPr>
+            <a:spLocks noGrp="1"/>
+          </p:cNvSpPr>
+          <p:nvPr>
+            <p:ph type="body" idx="1"/>
+          </p:nvPr>
+        </p:nvSpPr>
+        <p:spPr/>
+        <p:txBody>
+          <a:bodyPr/>
+          <a:lstStyle/>
+          <a:p>
+            <a:r>
+              <a:rPr lang="en-US" dirty="0"/>
+              <a:t> So basically what the </a:t>
+            </a:r>
+            <a:r>
+              <a:rPr lang="en-US" b="1" dirty="0"/>
+              <a:t>atomic</a:t>
+            </a:r>
+            <a:r>
+              <a:rPr lang="en-US" dirty="0"/>
+              <a:t> package is doing is similar to what the </a:t>
+            </a:r>
+            <a:r>
+              <a:rPr lang="en-US" b="1" dirty="0"/>
+              <a:t>mutex</a:t>
+            </a:r>
+            <a:r>
+              <a:rPr lang="en-US" dirty="0"/>
+              <a:t> package was doing- which is to take a three step method and make it an </a:t>
+            </a:r>
+            <a:r>
+              <a:rPr lang="en-US" b="1" dirty="0"/>
+              <a:t>atomic</a:t>
+            </a:r>
+            <a:r>
+              <a:rPr lang="en-US" dirty="0"/>
+              <a:t> one by locking the variable.</a:t>
+            </a:r>
+          </a:p>
+        </p:txBody>
+      </p:sp>
+      <p:pic>
+        <p:nvPicPr>
+          <p:cNvPr id="5122" name="Picture 2" descr="Image result for golang gopher">
+            <a:extLst>
+              <a:ext uri="{FF2B5EF4-FFF2-40B4-BE49-F238E27FC236}">
+                <a16:creationId xmlns:a16="http://schemas.microsoft.com/office/drawing/2014/main" id="{F002B9B2-0484-3D4E-A0FB-7C61DEE4D8BB}"/>
+              </a:ext>
+            </a:extLst>
+          </p:cNvPr>
+          <p:cNvPicPr>
+            <a:picLocks noChangeAspect="1" noChangeArrowheads="1"/>
+          </p:cNvPicPr>
+          <p:nvPr/>
+        </p:nvPicPr>
+        <p:blipFill>
+          <a:blip r:embed="rId2">
+            <a:extLst>
+              <a:ext uri="{28A0092B-C50C-407E-A947-70E740481C1C}">
+                <a14:useLocalDpi xmlns:a14="http://schemas.microsoft.com/office/drawing/2010/main" val="0"/>
+              </a:ext>
+            </a:extLst>
+          </a:blip>
+          <a:srcRect/>
+          <a:stretch>
+            <a:fillRect/>
+          </a:stretch>
+        </p:blipFill>
+        <p:spPr bwMode="auto">
+          <a:xfrm>
+            <a:off x="3256371" y="3328024"/>
+            <a:ext cx="2857500" cy="2857500"/>
+          </a:xfrm>
+          <a:prstGeom prst="rect">
+            <a:avLst/>
+          </a:prstGeom>
+          <a:noFill/>
+          <a:extLst>
+            <a:ext uri="{909E8E84-426E-40DD-AFC4-6F175D3DCCD1}">
+              <a14:hiddenFill xmlns:a14="http://schemas.microsoft.com/office/drawing/2010/main">
+                <a:solidFill>
+                  <a:srgbClr val="FFFFFF"/>
+                </a:solidFill>
+              </a14:hiddenFill>
+            </a:ext>
+          </a:extLst>
+        </p:spPr>
+      </p:pic>
+    </p:spTree>
+    <p:extLst>
+      <p:ext uri="{BB962C8B-B14F-4D97-AF65-F5344CB8AC3E}">
+        <p14:creationId xmlns:p14="http://schemas.microsoft.com/office/powerpoint/2010/main" val="3714987180"/>
+      </p:ext>
+    </p:extLst>
+  </p:cSld>
+  <p:clrMapOvr>
+    <a:masterClrMapping/>
+  </p:clrMapOvr>
+</p:sld>
+</file>
+
+<file path=ppt/slides/slide41.xml><?xml version="1.0" encoding="utf-8"?>
 <p:sld xmlns:a="http://schemas.openxmlformats.org/drawingml/2006/main" xmlns:r="http://schemas.openxmlformats.org/officeDocument/2006/relationships" xmlns:p="http://schemas.openxmlformats.org/presentationml/2006/main">
   <p:cSld>
     <p:spTree>
@@ -11950,11 +12869,7 @@
             </a:pPr>
             <a:r>
               <a:rPr lang="en-US" dirty="0"/>
-              <a:t>Moving on </a:t>
-            </a:r>
-            <a:r>
-              <a:rPr lang="en-US"/>
-              <a:t>to Module 4….</a:t>
+              <a:t>Moving on to Module 5….</a:t>
             </a:r>
             <a:endParaRPr dirty="0"/>
           </a:p>
@@ -12196,168 +13111,6 @@
     <p:extLst>
       <p:ext uri="{BB962C8B-B14F-4D97-AF65-F5344CB8AC3E}">
         <p14:creationId xmlns:p14="http://schemas.microsoft.com/office/powerpoint/2010/main" val="3120604218"/>
-      </p:ext>
-    </p:extLst>
-  </p:cSld>
-  <p:clrMapOvr>
-    <a:masterClrMapping/>
-  </p:clrMapOvr>
-</p:sld>
-</file>
-
-<file path=ppt/slides/slide4.xml><?xml version="1.0" encoding="utf-8"?>
-<p:sld xmlns:a="http://schemas.openxmlformats.org/drawingml/2006/main" xmlns:r="http://schemas.openxmlformats.org/officeDocument/2006/relationships" xmlns:p="http://schemas.openxmlformats.org/presentationml/2006/main">
-  <p:cSld>
-    <p:spTree>
-      <p:nvGrpSpPr>
-        <p:cNvPr id="1" name=""/>
-        <p:cNvGrpSpPr/>
-        <p:nvPr/>
-      </p:nvGrpSpPr>
-      <p:grpSpPr>
-        <a:xfrm>
-          <a:off x="0" y="0"/>
-          <a:ext cx="0" cy="0"/>
-          <a:chOff x="0" y="0"/>
-          <a:chExt cx="0" cy="0"/>
-        </a:xfrm>
-      </p:grpSpPr>
-      <p:sp>
-        <p:nvSpPr>
-          <p:cNvPr id="2" name="Title 1">
-            <a:extLst>
-              <a:ext uri="{FF2B5EF4-FFF2-40B4-BE49-F238E27FC236}">
-                <a16:creationId xmlns:a16="http://schemas.microsoft.com/office/drawing/2014/main" id="{70439440-D462-214D-BE5F-540E84D0818D}"/>
-              </a:ext>
-            </a:extLst>
-          </p:cNvPr>
-          <p:cNvSpPr>
-            <a:spLocks noGrp="1"/>
-          </p:cNvSpPr>
-          <p:nvPr>
-            <p:ph type="title"/>
-          </p:nvPr>
-        </p:nvSpPr>
-        <p:spPr/>
-        <p:txBody>
-          <a:bodyPr/>
-          <a:lstStyle/>
-          <a:p>
-            <a:r>
-              <a:rPr lang="en-US" dirty="0"/>
-              <a:t>Parallelism in GO</a:t>
-            </a:r>
-          </a:p>
-        </p:txBody>
-      </p:sp>
-      <p:sp>
-        <p:nvSpPr>
-          <p:cNvPr id="3" name="Text Placeholder 2">
-            <a:extLst>
-              <a:ext uri="{FF2B5EF4-FFF2-40B4-BE49-F238E27FC236}">
-                <a16:creationId xmlns:a16="http://schemas.microsoft.com/office/drawing/2014/main" id="{2637EF67-9346-FC42-805A-E5A953E2F20F}"/>
-              </a:ext>
-            </a:extLst>
-          </p:cNvPr>
-          <p:cNvSpPr>
-            <a:spLocks noGrp="1"/>
-          </p:cNvSpPr>
-          <p:nvPr>
-            <p:ph type="body" idx="1"/>
-          </p:nvPr>
-        </p:nvSpPr>
-        <p:spPr/>
-        <p:txBody>
-          <a:bodyPr/>
-          <a:lstStyle/>
-          <a:p>
-            <a:r>
-              <a:rPr lang="en-US" dirty="0"/>
-              <a:t> Basically two things happening at once. You can do this in multi-core systems by having things operate on different cores. So in the jogging example:</a:t>
-            </a:r>
-          </a:p>
-          <a:p>
-            <a:pPr lvl="1"/>
-            <a:r>
-              <a:rPr lang="en-US" i="1" dirty="0"/>
-              <a:t> As you are jogging you are simultaneously listening to your </a:t>
-            </a:r>
-            <a:r>
-              <a:rPr lang="en-US" i="1" dirty="0" err="1"/>
-              <a:t>ipod</a:t>
-            </a:r>
-            <a:r>
-              <a:rPr lang="en-US" i="1" dirty="0"/>
-              <a:t>. You are now operating your jogging and </a:t>
-            </a:r>
-            <a:r>
-              <a:rPr lang="en-US" i="1" dirty="0" err="1"/>
-              <a:t>ipod</a:t>
-            </a:r>
-            <a:r>
-              <a:rPr lang="en-US" i="1" dirty="0"/>
-              <a:t> </a:t>
-            </a:r>
-            <a:r>
-              <a:rPr lang="en-US" b="1" i="1" dirty="0"/>
-              <a:t>in parallel</a:t>
-            </a:r>
-            <a:r>
-              <a:rPr lang="en-US" i="1" dirty="0"/>
-              <a:t>.</a:t>
-            </a:r>
-          </a:p>
-        </p:txBody>
-      </p:sp>
-      <p:pic>
-        <p:nvPicPr>
-          <p:cNvPr id="2050" name="Picture 2" descr="concurrency-parallelism-go">
-            <a:extLst>
-              <a:ext uri="{FF2B5EF4-FFF2-40B4-BE49-F238E27FC236}">
-                <a16:creationId xmlns:a16="http://schemas.microsoft.com/office/drawing/2014/main" id="{F2A47BE4-6B23-4946-B794-F1853063C757}"/>
-              </a:ext>
-            </a:extLst>
-          </p:cNvPr>
-          <p:cNvPicPr>
-            <a:picLocks noChangeAspect="1" noChangeArrowheads="1"/>
-          </p:cNvPicPr>
-          <p:nvPr/>
-        </p:nvPicPr>
-        <p:blipFill rotWithShape="1">
-          <a:blip r:embed="rId2">
-            <a:extLst>
-              <a:ext uri="{28A0092B-C50C-407E-A947-70E740481C1C}">
-                <a14:useLocalDpi xmlns:a14="http://schemas.microsoft.com/office/drawing/2010/main" val="0"/>
-              </a:ext>
-            </a:extLst>
-          </a:blip>
-          <a:srcRect t="37372"/>
-          <a:stretch/>
-        </p:blipFill>
-        <p:spPr bwMode="auto">
-          <a:xfrm>
-            <a:off x="1055801" y="3820210"/>
-            <a:ext cx="6787299" cy="2659729"/>
-          </a:xfrm>
-          <a:prstGeom prst="rect">
-            <a:avLst/>
-          </a:prstGeom>
-          <a:noFill/>
-          <a:extLst>
-            <a:ext uri="{909E8E84-426E-40DD-AFC4-6F175D3DCCD1}">
-              <a14:hiddenFill xmlns:a14="http://schemas.microsoft.com/office/drawing/2010/main">
-                <a:solidFill>
-                  <a:srgbClr val="FFFFFF"/>
-                </a:solidFill>
-              </a14:hiddenFill>
-            </a:ext>
-          </a:extLst>
-        </p:spPr>
-      </p:pic>
-    </p:spTree>
-    <p:extLst>
-      <p:ext uri="{BB962C8B-B14F-4D97-AF65-F5344CB8AC3E}">
-        <p14:creationId xmlns:p14="http://schemas.microsoft.com/office/powerpoint/2010/main" val="2975953495"/>
       </p:ext>
     </p:extLst>
   </p:cSld>
